--- a/7_distributed_training/DistributedTraining.pptx
+++ b/7_distributed_training/DistributedTraining.pptx
@@ -5,20 +5,22 @@
     <p:sldMasterId id="2147483648" r:id="rId1"/>
   </p:sldMasterIdLst>
   <p:notesMasterIdLst>
-    <p:notesMasterId r:id="rId10"/>
+    <p:notesMasterId r:id="rId12"/>
   </p:notesMasterIdLst>
   <p:handoutMasterIdLst>
-    <p:handoutMasterId r:id="rId11"/>
+    <p:handoutMasterId r:id="rId13"/>
   </p:handoutMasterIdLst>
   <p:sldIdLst>
     <p:sldId id="256" r:id="rId2"/>
-    <p:sldId id="261" r:id="rId3"/>
-    <p:sldId id="257" r:id="rId4"/>
-    <p:sldId id="258" r:id="rId5"/>
-    <p:sldId id="259" r:id="rId6"/>
+    <p:sldId id="257" r:id="rId3"/>
+    <p:sldId id="258" r:id="rId4"/>
+    <p:sldId id="259" r:id="rId5"/>
+    <p:sldId id="264" r:id="rId6"/>
     <p:sldId id="260" r:id="rId7"/>
-    <p:sldId id="263" r:id="rId8"/>
+    <p:sldId id="265" r:id="rId8"/>
     <p:sldId id="262" r:id="rId9"/>
+    <p:sldId id="261" r:id="rId10"/>
+    <p:sldId id="263" r:id="rId11"/>
   </p:sldIdLst>
   <p:sldSz cx="12192000" cy="6858000"/>
   <p:notesSz cx="6858000" cy="9144000"/>
@@ -128,6 +130,2494 @@
 </p:presentation>
 </file>
 
+<file path=ppt/diagrams/colors1.xml><?xml version="1.0" encoding="utf-8"?>
+<dgm:colorsDef xmlns:dgm="http://schemas.openxmlformats.org/drawingml/2006/diagram" xmlns:a="http://schemas.openxmlformats.org/drawingml/2006/main" uniqueId="urn:microsoft.com/office/officeart/2005/8/colors/accent1_2">
+  <dgm:title val=""/>
+  <dgm:desc val=""/>
+  <dgm:catLst>
+    <dgm:cat type="accent1" pri="11200"/>
+  </dgm:catLst>
+  <dgm:styleLbl name="node0">
+    <dgm:fillClrLst meth="repeat">
+      <a:schemeClr val="accent1"/>
+    </dgm:fillClrLst>
+    <dgm:linClrLst meth="repeat">
+      <a:schemeClr val="lt1"/>
+    </dgm:linClrLst>
+    <dgm:effectClrLst/>
+    <dgm:txLinClrLst/>
+    <dgm:txFillClrLst/>
+    <dgm:txEffectClrLst/>
+  </dgm:styleLbl>
+  <dgm:styleLbl name="alignNode1">
+    <dgm:fillClrLst meth="repeat">
+      <a:schemeClr val="accent1"/>
+    </dgm:fillClrLst>
+    <dgm:linClrLst meth="repeat">
+      <a:schemeClr val="accent1"/>
+    </dgm:linClrLst>
+    <dgm:effectClrLst/>
+    <dgm:txLinClrLst/>
+    <dgm:txFillClrLst/>
+    <dgm:txEffectClrLst/>
+  </dgm:styleLbl>
+  <dgm:styleLbl name="node1">
+    <dgm:fillClrLst meth="repeat">
+      <a:schemeClr val="accent1"/>
+    </dgm:fillClrLst>
+    <dgm:linClrLst meth="repeat">
+      <a:schemeClr val="lt1"/>
+    </dgm:linClrLst>
+    <dgm:effectClrLst/>
+    <dgm:txLinClrLst/>
+    <dgm:txFillClrLst/>
+    <dgm:txEffectClrLst/>
+  </dgm:styleLbl>
+  <dgm:styleLbl name="lnNode1">
+    <dgm:fillClrLst meth="repeat">
+      <a:schemeClr val="accent1"/>
+    </dgm:fillClrLst>
+    <dgm:linClrLst meth="repeat">
+      <a:schemeClr val="lt1"/>
+    </dgm:linClrLst>
+    <dgm:effectClrLst/>
+    <dgm:txLinClrLst/>
+    <dgm:txFillClrLst/>
+    <dgm:txEffectClrLst/>
+  </dgm:styleLbl>
+  <dgm:styleLbl name="vennNode1">
+    <dgm:fillClrLst meth="repeat">
+      <a:schemeClr val="accent1">
+        <a:alpha val="50000"/>
+      </a:schemeClr>
+    </dgm:fillClrLst>
+    <dgm:linClrLst meth="repeat">
+      <a:schemeClr val="lt1"/>
+    </dgm:linClrLst>
+    <dgm:effectClrLst/>
+    <dgm:txLinClrLst/>
+    <dgm:txFillClrLst/>
+    <dgm:txEffectClrLst/>
+  </dgm:styleLbl>
+  <dgm:styleLbl name="node2">
+    <dgm:fillClrLst meth="repeat">
+      <a:schemeClr val="accent1"/>
+    </dgm:fillClrLst>
+    <dgm:linClrLst meth="repeat">
+      <a:schemeClr val="lt1"/>
+    </dgm:linClrLst>
+    <dgm:effectClrLst/>
+    <dgm:txLinClrLst/>
+    <dgm:txFillClrLst/>
+    <dgm:txEffectClrLst/>
+  </dgm:styleLbl>
+  <dgm:styleLbl name="node3">
+    <dgm:fillClrLst meth="repeat">
+      <a:schemeClr val="accent1"/>
+    </dgm:fillClrLst>
+    <dgm:linClrLst meth="repeat">
+      <a:schemeClr val="lt1"/>
+    </dgm:linClrLst>
+    <dgm:effectClrLst/>
+    <dgm:txLinClrLst/>
+    <dgm:txFillClrLst/>
+    <dgm:txEffectClrLst/>
+  </dgm:styleLbl>
+  <dgm:styleLbl name="node4">
+    <dgm:fillClrLst meth="repeat">
+      <a:schemeClr val="accent1"/>
+    </dgm:fillClrLst>
+    <dgm:linClrLst meth="repeat">
+      <a:schemeClr val="lt1"/>
+    </dgm:linClrLst>
+    <dgm:effectClrLst/>
+    <dgm:txLinClrLst/>
+    <dgm:txFillClrLst/>
+    <dgm:txEffectClrLst/>
+  </dgm:styleLbl>
+  <dgm:styleLbl name="fgImgPlace1">
+    <dgm:fillClrLst meth="repeat">
+      <a:schemeClr val="accent1">
+        <a:tint val="50000"/>
+      </a:schemeClr>
+    </dgm:fillClrLst>
+    <dgm:linClrLst meth="repeat">
+      <a:schemeClr val="lt1"/>
+    </dgm:linClrLst>
+    <dgm:effectClrLst/>
+    <dgm:txLinClrLst/>
+    <dgm:txFillClrLst meth="repeat">
+      <a:schemeClr val="lt1"/>
+    </dgm:txFillClrLst>
+    <dgm:txEffectClrLst/>
+  </dgm:styleLbl>
+  <dgm:styleLbl name="alignImgPlace1">
+    <dgm:fillClrLst meth="repeat">
+      <a:schemeClr val="accent1">
+        <a:tint val="50000"/>
+      </a:schemeClr>
+    </dgm:fillClrLst>
+    <dgm:linClrLst meth="repeat">
+      <a:schemeClr val="lt1"/>
+    </dgm:linClrLst>
+    <dgm:effectClrLst/>
+    <dgm:txLinClrLst/>
+    <dgm:txFillClrLst meth="repeat">
+      <a:schemeClr val="lt1"/>
+    </dgm:txFillClrLst>
+    <dgm:txEffectClrLst/>
+  </dgm:styleLbl>
+  <dgm:styleLbl name="bgImgPlace1">
+    <dgm:fillClrLst meth="repeat">
+      <a:schemeClr val="accent1">
+        <a:tint val="50000"/>
+      </a:schemeClr>
+    </dgm:fillClrLst>
+    <dgm:linClrLst meth="repeat">
+      <a:schemeClr val="lt1"/>
+    </dgm:linClrLst>
+    <dgm:effectClrLst/>
+    <dgm:txLinClrLst/>
+    <dgm:txFillClrLst meth="repeat">
+      <a:schemeClr val="lt1"/>
+    </dgm:txFillClrLst>
+    <dgm:txEffectClrLst/>
+  </dgm:styleLbl>
+  <dgm:styleLbl name="sibTrans2D1">
+    <dgm:fillClrLst meth="repeat">
+      <a:schemeClr val="accent1">
+        <a:tint val="60000"/>
+      </a:schemeClr>
+    </dgm:fillClrLst>
+    <dgm:linClrLst meth="repeat">
+      <a:schemeClr val="accent1">
+        <a:tint val="60000"/>
+      </a:schemeClr>
+    </dgm:linClrLst>
+    <dgm:effectClrLst/>
+    <dgm:txLinClrLst/>
+    <dgm:txFillClrLst/>
+    <dgm:txEffectClrLst/>
+  </dgm:styleLbl>
+  <dgm:styleLbl name="fgSibTrans2D1">
+    <dgm:fillClrLst meth="repeat">
+      <a:schemeClr val="accent1">
+        <a:tint val="60000"/>
+      </a:schemeClr>
+    </dgm:fillClrLst>
+    <dgm:linClrLst meth="repeat">
+      <a:schemeClr val="accent1">
+        <a:tint val="60000"/>
+      </a:schemeClr>
+    </dgm:linClrLst>
+    <dgm:effectClrLst/>
+    <dgm:txLinClrLst/>
+    <dgm:txFillClrLst/>
+    <dgm:txEffectClrLst/>
+  </dgm:styleLbl>
+  <dgm:styleLbl name="bgSibTrans2D1">
+    <dgm:fillClrLst meth="repeat">
+      <a:schemeClr val="accent1">
+        <a:tint val="60000"/>
+      </a:schemeClr>
+    </dgm:fillClrLst>
+    <dgm:linClrLst meth="repeat">
+      <a:schemeClr val="accent1">
+        <a:tint val="60000"/>
+      </a:schemeClr>
+    </dgm:linClrLst>
+    <dgm:effectClrLst/>
+    <dgm:txLinClrLst/>
+    <dgm:txFillClrLst/>
+    <dgm:txEffectClrLst/>
+  </dgm:styleLbl>
+  <dgm:styleLbl name="sibTrans1D1">
+    <dgm:fillClrLst meth="repeat">
+      <a:schemeClr val="accent1"/>
+    </dgm:fillClrLst>
+    <dgm:linClrLst meth="repeat">
+      <a:schemeClr val="accent1"/>
+    </dgm:linClrLst>
+    <dgm:effectClrLst/>
+    <dgm:txLinClrLst/>
+    <dgm:txFillClrLst meth="repeat">
+      <a:schemeClr val="tx1"/>
+    </dgm:txFillClrLst>
+    <dgm:txEffectClrLst/>
+  </dgm:styleLbl>
+  <dgm:styleLbl name="callout">
+    <dgm:fillClrLst meth="repeat">
+      <a:schemeClr val="accent1"/>
+    </dgm:fillClrLst>
+    <dgm:linClrLst meth="repeat">
+      <a:schemeClr val="accent1">
+        <a:tint val="50000"/>
+      </a:schemeClr>
+    </dgm:linClrLst>
+    <dgm:effectClrLst/>
+    <dgm:txLinClrLst/>
+    <dgm:txFillClrLst meth="repeat">
+      <a:schemeClr val="tx1"/>
+    </dgm:txFillClrLst>
+    <dgm:txEffectClrLst/>
+  </dgm:styleLbl>
+  <dgm:styleLbl name="asst0">
+    <dgm:fillClrLst meth="repeat">
+      <a:schemeClr val="accent1"/>
+    </dgm:fillClrLst>
+    <dgm:linClrLst meth="repeat">
+      <a:schemeClr val="lt1"/>
+    </dgm:linClrLst>
+    <dgm:effectClrLst/>
+    <dgm:txLinClrLst/>
+    <dgm:txFillClrLst/>
+    <dgm:txEffectClrLst/>
+  </dgm:styleLbl>
+  <dgm:styleLbl name="asst1">
+    <dgm:fillClrLst meth="repeat">
+      <a:schemeClr val="accent1"/>
+    </dgm:fillClrLst>
+    <dgm:linClrLst meth="repeat">
+      <a:schemeClr val="lt1"/>
+    </dgm:linClrLst>
+    <dgm:effectClrLst/>
+    <dgm:txLinClrLst/>
+    <dgm:txFillClrLst/>
+    <dgm:txEffectClrLst/>
+  </dgm:styleLbl>
+  <dgm:styleLbl name="asst2">
+    <dgm:fillClrLst meth="repeat">
+      <a:schemeClr val="accent1"/>
+    </dgm:fillClrLst>
+    <dgm:linClrLst meth="repeat">
+      <a:schemeClr val="lt1"/>
+    </dgm:linClrLst>
+    <dgm:effectClrLst/>
+    <dgm:txLinClrLst/>
+    <dgm:txFillClrLst/>
+    <dgm:txEffectClrLst/>
+  </dgm:styleLbl>
+  <dgm:styleLbl name="asst3">
+    <dgm:fillClrLst meth="repeat">
+      <a:schemeClr val="accent1"/>
+    </dgm:fillClrLst>
+    <dgm:linClrLst meth="repeat">
+      <a:schemeClr val="lt1"/>
+    </dgm:linClrLst>
+    <dgm:effectClrLst/>
+    <dgm:txLinClrLst/>
+    <dgm:txFillClrLst/>
+    <dgm:txEffectClrLst/>
+  </dgm:styleLbl>
+  <dgm:styleLbl name="asst4">
+    <dgm:fillClrLst meth="repeat">
+      <a:schemeClr val="accent1"/>
+    </dgm:fillClrLst>
+    <dgm:linClrLst meth="repeat">
+      <a:schemeClr val="lt1"/>
+    </dgm:linClrLst>
+    <dgm:effectClrLst/>
+    <dgm:txLinClrLst/>
+    <dgm:txFillClrLst/>
+    <dgm:txEffectClrLst/>
+  </dgm:styleLbl>
+  <dgm:styleLbl name="parChTrans2D1">
+    <dgm:fillClrLst meth="repeat">
+      <a:schemeClr val="accent1">
+        <a:tint val="60000"/>
+      </a:schemeClr>
+    </dgm:fillClrLst>
+    <dgm:linClrLst meth="repeat">
+      <a:schemeClr val="accent1">
+        <a:tint val="60000"/>
+      </a:schemeClr>
+    </dgm:linClrLst>
+    <dgm:effectClrLst/>
+    <dgm:txLinClrLst/>
+    <dgm:txFillClrLst meth="repeat">
+      <a:schemeClr val="lt1"/>
+    </dgm:txFillClrLst>
+    <dgm:txEffectClrLst/>
+  </dgm:styleLbl>
+  <dgm:styleLbl name="parChTrans2D2">
+    <dgm:fillClrLst meth="repeat">
+      <a:schemeClr val="accent1"/>
+    </dgm:fillClrLst>
+    <dgm:linClrLst meth="repeat">
+      <a:schemeClr val="accent1"/>
+    </dgm:linClrLst>
+    <dgm:effectClrLst/>
+    <dgm:txLinClrLst/>
+    <dgm:txFillClrLst meth="repeat">
+      <a:schemeClr val="lt1"/>
+    </dgm:txFillClrLst>
+    <dgm:txEffectClrLst/>
+  </dgm:styleLbl>
+  <dgm:styleLbl name="parChTrans2D3">
+    <dgm:fillClrLst meth="repeat">
+      <a:schemeClr val="accent1"/>
+    </dgm:fillClrLst>
+    <dgm:linClrLst meth="repeat">
+      <a:schemeClr val="accent1"/>
+    </dgm:linClrLst>
+    <dgm:effectClrLst/>
+    <dgm:txLinClrLst/>
+    <dgm:txFillClrLst meth="repeat">
+      <a:schemeClr val="lt1"/>
+    </dgm:txFillClrLst>
+    <dgm:txEffectClrLst/>
+  </dgm:styleLbl>
+  <dgm:styleLbl name="parChTrans2D4">
+    <dgm:fillClrLst meth="repeat">
+      <a:schemeClr val="accent1"/>
+    </dgm:fillClrLst>
+    <dgm:linClrLst meth="repeat">
+      <a:schemeClr val="accent1"/>
+    </dgm:linClrLst>
+    <dgm:effectClrLst/>
+    <dgm:txLinClrLst/>
+    <dgm:txFillClrLst meth="repeat">
+      <a:schemeClr val="lt1"/>
+    </dgm:txFillClrLst>
+    <dgm:txEffectClrLst/>
+  </dgm:styleLbl>
+  <dgm:styleLbl name="parChTrans1D1">
+    <dgm:fillClrLst meth="repeat">
+      <a:schemeClr val="accent1"/>
+    </dgm:fillClrLst>
+    <dgm:linClrLst meth="repeat">
+      <a:schemeClr val="accent1">
+        <a:shade val="60000"/>
+      </a:schemeClr>
+    </dgm:linClrLst>
+    <dgm:effectClrLst/>
+    <dgm:txLinClrLst/>
+    <dgm:txFillClrLst meth="repeat">
+      <a:schemeClr val="tx1"/>
+    </dgm:txFillClrLst>
+    <dgm:txEffectClrLst/>
+  </dgm:styleLbl>
+  <dgm:styleLbl name="parChTrans1D2">
+    <dgm:fillClrLst meth="repeat">
+      <a:schemeClr val="accent1"/>
+    </dgm:fillClrLst>
+    <dgm:linClrLst meth="repeat">
+      <a:schemeClr val="accent1">
+        <a:shade val="60000"/>
+      </a:schemeClr>
+    </dgm:linClrLst>
+    <dgm:effectClrLst/>
+    <dgm:txLinClrLst/>
+    <dgm:txFillClrLst meth="repeat">
+      <a:schemeClr val="tx1"/>
+    </dgm:txFillClrLst>
+    <dgm:txEffectClrLst/>
+  </dgm:styleLbl>
+  <dgm:styleLbl name="parChTrans1D3">
+    <dgm:fillClrLst meth="repeat">
+      <a:schemeClr val="accent1"/>
+    </dgm:fillClrLst>
+    <dgm:linClrLst meth="repeat">
+      <a:schemeClr val="accent1">
+        <a:shade val="80000"/>
+      </a:schemeClr>
+    </dgm:linClrLst>
+    <dgm:effectClrLst/>
+    <dgm:txLinClrLst/>
+    <dgm:txFillClrLst meth="repeat">
+      <a:schemeClr val="tx1"/>
+    </dgm:txFillClrLst>
+    <dgm:txEffectClrLst/>
+  </dgm:styleLbl>
+  <dgm:styleLbl name="parChTrans1D4">
+    <dgm:fillClrLst meth="repeat">
+      <a:schemeClr val="accent1"/>
+    </dgm:fillClrLst>
+    <dgm:linClrLst meth="repeat">
+      <a:schemeClr val="accent1">
+        <a:shade val="80000"/>
+      </a:schemeClr>
+    </dgm:linClrLst>
+    <dgm:effectClrLst/>
+    <dgm:txLinClrLst/>
+    <dgm:txFillClrLst meth="repeat">
+      <a:schemeClr val="tx1"/>
+    </dgm:txFillClrLst>
+    <dgm:txEffectClrLst/>
+  </dgm:styleLbl>
+  <dgm:styleLbl name="fgAcc1">
+    <dgm:fillClrLst meth="repeat">
+      <a:schemeClr val="lt1">
+        <a:alpha val="90000"/>
+      </a:schemeClr>
+    </dgm:fillClrLst>
+    <dgm:linClrLst meth="repeat">
+      <a:schemeClr val="accent1"/>
+    </dgm:linClrLst>
+    <dgm:effectClrLst/>
+    <dgm:txLinClrLst/>
+    <dgm:txFillClrLst meth="repeat">
+      <a:schemeClr val="dk1"/>
+    </dgm:txFillClrLst>
+    <dgm:txEffectClrLst/>
+  </dgm:styleLbl>
+  <dgm:styleLbl name="conFgAcc1">
+    <dgm:fillClrLst meth="repeat">
+      <a:schemeClr val="lt1">
+        <a:alpha val="90000"/>
+      </a:schemeClr>
+    </dgm:fillClrLst>
+    <dgm:linClrLst meth="repeat">
+      <a:schemeClr val="accent1"/>
+    </dgm:linClrLst>
+    <dgm:effectClrLst/>
+    <dgm:txLinClrLst/>
+    <dgm:txFillClrLst meth="repeat">
+      <a:schemeClr val="dk1"/>
+    </dgm:txFillClrLst>
+    <dgm:txEffectClrLst/>
+  </dgm:styleLbl>
+  <dgm:styleLbl name="alignAcc1">
+    <dgm:fillClrLst meth="repeat">
+      <a:schemeClr val="lt1">
+        <a:alpha val="90000"/>
+      </a:schemeClr>
+    </dgm:fillClrLst>
+    <dgm:linClrLst meth="repeat">
+      <a:schemeClr val="accent1"/>
+    </dgm:linClrLst>
+    <dgm:effectClrLst/>
+    <dgm:txLinClrLst/>
+    <dgm:txFillClrLst meth="repeat">
+      <a:schemeClr val="dk1"/>
+    </dgm:txFillClrLst>
+    <dgm:txEffectClrLst/>
+  </dgm:styleLbl>
+  <dgm:styleLbl name="trAlignAcc1">
+    <dgm:fillClrLst meth="repeat">
+      <a:schemeClr val="lt1">
+        <a:alpha val="40000"/>
+      </a:schemeClr>
+    </dgm:fillClrLst>
+    <dgm:linClrLst meth="repeat">
+      <a:schemeClr val="accent1"/>
+    </dgm:linClrLst>
+    <dgm:effectClrLst/>
+    <dgm:txLinClrLst/>
+    <dgm:txFillClrLst meth="repeat">
+      <a:schemeClr val="dk1"/>
+    </dgm:txFillClrLst>
+    <dgm:txEffectClrLst/>
+  </dgm:styleLbl>
+  <dgm:styleLbl name="bgAcc1">
+    <dgm:fillClrLst meth="repeat">
+      <a:schemeClr val="lt1">
+        <a:alpha val="90000"/>
+      </a:schemeClr>
+    </dgm:fillClrLst>
+    <dgm:linClrLst meth="repeat">
+      <a:schemeClr val="accent1"/>
+    </dgm:linClrLst>
+    <dgm:effectClrLst/>
+    <dgm:txLinClrLst/>
+    <dgm:txFillClrLst meth="repeat">
+      <a:schemeClr val="dk1"/>
+    </dgm:txFillClrLst>
+    <dgm:txEffectClrLst/>
+  </dgm:styleLbl>
+  <dgm:styleLbl name="solidFgAcc1">
+    <dgm:fillClrLst meth="repeat">
+      <a:schemeClr val="lt1"/>
+    </dgm:fillClrLst>
+    <dgm:linClrLst meth="repeat">
+      <a:schemeClr val="accent1"/>
+    </dgm:linClrLst>
+    <dgm:effectClrLst/>
+    <dgm:txLinClrLst/>
+    <dgm:txFillClrLst meth="repeat">
+      <a:schemeClr val="dk1"/>
+    </dgm:txFillClrLst>
+    <dgm:txEffectClrLst/>
+  </dgm:styleLbl>
+  <dgm:styleLbl name="solidAlignAcc1">
+    <dgm:fillClrLst meth="repeat">
+      <a:schemeClr val="lt1"/>
+    </dgm:fillClrLst>
+    <dgm:linClrLst meth="repeat">
+      <a:schemeClr val="accent1"/>
+    </dgm:linClrLst>
+    <dgm:effectClrLst/>
+    <dgm:txLinClrLst/>
+    <dgm:txFillClrLst meth="repeat">
+      <a:schemeClr val="dk1"/>
+    </dgm:txFillClrLst>
+    <dgm:txEffectClrLst/>
+  </dgm:styleLbl>
+  <dgm:styleLbl name="solidBgAcc1">
+    <dgm:fillClrLst meth="repeat">
+      <a:schemeClr val="lt1"/>
+    </dgm:fillClrLst>
+    <dgm:linClrLst meth="repeat">
+      <a:schemeClr val="accent1"/>
+    </dgm:linClrLst>
+    <dgm:effectClrLst/>
+    <dgm:txLinClrLst/>
+    <dgm:txFillClrLst meth="repeat">
+      <a:schemeClr val="dk1"/>
+    </dgm:txFillClrLst>
+    <dgm:txEffectClrLst/>
+  </dgm:styleLbl>
+  <dgm:styleLbl name="fgAccFollowNode1">
+    <dgm:fillClrLst meth="repeat">
+      <a:schemeClr val="accent1">
+        <a:alpha val="90000"/>
+        <a:tint val="40000"/>
+      </a:schemeClr>
+    </dgm:fillClrLst>
+    <dgm:linClrLst meth="repeat">
+      <a:schemeClr val="accent1">
+        <a:alpha val="90000"/>
+        <a:tint val="40000"/>
+      </a:schemeClr>
+    </dgm:linClrLst>
+    <dgm:effectClrLst/>
+    <dgm:txLinClrLst/>
+    <dgm:txFillClrLst meth="repeat">
+      <a:schemeClr val="dk1"/>
+    </dgm:txFillClrLst>
+    <dgm:txEffectClrLst/>
+  </dgm:styleLbl>
+  <dgm:styleLbl name="alignAccFollowNode1">
+    <dgm:fillClrLst meth="repeat">
+      <a:schemeClr val="accent1">
+        <a:alpha val="90000"/>
+        <a:tint val="40000"/>
+      </a:schemeClr>
+    </dgm:fillClrLst>
+    <dgm:linClrLst meth="repeat">
+      <a:schemeClr val="accent1">
+        <a:alpha val="90000"/>
+        <a:tint val="40000"/>
+      </a:schemeClr>
+    </dgm:linClrLst>
+    <dgm:effectClrLst/>
+    <dgm:txLinClrLst/>
+    <dgm:txFillClrLst meth="repeat">
+      <a:schemeClr val="dk1"/>
+    </dgm:txFillClrLst>
+    <dgm:txEffectClrLst/>
+  </dgm:styleLbl>
+  <dgm:styleLbl name="bgAccFollowNode1">
+    <dgm:fillClrLst meth="repeat">
+      <a:schemeClr val="accent1">
+        <a:alpha val="90000"/>
+        <a:tint val="40000"/>
+      </a:schemeClr>
+    </dgm:fillClrLst>
+    <dgm:linClrLst meth="repeat">
+      <a:schemeClr val="accent1">
+        <a:alpha val="90000"/>
+        <a:tint val="40000"/>
+      </a:schemeClr>
+    </dgm:linClrLst>
+    <dgm:effectClrLst/>
+    <dgm:txLinClrLst/>
+    <dgm:txFillClrLst meth="repeat">
+      <a:schemeClr val="dk1"/>
+    </dgm:txFillClrLst>
+    <dgm:txEffectClrLst/>
+  </dgm:styleLbl>
+  <dgm:styleLbl name="fgAcc0">
+    <dgm:fillClrLst meth="repeat">
+      <a:schemeClr val="lt1">
+        <a:alpha val="90000"/>
+      </a:schemeClr>
+    </dgm:fillClrLst>
+    <dgm:linClrLst meth="repeat">
+      <a:schemeClr val="accent1"/>
+    </dgm:linClrLst>
+    <dgm:effectClrLst/>
+    <dgm:txLinClrLst/>
+    <dgm:txFillClrLst meth="repeat">
+      <a:schemeClr val="dk1"/>
+    </dgm:txFillClrLst>
+    <dgm:txEffectClrLst/>
+  </dgm:styleLbl>
+  <dgm:styleLbl name="fgAcc2">
+    <dgm:fillClrLst meth="repeat">
+      <a:schemeClr val="lt1">
+        <a:alpha val="90000"/>
+      </a:schemeClr>
+    </dgm:fillClrLst>
+    <dgm:linClrLst meth="repeat">
+      <a:schemeClr val="accent1"/>
+    </dgm:linClrLst>
+    <dgm:effectClrLst/>
+    <dgm:txLinClrLst/>
+    <dgm:txFillClrLst meth="repeat">
+      <a:schemeClr val="dk1"/>
+    </dgm:txFillClrLst>
+    <dgm:txEffectClrLst/>
+  </dgm:styleLbl>
+  <dgm:styleLbl name="fgAcc3">
+    <dgm:fillClrLst meth="repeat">
+      <a:schemeClr val="lt1">
+        <a:alpha val="90000"/>
+      </a:schemeClr>
+    </dgm:fillClrLst>
+    <dgm:linClrLst meth="repeat">
+      <a:schemeClr val="accent1"/>
+    </dgm:linClrLst>
+    <dgm:effectClrLst/>
+    <dgm:txLinClrLst/>
+    <dgm:txFillClrLst meth="repeat">
+      <a:schemeClr val="dk1"/>
+    </dgm:txFillClrLst>
+    <dgm:txEffectClrLst/>
+  </dgm:styleLbl>
+  <dgm:styleLbl name="fgAcc4">
+    <dgm:fillClrLst meth="repeat">
+      <a:schemeClr val="lt1">
+        <a:alpha val="90000"/>
+      </a:schemeClr>
+    </dgm:fillClrLst>
+    <dgm:linClrLst meth="repeat">
+      <a:schemeClr val="accent1"/>
+    </dgm:linClrLst>
+    <dgm:effectClrLst/>
+    <dgm:txLinClrLst/>
+    <dgm:txFillClrLst meth="repeat">
+      <a:schemeClr val="dk1"/>
+    </dgm:txFillClrLst>
+    <dgm:txEffectClrLst/>
+  </dgm:styleLbl>
+  <dgm:styleLbl name="bgShp">
+    <dgm:fillClrLst meth="repeat">
+      <a:schemeClr val="accent1">
+        <a:tint val="40000"/>
+      </a:schemeClr>
+    </dgm:fillClrLst>
+    <dgm:linClrLst meth="repeat">
+      <a:schemeClr val="accent1"/>
+    </dgm:linClrLst>
+    <dgm:effectClrLst/>
+    <dgm:txLinClrLst/>
+    <dgm:txFillClrLst meth="repeat">
+      <a:schemeClr val="dk1"/>
+    </dgm:txFillClrLst>
+    <dgm:txEffectClrLst/>
+  </dgm:styleLbl>
+  <dgm:styleLbl name="dkBgShp">
+    <dgm:fillClrLst meth="repeat">
+      <a:schemeClr val="accent1">
+        <a:shade val="80000"/>
+      </a:schemeClr>
+    </dgm:fillClrLst>
+    <dgm:linClrLst meth="repeat">
+      <a:schemeClr val="accent1"/>
+    </dgm:linClrLst>
+    <dgm:effectClrLst/>
+    <dgm:txLinClrLst/>
+    <dgm:txFillClrLst meth="repeat">
+      <a:schemeClr val="lt1"/>
+    </dgm:txFillClrLst>
+    <dgm:txEffectClrLst/>
+  </dgm:styleLbl>
+  <dgm:styleLbl name="trBgShp">
+    <dgm:fillClrLst meth="repeat">
+      <a:schemeClr val="accent1">
+        <a:tint val="50000"/>
+        <a:alpha val="40000"/>
+      </a:schemeClr>
+    </dgm:fillClrLst>
+    <dgm:linClrLst meth="repeat">
+      <a:schemeClr val="accent1"/>
+    </dgm:linClrLst>
+    <dgm:effectClrLst/>
+    <dgm:txLinClrLst/>
+    <dgm:txFillClrLst meth="repeat">
+      <a:schemeClr val="lt1"/>
+    </dgm:txFillClrLst>
+    <dgm:txEffectClrLst/>
+  </dgm:styleLbl>
+  <dgm:styleLbl name="fgShp">
+    <dgm:fillClrLst meth="repeat">
+      <a:schemeClr val="accent1">
+        <a:tint val="60000"/>
+      </a:schemeClr>
+    </dgm:fillClrLst>
+    <dgm:linClrLst meth="repeat">
+      <a:schemeClr val="lt1"/>
+    </dgm:linClrLst>
+    <dgm:effectClrLst/>
+    <dgm:txLinClrLst/>
+    <dgm:txFillClrLst meth="repeat">
+      <a:schemeClr val="dk1"/>
+    </dgm:txFillClrLst>
+    <dgm:txEffectClrLst/>
+  </dgm:styleLbl>
+  <dgm:styleLbl name="revTx">
+    <dgm:fillClrLst meth="repeat">
+      <a:schemeClr val="lt1">
+        <a:alpha val="0"/>
+      </a:schemeClr>
+    </dgm:fillClrLst>
+    <dgm:linClrLst meth="repeat">
+      <a:schemeClr val="dk1">
+        <a:alpha val="0"/>
+      </a:schemeClr>
+    </dgm:linClrLst>
+    <dgm:effectClrLst/>
+    <dgm:txLinClrLst/>
+    <dgm:txFillClrLst meth="repeat">
+      <a:schemeClr val="tx1"/>
+    </dgm:txFillClrLst>
+    <dgm:txEffectClrLst/>
+  </dgm:styleLbl>
+</dgm:colorsDef>
+</file>
+
+<file path=ppt/diagrams/data1.xml><?xml version="1.0" encoding="utf-8"?>
+<dgm:dataModel xmlns:dgm="http://schemas.openxmlformats.org/drawingml/2006/diagram" xmlns:a="http://schemas.openxmlformats.org/drawingml/2006/main">
+  <dgm:ptLst>
+    <dgm:pt modelId="{6A0556C4-69C2-485A-AD9D-3B5425B5D886}" type="doc">
+      <dgm:prSet loTypeId="urn:microsoft.com/office/officeart/2005/8/layout/pyramid1" loCatId="pyramid" qsTypeId="urn:microsoft.com/office/officeart/2005/8/quickstyle/simple1" qsCatId="simple" csTypeId="urn:microsoft.com/office/officeart/2005/8/colors/accent1_2" csCatId="accent1" phldr="1"/>
+      <dgm:spPr/>
+    </dgm:pt>
+    <dgm:pt modelId="{F019C84F-7563-4F72-B9E6-C4CB50B24CEF}">
+      <dgm:prSet phldrT="[Text]"/>
+      <dgm:spPr/>
+      <dgm:t>
+        <a:bodyPr/>
+        <a:lstStyle/>
+        <a:p>
+          <a:r>
+            <a:rPr lang="da-DK" dirty="0"/>
+            <a:t>Data </a:t>
+          </a:r>
+        </a:p>
+      </dgm:t>
+    </dgm:pt>
+    <dgm:pt modelId="{ABCF0F48-CB30-4D33-84CE-85CA97B8A037}" type="parTrans" cxnId="{789A7B7D-4FA7-43E2-99CF-47F25C1743FA}">
+      <dgm:prSet/>
+      <dgm:spPr/>
+      <dgm:t>
+        <a:bodyPr/>
+        <a:lstStyle/>
+        <a:p>
+          <a:endParaRPr lang="da-DK"/>
+        </a:p>
+      </dgm:t>
+    </dgm:pt>
+    <dgm:pt modelId="{9C4ADB34-96A7-4DE3-84BE-D8ABAAC9DD92}" type="sibTrans" cxnId="{789A7B7D-4FA7-43E2-99CF-47F25C1743FA}">
+      <dgm:prSet/>
+      <dgm:spPr/>
+      <dgm:t>
+        <a:bodyPr/>
+        <a:lstStyle/>
+        <a:p>
+          <a:endParaRPr lang="da-DK"/>
+        </a:p>
+      </dgm:t>
+    </dgm:pt>
+    <dgm:pt modelId="{2C648CAB-8E9D-4F89-A382-E0ACCD8C5E9B}">
+      <dgm:prSet phldrT="[Text]"/>
+      <dgm:spPr/>
+      <dgm:t>
+        <a:bodyPr/>
+        <a:lstStyle/>
+        <a:p>
+          <a:r>
+            <a:rPr lang="da-DK" dirty="0"/>
+            <a:t>Model</a:t>
+          </a:r>
+        </a:p>
+      </dgm:t>
+    </dgm:pt>
+    <dgm:pt modelId="{D83564B8-7412-48A5-9A86-A6A9F1588EEC}" type="parTrans" cxnId="{E52C0934-8B6E-4B04-B811-79C8DA7735F9}">
+      <dgm:prSet/>
+      <dgm:spPr/>
+      <dgm:t>
+        <a:bodyPr/>
+        <a:lstStyle/>
+        <a:p>
+          <a:endParaRPr lang="da-DK"/>
+        </a:p>
+      </dgm:t>
+    </dgm:pt>
+    <dgm:pt modelId="{5B6E557A-8C87-4756-80E7-3F5DBE329A5B}" type="sibTrans" cxnId="{E52C0934-8B6E-4B04-B811-79C8DA7735F9}">
+      <dgm:prSet/>
+      <dgm:spPr/>
+      <dgm:t>
+        <a:bodyPr/>
+        <a:lstStyle/>
+        <a:p>
+          <a:endParaRPr lang="da-DK"/>
+        </a:p>
+      </dgm:t>
+    </dgm:pt>
+    <dgm:pt modelId="{0AA4A57B-7467-4023-ACD9-2BD3740D42DC}">
+      <dgm:prSet phldrT="[Text]"/>
+      <dgm:spPr/>
+      <dgm:t>
+        <a:bodyPr/>
+        <a:lstStyle/>
+        <a:p>
+          <a:r>
+            <a:rPr lang="da-DK" dirty="0"/>
+            <a:t>Experiment</a:t>
+          </a:r>
+        </a:p>
+      </dgm:t>
+    </dgm:pt>
+    <dgm:pt modelId="{38E929DA-E9A3-42E3-AB34-B764724B69A2}" type="parTrans" cxnId="{0118DAD3-1D94-42D5-9F95-376BDF2D3A25}">
+      <dgm:prSet/>
+      <dgm:spPr/>
+      <dgm:t>
+        <a:bodyPr/>
+        <a:lstStyle/>
+        <a:p>
+          <a:endParaRPr lang="da-DK"/>
+        </a:p>
+      </dgm:t>
+    </dgm:pt>
+    <dgm:pt modelId="{0C45D70A-B56A-474B-82CB-74CAD66077BD}" type="sibTrans" cxnId="{0118DAD3-1D94-42D5-9F95-376BDF2D3A25}">
+      <dgm:prSet/>
+      <dgm:spPr/>
+      <dgm:t>
+        <a:bodyPr/>
+        <a:lstStyle/>
+        <a:p>
+          <a:endParaRPr lang="da-DK"/>
+        </a:p>
+      </dgm:t>
+    </dgm:pt>
+    <dgm:pt modelId="{83820C7F-0388-4133-87F4-71043CDAFAED}" type="pres">
+      <dgm:prSet presAssocID="{6A0556C4-69C2-485A-AD9D-3B5425B5D886}" presName="Name0" presStyleCnt="0">
+        <dgm:presLayoutVars>
+          <dgm:dir/>
+          <dgm:animLvl val="lvl"/>
+          <dgm:resizeHandles val="exact"/>
+        </dgm:presLayoutVars>
+      </dgm:prSet>
+      <dgm:spPr/>
+    </dgm:pt>
+    <dgm:pt modelId="{D2A3E200-4B3A-471C-A5AF-E5E9126BD0CC}" type="pres">
+      <dgm:prSet presAssocID="{F019C84F-7563-4F72-B9E6-C4CB50B24CEF}" presName="Name8" presStyleCnt="0"/>
+      <dgm:spPr/>
+    </dgm:pt>
+    <dgm:pt modelId="{B7CBD021-8393-459A-AF77-BA1E068E98BB}" type="pres">
+      <dgm:prSet presAssocID="{F019C84F-7563-4F72-B9E6-C4CB50B24CEF}" presName="level" presStyleLbl="node1" presStyleIdx="0" presStyleCnt="3">
+        <dgm:presLayoutVars>
+          <dgm:chMax val="1"/>
+          <dgm:bulletEnabled val="1"/>
+        </dgm:presLayoutVars>
+      </dgm:prSet>
+      <dgm:spPr/>
+    </dgm:pt>
+    <dgm:pt modelId="{301392A5-5BAF-4BEC-AB8D-EF38C2B7CBF3}" type="pres">
+      <dgm:prSet presAssocID="{F019C84F-7563-4F72-B9E6-C4CB50B24CEF}" presName="levelTx" presStyleLbl="revTx" presStyleIdx="0" presStyleCnt="0">
+        <dgm:presLayoutVars>
+          <dgm:chMax val="1"/>
+          <dgm:bulletEnabled val="1"/>
+        </dgm:presLayoutVars>
+      </dgm:prSet>
+      <dgm:spPr/>
+    </dgm:pt>
+    <dgm:pt modelId="{FBC989C8-57B2-4866-8476-172A86BE08CD}" type="pres">
+      <dgm:prSet presAssocID="{2C648CAB-8E9D-4F89-A382-E0ACCD8C5E9B}" presName="Name8" presStyleCnt="0"/>
+      <dgm:spPr/>
+    </dgm:pt>
+    <dgm:pt modelId="{04375BAA-5DD4-4930-AF47-D18222E1996F}" type="pres">
+      <dgm:prSet presAssocID="{2C648CAB-8E9D-4F89-A382-E0ACCD8C5E9B}" presName="level" presStyleLbl="node1" presStyleIdx="1" presStyleCnt="3">
+        <dgm:presLayoutVars>
+          <dgm:chMax val="1"/>
+          <dgm:bulletEnabled val="1"/>
+        </dgm:presLayoutVars>
+      </dgm:prSet>
+      <dgm:spPr/>
+    </dgm:pt>
+    <dgm:pt modelId="{05165CAE-4499-4AC4-B174-DBDE1334E695}" type="pres">
+      <dgm:prSet presAssocID="{2C648CAB-8E9D-4F89-A382-E0ACCD8C5E9B}" presName="levelTx" presStyleLbl="revTx" presStyleIdx="0" presStyleCnt="0">
+        <dgm:presLayoutVars>
+          <dgm:chMax val="1"/>
+          <dgm:bulletEnabled val="1"/>
+        </dgm:presLayoutVars>
+      </dgm:prSet>
+      <dgm:spPr/>
+    </dgm:pt>
+    <dgm:pt modelId="{668C9634-6FEF-4918-B356-69B92A1ABB60}" type="pres">
+      <dgm:prSet presAssocID="{0AA4A57B-7467-4023-ACD9-2BD3740D42DC}" presName="Name8" presStyleCnt="0"/>
+      <dgm:spPr/>
+    </dgm:pt>
+    <dgm:pt modelId="{FD605F57-C1A9-4CAB-B2F1-9DC63A5E081C}" type="pres">
+      <dgm:prSet presAssocID="{0AA4A57B-7467-4023-ACD9-2BD3740D42DC}" presName="level" presStyleLbl="node1" presStyleIdx="2" presStyleCnt="3">
+        <dgm:presLayoutVars>
+          <dgm:chMax val="1"/>
+          <dgm:bulletEnabled val="1"/>
+        </dgm:presLayoutVars>
+      </dgm:prSet>
+      <dgm:spPr/>
+    </dgm:pt>
+    <dgm:pt modelId="{EBA7B63D-E128-496F-B431-2ED9029D10FC}" type="pres">
+      <dgm:prSet presAssocID="{0AA4A57B-7467-4023-ACD9-2BD3740D42DC}" presName="levelTx" presStyleLbl="revTx" presStyleIdx="0" presStyleCnt="0">
+        <dgm:presLayoutVars>
+          <dgm:chMax val="1"/>
+          <dgm:bulletEnabled val="1"/>
+        </dgm:presLayoutVars>
+      </dgm:prSet>
+      <dgm:spPr/>
+    </dgm:pt>
+  </dgm:ptLst>
+  <dgm:cxnLst>
+    <dgm:cxn modelId="{6FD9DE00-42D1-44B8-AB08-6CD7D77BFAD6}" type="presOf" srcId="{F019C84F-7563-4F72-B9E6-C4CB50B24CEF}" destId="{301392A5-5BAF-4BEC-AB8D-EF38C2B7CBF3}" srcOrd="1" destOrd="0" presId="urn:microsoft.com/office/officeart/2005/8/layout/pyramid1"/>
+    <dgm:cxn modelId="{86EA7D0B-45B0-4296-8DD5-4FFC72741A7B}" type="presOf" srcId="{0AA4A57B-7467-4023-ACD9-2BD3740D42DC}" destId="{EBA7B63D-E128-496F-B431-2ED9029D10FC}" srcOrd="1" destOrd="0" presId="urn:microsoft.com/office/officeart/2005/8/layout/pyramid1"/>
+    <dgm:cxn modelId="{646CA30C-5A31-4E9B-80A0-6F0F82AA689B}" type="presOf" srcId="{0AA4A57B-7467-4023-ACD9-2BD3740D42DC}" destId="{FD605F57-C1A9-4CAB-B2F1-9DC63A5E081C}" srcOrd="0" destOrd="0" presId="urn:microsoft.com/office/officeart/2005/8/layout/pyramid1"/>
+    <dgm:cxn modelId="{E52C0934-8B6E-4B04-B811-79C8DA7735F9}" srcId="{6A0556C4-69C2-485A-AD9D-3B5425B5D886}" destId="{2C648CAB-8E9D-4F89-A382-E0ACCD8C5E9B}" srcOrd="1" destOrd="0" parTransId="{D83564B8-7412-48A5-9A86-A6A9F1588EEC}" sibTransId="{5B6E557A-8C87-4756-80E7-3F5DBE329A5B}"/>
+    <dgm:cxn modelId="{44B0EA64-536D-44E4-A264-25F5067F1A0A}" type="presOf" srcId="{6A0556C4-69C2-485A-AD9D-3B5425B5D886}" destId="{83820C7F-0388-4133-87F4-71043CDAFAED}" srcOrd="0" destOrd="0" presId="urn:microsoft.com/office/officeart/2005/8/layout/pyramid1"/>
+    <dgm:cxn modelId="{F84E1B76-723A-4CB3-9931-69200EA68BCC}" type="presOf" srcId="{2C648CAB-8E9D-4F89-A382-E0ACCD8C5E9B}" destId="{04375BAA-5DD4-4930-AF47-D18222E1996F}" srcOrd="0" destOrd="0" presId="urn:microsoft.com/office/officeart/2005/8/layout/pyramid1"/>
+    <dgm:cxn modelId="{789A7B7D-4FA7-43E2-99CF-47F25C1743FA}" srcId="{6A0556C4-69C2-485A-AD9D-3B5425B5D886}" destId="{F019C84F-7563-4F72-B9E6-C4CB50B24CEF}" srcOrd="0" destOrd="0" parTransId="{ABCF0F48-CB30-4D33-84CE-85CA97B8A037}" sibTransId="{9C4ADB34-96A7-4DE3-84BE-D8ABAAC9DD92}"/>
+    <dgm:cxn modelId="{7991F685-1D48-438F-84F3-3240B840AC5F}" type="presOf" srcId="{F019C84F-7563-4F72-B9E6-C4CB50B24CEF}" destId="{B7CBD021-8393-459A-AF77-BA1E068E98BB}" srcOrd="0" destOrd="0" presId="urn:microsoft.com/office/officeart/2005/8/layout/pyramid1"/>
+    <dgm:cxn modelId="{624FFF89-7BC1-4749-BA32-8AD990CFA35D}" type="presOf" srcId="{2C648CAB-8E9D-4F89-A382-E0ACCD8C5E9B}" destId="{05165CAE-4499-4AC4-B174-DBDE1334E695}" srcOrd="1" destOrd="0" presId="urn:microsoft.com/office/officeart/2005/8/layout/pyramid1"/>
+    <dgm:cxn modelId="{0118DAD3-1D94-42D5-9F95-376BDF2D3A25}" srcId="{6A0556C4-69C2-485A-AD9D-3B5425B5D886}" destId="{0AA4A57B-7467-4023-ACD9-2BD3740D42DC}" srcOrd="2" destOrd="0" parTransId="{38E929DA-E9A3-42E3-AB34-B764724B69A2}" sibTransId="{0C45D70A-B56A-474B-82CB-74CAD66077BD}"/>
+    <dgm:cxn modelId="{C6A379BC-1D52-4523-8113-18BB84352626}" type="presParOf" srcId="{83820C7F-0388-4133-87F4-71043CDAFAED}" destId="{D2A3E200-4B3A-471C-A5AF-E5E9126BD0CC}" srcOrd="0" destOrd="0" presId="urn:microsoft.com/office/officeart/2005/8/layout/pyramid1"/>
+    <dgm:cxn modelId="{D98415CF-36DE-478E-897F-D944B8AECAE9}" type="presParOf" srcId="{D2A3E200-4B3A-471C-A5AF-E5E9126BD0CC}" destId="{B7CBD021-8393-459A-AF77-BA1E068E98BB}" srcOrd="0" destOrd="0" presId="urn:microsoft.com/office/officeart/2005/8/layout/pyramid1"/>
+    <dgm:cxn modelId="{9B0AF355-3656-4663-A989-413517BC4E41}" type="presParOf" srcId="{D2A3E200-4B3A-471C-A5AF-E5E9126BD0CC}" destId="{301392A5-5BAF-4BEC-AB8D-EF38C2B7CBF3}" srcOrd="1" destOrd="0" presId="urn:microsoft.com/office/officeart/2005/8/layout/pyramid1"/>
+    <dgm:cxn modelId="{D27F7F04-FD26-4351-A611-08EBA412DC8C}" type="presParOf" srcId="{83820C7F-0388-4133-87F4-71043CDAFAED}" destId="{FBC989C8-57B2-4866-8476-172A86BE08CD}" srcOrd="1" destOrd="0" presId="urn:microsoft.com/office/officeart/2005/8/layout/pyramid1"/>
+    <dgm:cxn modelId="{96BF7E7D-6404-4531-B2C4-D1B6B86BF96F}" type="presParOf" srcId="{FBC989C8-57B2-4866-8476-172A86BE08CD}" destId="{04375BAA-5DD4-4930-AF47-D18222E1996F}" srcOrd="0" destOrd="0" presId="urn:microsoft.com/office/officeart/2005/8/layout/pyramid1"/>
+    <dgm:cxn modelId="{C17930C4-6800-4021-AE0E-C95A2BFC7196}" type="presParOf" srcId="{FBC989C8-57B2-4866-8476-172A86BE08CD}" destId="{05165CAE-4499-4AC4-B174-DBDE1334E695}" srcOrd="1" destOrd="0" presId="urn:microsoft.com/office/officeart/2005/8/layout/pyramid1"/>
+    <dgm:cxn modelId="{41D582C2-A8C0-4004-BA4B-61A695D24D79}" type="presParOf" srcId="{83820C7F-0388-4133-87F4-71043CDAFAED}" destId="{668C9634-6FEF-4918-B356-69B92A1ABB60}" srcOrd="2" destOrd="0" presId="urn:microsoft.com/office/officeart/2005/8/layout/pyramid1"/>
+    <dgm:cxn modelId="{5325BB6F-5D38-423E-9570-697798B98650}" type="presParOf" srcId="{668C9634-6FEF-4918-B356-69B92A1ABB60}" destId="{FD605F57-C1A9-4CAB-B2F1-9DC63A5E081C}" srcOrd="0" destOrd="0" presId="urn:microsoft.com/office/officeart/2005/8/layout/pyramid1"/>
+    <dgm:cxn modelId="{DDE902B4-AA62-4B83-970A-F1081BAE181C}" type="presParOf" srcId="{668C9634-6FEF-4918-B356-69B92A1ABB60}" destId="{EBA7B63D-E128-496F-B431-2ED9029D10FC}" srcOrd="1" destOrd="0" presId="urn:microsoft.com/office/officeart/2005/8/layout/pyramid1"/>
+  </dgm:cxnLst>
+  <dgm:bg/>
+  <dgm:whole/>
+  <dgm:extLst>
+    <a:ext uri="http://schemas.microsoft.com/office/drawing/2008/diagram">
+      <dsp:dataModelExt xmlns:dsp="http://schemas.microsoft.com/office/drawing/2008/diagram" relId="rId6" minVer="http://schemas.openxmlformats.org/drawingml/2006/diagram"/>
+    </a:ext>
+  </dgm:extLst>
+</dgm:dataModel>
+</file>
+
+<file path=ppt/diagrams/drawing1.xml><?xml version="1.0" encoding="utf-8"?>
+<dsp:drawing xmlns:dgm="http://schemas.openxmlformats.org/drawingml/2006/diagram" xmlns:dsp="http://schemas.microsoft.com/office/drawing/2008/diagram" xmlns:a="http://schemas.openxmlformats.org/drawingml/2006/main">
+  <dsp:spTree>
+    <dsp:nvGrpSpPr>
+      <dsp:cNvPr id="0" name=""/>
+      <dsp:cNvGrpSpPr/>
+    </dsp:nvGrpSpPr>
+    <dsp:grpSpPr/>
+    <dsp:sp modelId="{B7CBD021-8393-459A-AF77-BA1E068E98BB}">
+      <dsp:nvSpPr>
+        <dsp:cNvPr id="0" name=""/>
+        <dsp:cNvSpPr/>
+      </dsp:nvSpPr>
+      <dsp:spPr>
+        <a:xfrm>
+          <a:off x="1143932" y="0"/>
+          <a:ext cx="1143932" cy="1611312"/>
+        </a:xfrm>
+        <a:prstGeom prst="trapezoid">
+          <a:avLst>
+            <a:gd name="adj" fmla="val 50000"/>
+          </a:avLst>
+        </a:prstGeom>
+        <a:solidFill>
+          <a:schemeClr val="accent1">
+            <a:hueOff val="0"/>
+            <a:satOff val="0"/>
+            <a:lumOff val="0"/>
+            <a:alphaOff val="0"/>
+          </a:schemeClr>
+        </a:solidFill>
+        <a:ln w="12700" cap="flat" cmpd="sng" algn="ctr">
+          <a:solidFill>
+            <a:schemeClr val="lt1">
+              <a:hueOff val="0"/>
+              <a:satOff val="0"/>
+              <a:lumOff val="0"/>
+              <a:alphaOff val="0"/>
+            </a:schemeClr>
+          </a:solidFill>
+          <a:prstDash val="solid"/>
+          <a:miter lim="800000"/>
+        </a:ln>
+        <a:effectLst/>
+      </dsp:spPr>
+      <dsp:style>
+        <a:lnRef idx="2">
+          <a:scrgbClr r="0" g="0" b="0"/>
+        </a:lnRef>
+        <a:fillRef idx="1">
+          <a:scrgbClr r="0" g="0" b="0"/>
+        </a:fillRef>
+        <a:effectRef idx="0">
+          <a:scrgbClr r="0" g="0" b="0"/>
+        </a:effectRef>
+        <a:fontRef idx="minor">
+          <a:schemeClr val="lt1"/>
+        </a:fontRef>
+      </dsp:style>
+      <dsp:txBody>
+        <a:bodyPr spcFirstLastPara="0" vert="horz" wrap="square" lIns="45720" tIns="45720" rIns="45720" bIns="45720" numCol="1" spcCol="1270" anchor="ctr" anchorCtr="0">
+          <a:noAutofit/>
+        </a:bodyPr>
+        <a:lstStyle/>
+        <a:p>
+          <a:pPr marL="0" lvl="0" indent="0" algn="ctr" defTabSz="1600200">
+            <a:lnSpc>
+              <a:spcPct val="90000"/>
+            </a:lnSpc>
+            <a:spcBef>
+              <a:spcPct val="0"/>
+            </a:spcBef>
+            <a:spcAft>
+              <a:spcPct val="35000"/>
+            </a:spcAft>
+            <a:buNone/>
+          </a:pPr>
+          <a:r>
+            <a:rPr lang="da-DK" sz="3600" kern="1200" dirty="0"/>
+            <a:t>Data </a:t>
+          </a:r>
+        </a:p>
+      </dsp:txBody>
+      <dsp:txXfrm>
+        <a:off x="1143932" y="0"/>
+        <a:ext cx="1143932" cy="1611312"/>
+      </dsp:txXfrm>
+    </dsp:sp>
+    <dsp:sp modelId="{04375BAA-5DD4-4930-AF47-D18222E1996F}">
+      <dsp:nvSpPr>
+        <dsp:cNvPr id="0" name=""/>
+        <dsp:cNvSpPr/>
+      </dsp:nvSpPr>
+      <dsp:spPr>
+        <a:xfrm>
+          <a:off x="571965" y="1611312"/>
+          <a:ext cx="2287864" cy="1611312"/>
+        </a:xfrm>
+        <a:prstGeom prst="trapezoid">
+          <a:avLst>
+            <a:gd name="adj" fmla="val 35497"/>
+          </a:avLst>
+        </a:prstGeom>
+        <a:solidFill>
+          <a:schemeClr val="accent1">
+            <a:hueOff val="0"/>
+            <a:satOff val="0"/>
+            <a:lumOff val="0"/>
+            <a:alphaOff val="0"/>
+          </a:schemeClr>
+        </a:solidFill>
+        <a:ln w="12700" cap="flat" cmpd="sng" algn="ctr">
+          <a:solidFill>
+            <a:schemeClr val="lt1">
+              <a:hueOff val="0"/>
+              <a:satOff val="0"/>
+              <a:lumOff val="0"/>
+              <a:alphaOff val="0"/>
+            </a:schemeClr>
+          </a:solidFill>
+          <a:prstDash val="solid"/>
+          <a:miter lim="800000"/>
+        </a:ln>
+        <a:effectLst/>
+      </dsp:spPr>
+      <dsp:style>
+        <a:lnRef idx="2">
+          <a:scrgbClr r="0" g="0" b="0"/>
+        </a:lnRef>
+        <a:fillRef idx="1">
+          <a:scrgbClr r="0" g="0" b="0"/>
+        </a:fillRef>
+        <a:effectRef idx="0">
+          <a:scrgbClr r="0" g="0" b="0"/>
+        </a:effectRef>
+        <a:fontRef idx="minor">
+          <a:schemeClr val="lt1"/>
+        </a:fontRef>
+      </dsp:style>
+      <dsp:txBody>
+        <a:bodyPr spcFirstLastPara="0" vert="horz" wrap="square" lIns="45720" tIns="45720" rIns="45720" bIns="45720" numCol="1" spcCol="1270" anchor="ctr" anchorCtr="0">
+          <a:noAutofit/>
+        </a:bodyPr>
+        <a:lstStyle/>
+        <a:p>
+          <a:pPr marL="0" lvl="0" indent="0" algn="ctr" defTabSz="1600200">
+            <a:lnSpc>
+              <a:spcPct val="90000"/>
+            </a:lnSpc>
+            <a:spcBef>
+              <a:spcPct val="0"/>
+            </a:spcBef>
+            <a:spcAft>
+              <a:spcPct val="35000"/>
+            </a:spcAft>
+            <a:buNone/>
+          </a:pPr>
+          <a:r>
+            <a:rPr lang="da-DK" sz="3600" kern="1200" dirty="0"/>
+            <a:t>Model</a:t>
+          </a:r>
+        </a:p>
+      </dsp:txBody>
+      <dsp:txXfrm>
+        <a:off x="972342" y="1611312"/>
+        <a:ext cx="1487111" cy="1611312"/>
+      </dsp:txXfrm>
+    </dsp:sp>
+    <dsp:sp modelId="{FD605F57-C1A9-4CAB-B2F1-9DC63A5E081C}">
+      <dsp:nvSpPr>
+        <dsp:cNvPr id="0" name=""/>
+        <dsp:cNvSpPr/>
+      </dsp:nvSpPr>
+      <dsp:spPr>
+        <a:xfrm>
+          <a:off x="0" y="3222625"/>
+          <a:ext cx="3431796" cy="1611312"/>
+        </a:xfrm>
+        <a:prstGeom prst="trapezoid">
+          <a:avLst>
+            <a:gd name="adj" fmla="val 35497"/>
+          </a:avLst>
+        </a:prstGeom>
+        <a:solidFill>
+          <a:schemeClr val="accent1">
+            <a:hueOff val="0"/>
+            <a:satOff val="0"/>
+            <a:lumOff val="0"/>
+            <a:alphaOff val="0"/>
+          </a:schemeClr>
+        </a:solidFill>
+        <a:ln w="12700" cap="flat" cmpd="sng" algn="ctr">
+          <a:solidFill>
+            <a:schemeClr val="lt1">
+              <a:hueOff val="0"/>
+              <a:satOff val="0"/>
+              <a:lumOff val="0"/>
+              <a:alphaOff val="0"/>
+            </a:schemeClr>
+          </a:solidFill>
+          <a:prstDash val="solid"/>
+          <a:miter lim="800000"/>
+        </a:ln>
+        <a:effectLst/>
+      </dsp:spPr>
+      <dsp:style>
+        <a:lnRef idx="2">
+          <a:scrgbClr r="0" g="0" b="0"/>
+        </a:lnRef>
+        <a:fillRef idx="1">
+          <a:scrgbClr r="0" g="0" b="0"/>
+        </a:fillRef>
+        <a:effectRef idx="0">
+          <a:scrgbClr r="0" g="0" b="0"/>
+        </a:effectRef>
+        <a:fontRef idx="minor">
+          <a:schemeClr val="lt1"/>
+        </a:fontRef>
+      </dsp:style>
+      <dsp:txBody>
+        <a:bodyPr spcFirstLastPara="0" vert="horz" wrap="square" lIns="45720" tIns="45720" rIns="45720" bIns="45720" numCol="1" spcCol="1270" anchor="ctr" anchorCtr="0">
+          <a:noAutofit/>
+        </a:bodyPr>
+        <a:lstStyle/>
+        <a:p>
+          <a:pPr marL="0" lvl="0" indent="0" algn="ctr" defTabSz="1600200">
+            <a:lnSpc>
+              <a:spcPct val="90000"/>
+            </a:lnSpc>
+            <a:spcBef>
+              <a:spcPct val="0"/>
+            </a:spcBef>
+            <a:spcAft>
+              <a:spcPct val="35000"/>
+            </a:spcAft>
+            <a:buNone/>
+          </a:pPr>
+          <a:r>
+            <a:rPr lang="da-DK" sz="3600" kern="1200" dirty="0"/>
+            <a:t>Experiment</a:t>
+          </a:r>
+        </a:p>
+      </dsp:txBody>
+      <dsp:txXfrm>
+        <a:off x="600564" y="3222625"/>
+        <a:ext cx="2230667" cy="1611312"/>
+      </dsp:txXfrm>
+    </dsp:sp>
+  </dsp:spTree>
+</dsp:drawing>
+</file>
+
+<file path=ppt/diagrams/layout1.xml><?xml version="1.0" encoding="utf-8"?>
+<dgm:layoutDef xmlns:dgm="http://schemas.openxmlformats.org/drawingml/2006/diagram" xmlns:a="http://schemas.openxmlformats.org/drawingml/2006/main" uniqueId="urn:microsoft.com/office/officeart/2005/8/layout/pyramid1">
+  <dgm:title val=""/>
+  <dgm:desc val=""/>
+  <dgm:catLst>
+    <dgm:cat type="pyramid" pri="1000"/>
+  </dgm:catLst>
+  <dgm:sampData useDef="1">
+    <dgm:dataModel>
+      <dgm:ptLst/>
+      <dgm:bg/>
+      <dgm:whole/>
+    </dgm:dataModel>
+  </dgm:sampData>
+  <dgm:styleData>
+    <dgm:dataModel>
+      <dgm:ptLst>
+        <dgm:pt modelId="0" type="doc"/>
+        <dgm:pt modelId="1"/>
+        <dgm:pt modelId="2"/>
+      </dgm:ptLst>
+      <dgm:cxnLst>
+        <dgm:cxn modelId="3" srcId="0" destId="1" srcOrd="0" destOrd="0"/>
+        <dgm:cxn modelId="4" srcId="0" destId="2" srcOrd="1" destOrd="0"/>
+      </dgm:cxnLst>
+      <dgm:bg/>
+      <dgm:whole/>
+    </dgm:dataModel>
+  </dgm:styleData>
+  <dgm:clrData>
+    <dgm:dataModel>
+      <dgm:ptLst>
+        <dgm:pt modelId="0" type="doc"/>
+        <dgm:pt modelId="1"/>
+        <dgm:pt modelId="2"/>
+        <dgm:pt modelId="3"/>
+        <dgm:pt modelId="4"/>
+      </dgm:ptLst>
+      <dgm:cxnLst>
+        <dgm:cxn modelId="5" srcId="0" destId="1" srcOrd="0" destOrd="0"/>
+        <dgm:cxn modelId="6" srcId="0" destId="2" srcOrd="1" destOrd="0"/>
+        <dgm:cxn modelId="7" srcId="0" destId="3" srcOrd="2" destOrd="0"/>
+        <dgm:cxn modelId="8" srcId="0" destId="4" srcOrd="3" destOrd="0"/>
+      </dgm:cxnLst>
+      <dgm:bg/>
+      <dgm:whole/>
+    </dgm:dataModel>
+  </dgm:clrData>
+  <dgm:layoutNode name="Name0">
+    <dgm:varLst>
+      <dgm:dir/>
+      <dgm:animLvl val="lvl"/>
+      <dgm:resizeHandles val="exact"/>
+    </dgm:varLst>
+    <dgm:choose name="Name1">
+      <dgm:if name="Name2" func="var" arg="dir" op="equ" val="norm">
+        <dgm:alg type="pyra">
+          <dgm:param type="linDir" val="fromB"/>
+          <dgm:param type="txDir" val="fromT"/>
+          <dgm:param type="pyraAcctPos" val="aft"/>
+          <dgm:param type="pyraAcctTxMar" val="step"/>
+          <dgm:param type="pyraAcctBkgdNode" val="acctBkgd"/>
+          <dgm:param type="pyraAcctTxNode" val="acctTx"/>
+          <dgm:param type="pyraLvlNode" val="level"/>
+        </dgm:alg>
+      </dgm:if>
+      <dgm:else name="Name3">
+        <dgm:alg type="pyra">
+          <dgm:param type="linDir" val="fromB"/>
+          <dgm:param type="txDir" val="fromT"/>
+          <dgm:param type="pyraAcctPos" val="bef"/>
+          <dgm:param type="pyraAcctTxMar" val="step"/>
+          <dgm:param type="pyraAcctBkgdNode" val="acctBkgd"/>
+          <dgm:param type="pyraAcctTxNode" val="acctTx"/>
+          <dgm:param type="pyraLvlNode" val="level"/>
+        </dgm:alg>
+      </dgm:else>
+    </dgm:choose>
+    <dgm:shape xmlns:r="http://schemas.openxmlformats.org/officeDocument/2006/relationships" r:blip="">
+      <dgm:adjLst/>
+    </dgm:shape>
+    <dgm:presOf/>
+    <dgm:choose name="Name4">
+      <dgm:if name="Name5" axis="root des" ptType="all node" func="maxDepth" op="gte" val="2">
+        <dgm:constrLst>
+          <dgm:constr type="primFontSz" for="des" forName="levelTx" op="equ"/>
+          <dgm:constr type="secFontSz" for="des" forName="acctTx" op="equ"/>
+          <dgm:constr type="pyraAcctRatio" val="0.32"/>
+        </dgm:constrLst>
+      </dgm:if>
+      <dgm:else name="Name6">
+        <dgm:constrLst>
+          <dgm:constr type="primFontSz" for="des" forName="levelTx" op="equ"/>
+          <dgm:constr type="secFontSz" for="des" forName="acctTx" op="equ"/>
+          <dgm:constr type="pyraAcctRatio"/>
+        </dgm:constrLst>
+      </dgm:else>
+    </dgm:choose>
+    <dgm:ruleLst/>
+    <dgm:forEach name="Name7" axis="ch" ptType="node">
+      <dgm:layoutNode name="Name8">
+        <dgm:alg type="composite">
+          <dgm:param type="horzAlign" val="none"/>
+        </dgm:alg>
+        <dgm:shape xmlns:r="http://schemas.openxmlformats.org/officeDocument/2006/relationships" r:blip="">
+          <dgm:adjLst/>
+        </dgm:shape>
+        <dgm:presOf/>
+        <dgm:choose name="Name9">
+          <dgm:if name="Name10" axis="self" ptType="node" func="pos" op="equ" val="1">
+            <dgm:constrLst>
+              <dgm:constr type="ctrX" for="ch" forName="acctBkgd" val="1"/>
+              <dgm:constr type="ctrY" for="ch" forName="acctBkgd" val="1"/>
+              <dgm:constr type="w" for="ch" forName="acctBkgd" val="1"/>
+              <dgm:constr type="h" for="ch" forName="acctBkgd" val="1"/>
+              <dgm:constr type="ctrX" for="ch" forName="acctTx" val="1"/>
+              <dgm:constr type="ctrY" for="ch" forName="acctTx" val="1"/>
+              <dgm:constr type="w" for="ch" forName="acctTx" val="1"/>
+              <dgm:constr type="h" for="ch" forName="acctTx" val="1"/>
+              <dgm:constr type="ctrX" for="ch" forName="level" val="1"/>
+              <dgm:constr type="ctrY" for="ch" forName="level" val="1"/>
+              <dgm:constr type="w" for="ch" forName="level" val="1"/>
+              <dgm:constr type="h" for="ch" forName="level" val="1"/>
+              <dgm:constr type="ctrX" for="ch" forName="levelTx" refType="ctrX" refFor="ch" refForName="level"/>
+              <dgm:constr type="ctrY" for="ch" forName="levelTx" refType="ctrY" refFor="ch" refForName="level"/>
+              <dgm:constr type="w" for="ch" forName="levelTx" refType="w" refFor="ch" refForName="level"/>
+              <dgm:constr type="h" for="ch" forName="levelTx" refType="h" refFor="ch" refForName="level"/>
+            </dgm:constrLst>
+          </dgm:if>
+          <dgm:else name="Name11">
+            <dgm:constrLst>
+              <dgm:constr type="ctrX" for="ch" forName="acctBkgd" val="1"/>
+              <dgm:constr type="ctrY" for="ch" forName="acctBkgd" val="1"/>
+              <dgm:constr type="w" for="ch" forName="acctBkgd" val="1"/>
+              <dgm:constr type="h" for="ch" forName="acctBkgd" val="1"/>
+              <dgm:constr type="ctrX" for="ch" forName="acctTx" val="1"/>
+              <dgm:constr type="ctrY" for="ch" forName="acctTx" val="1"/>
+              <dgm:constr type="w" for="ch" forName="acctTx" val="1"/>
+              <dgm:constr type="h" for="ch" forName="acctTx" val="1"/>
+              <dgm:constr type="ctrX" for="ch" forName="level" val="1"/>
+              <dgm:constr type="ctrY" for="ch" forName="level" val="1"/>
+              <dgm:constr type="w" for="ch" forName="level" val="1"/>
+              <dgm:constr type="h" for="ch" forName="level" val="1"/>
+              <dgm:constr type="ctrX" for="ch" forName="levelTx" refType="ctrX" refFor="ch" refForName="level"/>
+              <dgm:constr type="ctrY" for="ch" forName="levelTx" refType="ctrY" refFor="ch" refForName="level"/>
+              <dgm:constr type="w" for="ch" forName="levelTx" refType="w" refFor="ch" refForName="level" fact="0.65"/>
+              <dgm:constr type="h" for="ch" forName="levelTx" refType="h" refFor="ch" refForName="level"/>
+            </dgm:constrLst>
+          </dgm:else>
+        </dgm:choose>
+        <dgm:ruleLst/>
+        <dgm:choose name="Name12">
+          <dgm:if name="Name13" axis="ch" ptType="node" func="cnt" op="gte" val="1">
+            <dgm:layoutNode name="acctBkgd" styleLbl="alignAcc1">
+              <dgm:alg type="sp"/>
+              <dgm:shape xmlns:r="http://schemas.openxmlformats.org/officeDocument/2006/relationships" type="nonIsoscelesTrapezoid" r:blip="">
+                <dgm:adjLst/>
+              </dgm:shape>
+              <dgm:presOf axis="des" ptType="node"/>
+              <dgm:constrLst/>
+              <dgm:ruleLst/>
+            </dgm:layoutNode>
+            <dgm:layoutNode name="acctTx" styleLbl="alignAcc1">
+              <dgm:varLst>
+                <dgm:bulletEnabled val="1"/>
+              </dgm:varLst>
+              <dgm:alg type="tx">
+                <dgm:param type="stBulletLvl" val="1"/>
+                <dgm:param type="txAnchorVertCh" val="mid"/>
+              </dgm:alg>
+              <dgm:shape xmlns:r="http://schemas.openxmlformats.org/officeDocument/2006/relationships" type="nonIsoscelesTrapezoid" r:blip="" hideGeom="1">
+                <dgm:adjLst/>
+              </dgm:shape>
+              <dgm:presOf axis="des" ptType="node"/>
+              <dgm:constrLst>
+                <dgm:constr type="secFontSz" val="65"/>
+                <dgm:constr type="primFontSz" refType="secFontSz"/>
+                <dgm:constr type="tMarg" refType="secFontSz" fact="0.3"/>
+                <dgm:constr type="bMarg" refType="secFontSz" fact="0.3"/>
+                <dgm:constr type="lMarg" refType="secFontSz" fact="0.3"/>
+                <dgm:constr type="rMarg" refType="secFontSz" fact="0.3"/>
+              </dgm:constrLst>
+              <dgm:ruleLst>
+                <dgm:rule type="secFontSz" val="5" fact="NaN" max="NaN"/>
+              </dgm:ruleLst>
+            </dgm:layoutNode>
+          </dgm:if>
+          <dgm:else name="Name14"/>
+        </dgm:choose>
+        <dgm:layoutNode name="level">
+          <dgm:varLst>
+            <dgm:chMax val="1"/>
+            <dgm:bulletEnabled val="1"/>
+          </dgm:varLst>
+          <dgm:alg type="sp"/>
+          <dgm:shape xmlns:r="http://schemas.openxmlformats.org/officeDocument/2006/relationships" type="trapezoid" r:blip="">
+            <dgm:adjLst/>
+          </dgm:shape>
+          <dgm:presOf axis="self"/>
+          <dgm:constrLst>
+            <dgm:constr type="h" val="500"/>
+            <dgm:constr type="w" val="1"/>
+          </dgm:constrLst>
+          <dgm:ruleLst/>
+        </dgm:layoutNode>
+        <dgm:layoutNode name="levelTx" styleLbl="revTx">
+          <dgm:varLst>
+            <dgm:chMax val="1"/>
+            <dgm:bulletEnabled val="1"/>
+          </dgm:varLst>
+          <dgm:alg type="tx"/>
+          <dgm:shape xmlns:r="http://schemas.openxmlformats.org/officeDocument/2006/relationships" type="rect" r:blip="" hideGeom="1">
+            <dgm:adjLst/>
+          </dgm:shape>
+          <dgm:presOf axis="self"/>
+          <dgm:constrLst>
+            <dgm:constr type="tMarg" refType="primFontSz" fact="0.1"/>
+            <dgm:constr type="bMarg" refType="primFontSz" fact="0.1"/>
+            <dgm:constr type="lMarg" refType="primFontSz" fact="0.1"/>
+            <dgm:constr type="rMarg" refType="primFontSz" fact="0.1"/>
+            <dgm:constr type="primFontSz" val="65"/>
+          </dgm:constrLst>
+          <dgm:ruleLst>
+            <dgm:rule type="primFontSz" val="5" fact="NaN" max="NaN"/>
+          </dgm:ruleLst>
+        </dgm:layoutNode>
+      </dgm:layoutNode>
+    </dgm:forEach>
+  </dgm:layoutNode>
+</dgm:layoutDef>
+</file>
+
+<file path=ppt/diagrams/quickStyle1.xml><?xml version="1.0" encoding="utf-8"?>
+<dgm:styleDef xmlns:dgm="http://schemas.openxmlformats.org/drawingml/2006/diagram" xmlns:a="http://schemas.openxmlformats.org/drawingml/2006/main" uniqueId="urn:microsoft.com/office/officeart/2005/8/quickstyle/simple1">
+  <dgm:title val=""/>
+  <dgm:desc val=""/>
+  <dgm:catLst>
+    <dgm:cat type="simple" pri="10100"/>
+  </dgm:catLst>
+  <dgm:scene3d>
+    <a:camera prst="orthographicFront"/>
+    <a:lightRig rig="threePt" dir="t"/>
+  </dgm:scene3d>
+  <dgm:styleLbl name="node0">
+    <dgm:scene3d>
+      <a:camera prst="orthographicFront"/>
+      <a:lightRig rig="threePt" dir="t"/>
+    </dgm:scene3d>
+    <dgm:sp3d/>
+    <dgm:txPr/>
+    <dgm:style>
+      <a:lnRef idx="2">
+        <a:scrgbClr r="0" g="0" b="0"/>
+      </a:lnRef>
+      <a:fillRef idx="1">
+        <a:scrgbClr r="0" g="0" b="0"/>
+      </a:fillRef>
+      <a:effectRef idx="0">
+        <a:scrgbClr r="0" g="0" b="0"/>
+      </a:effectRef>
+      <a:fontRef idx="minor">
+        <a:schemeClr val="lt1"/>
+      </a:fontRef>
+    </dgm:style>
+  </dgm:styleLbl>
+  <dgm:styleLbl name="lnNode1">
+    <dgm:scene3d>
+      <a:camera prst="orthographicFront"/>
+      <a:lightRig rig="threePt" dir="t"/>
+    </dgm:scene3d>
+    <dgm:sp3d/>
+    <dgm:txPr/>
+    <dgm:style>
+      <a:lnRef idx="2">
+        <a:scrgbClr r="0" g="0" b="0"/>
+      </a:lnRef>
+      <a:fillRef idx="1">
+        <a:scrgbClr r="0" g="0" b="0"/>
+      </a:fillRef>
+      <a:effectRef idx="0">
+        <a:scrgbClr r="0" g="0" b="0"/>
+      </a:effectRef>
+      <a:fontRef idx="minor">
+        <a:schemeClr val="lt1"/>
+      </a:fontRef>
+    </dgm:style>
+  </dgm:styleLbl>
+  <dgm:styleLbl name="vennNode1">
+    <dgm:scene3d>
+      <a:camera prst="orthographicFront"/>
+      <a:lightRig rig="threePt" dir="t"/>
+    </dgm:scene3d>
+    <dgm:sp3d/>
+    <dgm:txPr/>
+    <dgm:style>
+      <a:lnRef idx="2">
+        <a:scrgbClr r="0" g="0" b="0"/>
+      </a:lnRef>
+      <a:fillRef idx="1">
+        <a:scrgbClr r="0" g="0" b="0"/>
+      </a:fillRef>
+      <a:effectRef idx="0">
+        <a:scrgbClr r="0" g="0" b="0"/>
+      </a:effectRef>
+      <a:fontRef idx="minor">
+        <a:schemeClr val="tx1"/>
+      </a:fontRef>
+    </dgm:style>
+  </dgm:styleLbl>
+  <dgm:styleLbl name="alignNode1">
+    <dgm:scene3d>
+      <a:camera prst="orthographicFront"/>
+      <a:lightRig rig="threePt" dir="t"/>
+    </dgm:scene3d>
+    <dgm:sp3d/>
+    <dgm:txPr/>
+    <dgm:style>
+      <a:lnRef idx="2">
+        <a:scrgbClr r="0" g="0" b="0"/>
+      </a:lnRef>
+      <a:fillRef idx="1">
+        <a:scrgbClr r="0" g="0" b="0"/>
+      </a:fillRef>
+      <a:effectRef idx="0">
+        <a:scrgbClr r="0" g="0" b="0"/>
+      </a:effectRef>
+      <a:fontRef idx="minor">
+        <a:schemeClr val="lt1"/>
+      </a:fontRef>
+    </dgm:style>
+  </dgm:styleLbl>
+  <dgm:styleLbl name="node1">
+    <dgm:scene3d>
+      <a:camera prst="orthographicFront"/>
+      <a:lightRig rig="threePt" dir="t"/>
+    </dgm:scene3d>
+    <dgm:sp3d/>
+    <dgm:txPr/>
+    <dgm:style>
+      <a:lnRef idx="2">
+        <a:scrgbClr r="0" g="0" b="0"/>
+      </a:lnRef>
+      <a:fillRef idx="1">
+        <a:scrgbClr r="0" g="0" b="0"/>
+      </a:fillRef>
+      <a:effectRef idx="0">
+        <a:scrgbClr r="0" g="0" b="0"/>
+      </a:effectRef>
+      <a:fontRef idx="minor">
+        <a:schemeClr val="lt1"/>
+      </a:fontRef>
+    </dgm:style>
+  </dgm:styleLbl>
+  <dgm:styleLbl name="node2">
+    <dgm:scene3d>
+      <a:camera prst="orthographicFront"/>
+      <a:lightRig rig="threePt" dir="t"/>
+    </dgm:scene3d>
+    <dgm:sp3d/>
+    <dgm:txPr/>
+    <dgm:style>
+      <a:lnRef idx="2">
+        <a:scrgbClr r="0" g="0" b="0"/>
+      </a:lnRef>
+      <a:fillRef idx="1">
+        <a:scrgbClr r="0" g="0" b="0"/>
+      </a:fillRef>
+      <a:effectRef idx="0">
+        <a:scrgbClr r="0" g="0" b="0"/>
+      </a:effectRef>
+      <a:fontRef idx="minor">
+        <a:schemeClr val="lt1"/>
+      </a:fontRef>
+    </dgm:style>
+  </dgm:styleLbl>
+  <dgm:styleLbl name="node3">
+    <dgm:scene3d>
+      <a:camera prst="orthographicFront"/>
+      <a:lightRig rig="threePt" dir="t"/>
+    </dgm:scene3d>
+    <dgm:sp3d/>
+    <dgm:txPr/>
+    <dgm:style>
+      <a:lnRef idx="2">
+        <a:scrgbClr r="0" g="0" b="0"/>
+      </a:lnRef>
+      <a:fillRef idx="1">
+        <a:scrgbClr r="0" g="0" b="0"/>
+      </a:fillRef>
+      <a:effectRef idx="0">
+        <a:scrgbClr r="0" g="0" b="0"/>
+      </a:effectRef>
+      <a:fontRef idx="minor">
+        <a:schemeClr val="lt1"/>
+      </a:fontRef>
+    </dgm:style>
+  </dgm:styleLbl>
+  <dgm:styleLbl name="node4">
+    <dgm:scene3d>
+      <a:camera prst="orthographicFront"/>
+      <a:lightRig rig="threePt" dir="t"/>
+    </dgm:scene3d>
+    <dgm:sp3d/>
+    <dgm:txPr/>
+    <dgm:style>
+      <a:lnRef idx="2">
+        <a:scrgbClr r="0" g="0" b="0"/>
+      </a:lnRef>
+      <a:fillRef idx="1">
+        <a:scrgbClr r="0" g="0" b="0"/>
+      </a:fillRef>
+      <a:effectRef idx="0">
+        <a:scrgbClr r="0" g="0" b="0"/>
+      </a:effectRef>
+      <a:fontRef idx="minor">
+        <a:schemeClr val="lt1"/>
+      </a:fontRef>
+    </dgm:style>
+  </dgm:styleLbl>
+  <dgm:styleLbl name="fgImgPlace1">
+    <dgm:scene3d>
+      <a:camera prst="orthographicFront"/>
+      <a:lightRig rig="threePt" dir="t"/>
+    </dgm:scene3d>
+    <dgm:sp3d/>
+    <dgm:txPr/>
+    <dgm:style>
+      <a:lnRef idx="2">
+        <a:scrgbClr r="0" g="0" b="0"/>
+      </a:lnRef>
+      <a:fillRef idx="1">
+        <a:scrgbClr r="0" g="0" b="0"/>
+      </a:fillRef>
+      <a:effectRef idx="0">
+        <a:scrgbClr r="0" g="0" b="0"/>
+      </a:effectRef>
+      <a:fontRef idx="minor"/>
+    </dgm:style>
+  </dgm:styleLbl>
+  <dgm:styleLbl name="alignImgPlace1">
+    <dgm:scene3d>
+      <a:camera prst="orthographicFront"/>
+      <a:lightRig rig="threePt" dir="t"/>
+    </dgm:scene3d>
+    <dgm:sp3d/>
+    <dgm:txPr/>
+    <dgm:style>
+      <a:lnRef idx="2">
+        <a:scrgbClr r="0" g="0" b="0"/>
+      </a:lnRef>
+      <a:fillRef idx="1">
+        <a:scrgbClr r="0" g="0" b="0"/>
+      </a:fillRef>
+      <a:effectRef idx="0">
+        <a:scrgbClr r="0" g="0" b="0"/>
+      </a:effectRef>
+      <a:fontRef idx="minor"/>
+    </dgm:style>
+  </dgm:styleLbl>
+  <dgm:styleLbl name="bgImgPlace1">
+    <dgm:scene3d>
+      <a:camera prst="orthographicFront"/>
+      <a:lightRig rig="threePt" dir="t"/>
+    </dgm:scene3d>
+    <dgm:sp3d/>
+    <dgm:txPr/>
+    <dgm:style>
+      <a:lnRef idx="2">
+        <a:scrgbClr r="0" g="0" b="0"/>
+      </a:lnRef>
+      <a:fillRef idx="1">
+        <a:scrgbClr r="0" g="0" b="0"/>
+      </a:fillRef>
+      <a:effectRef idx="0">
+        <a:scrgbClr r="0" g="0" b="0"/>
+      </a:effectRef>
+      <a:fontRef idx="minor"/>
+    </dgm:style>
+  </dgm:styleLbl>
+  <dgm:styleLbl name="sibTrans2D1">
+    <dgm:scene3d>
+      <a:camera prst="orthographicFront"/>
+      <a:lightRig rig="threePt" dir="t"/>
+    </dgm:scene3d>
+    <dgm:sp3d/>
+    <dgm:txPr/>
+    <dgm:style>
+      <a:lnRef idx="0">
+        <a:scrgbClr r="0" g="0" b="0"/>
+      </a:lnRef>
+      <a:fillRef idx="1">
+        <a:scrgbClr r="0" g="0" b="0"/>
+      </a:fillRef>
+      <a:effectRef idx="0">
+        <a:scrgbClr r="0" g="0" b="0"/>
+      </a:effectRef>
+      <a:fontRef idx="minor">
+        <a:schemeClr val="lt1"/>
+      </a:fontRef>
+    </dgm:style>
+  </dgm:styleLbl>
+  <dgm:styleLbl name="fgSibTrans2D1">
+    <dgm:scene3d>
+      <a:camera prst="orthographicFront"/>
+      <a:lightRig rig="threePt" dir="t"/>
+    </dgm:scene3d>
+    <dgm:sp3d/>
+    <dgm:txPr/>
+    <dgm:style>
+      <a:lnRef idx="0">
+        <a:scrgbClr r="0" g="0" b="0"/>
+      </a:lnRef>
+      <a:fillRef idx="1">
+        <a:scrgbClr r="0" g="0" b="0"/>
+      </a:fillRef>
+      <a:effectRef idx="0">
+        <a:scrgbClr r="0" g="0" b="0"/>
+      </a:effectRef>
+      <a:fontRef idx="minor">
+        <a:schemeClr val="lt1"/>
+      </a:fontRef>
+    </dgm:style>
+  </dgm:styleLbl>
+  <dgm:styleLbl name="bgSibTrans2D1">
+    <dgm:scene3d>
+      <a:camera prst="orthographicFront"/>
+      <a:lightRig rig="threePt" dir="t"/>
+    </dgm:scene3d>
+    <dgm:sp3d/>
+    <dgm:txPr/>
+    <dgm:style>
+      <a:lnRef idx="0">
+        <a:scrgbClr r="0" g="0" b="0"/>
+      </a:lnRef>
+      <a:fillRef idx="1">
+        <a:scrgbClr r="0" g="0" b="0"/>
+      </a:fillRef>
+      <a:effectRef idx="0">
+        <a:scrgbClr r="0" g="0" b="0"/>
+      </a:effectRef>
+      <a:fontRef idx="minor">
+        <a:schemeClr val="lt1"/>
+      </a:fontRef>
+    </dgm:style>
+  </dgm:styleLbl>
+  <dgm:styleLbl name="sibTrans1D1">
+    <dgm:scene3d>
+      <a:camera prst="orthographicFront"/>
+      <a:lightRig rig="threePt" dir="t"/>
+    </dgm:scene3d>
+    <dgm:sp3d/>
+    <dgm:txPr/>
+    <dgm:style>
+      <a:lnRef idx="1">
+        <a:scrgbClr r="0" g="0" b="0"/>
+      </a:lnRef>
+      <a:fillRef idx="0">
+        <a:scrgbClr r="0" g="0" b="0"/>
+      </a:fillRef>
+      <a:effectRef idx="0">
+        <a:scrgbClr r="0" g="0" b="0"/>
+      </a:effectRef>
+      <a:fontRef idx="minor"/>
+    </dgm:style>
+  </dgm:styleLbl>
+  <dgm:styleLbl name="callout">
+    <dgm:scene3d>
+      <a:camera prst="orthographicFront"/>
+      <a:lightRig rig="threePt" dir="t"/>
+    </dgm:scene3d>
+    <dgm:sp3d/>
+    <dgm:txPr/>
+    <dgm:style>
+      <a:lnRef idx="2">
+        <a:scrgbClr r="0" g="0" b="0"/>
+      </a:lnRef>
+      <a:fillRef idx="1">
+        <a:scrgbClr r="0" g="0" b="0"/>
+      </a:fillRef>
+      <a:effectRef idx="0">
+        <a:scrgbClr r="0" g="0" b="0"/>
+      </a:effectRef>
+      <a:fontRef idx="minor"/>
+    </dgm:style>
+  </dgm:styleLbl>
+  <dgm:styleLbl name="asst0">
+    <dgm:scene3d>
+      <a:camera prst="orthographicFront"/>
+      <a:lightRig rig="threePt" dir="t"/>
+    </dgm:scene3d>
+    <dgm:sp3d/>
+    <dgm:txPr/>
+    <dgm:style>
+      <a:lnRef idx="2">
+        <a:scrgbClr r="0" g="0" b="0"/>
+      </a:lnRef>
+      <a:fillRef idx="1">
+        <a:scrgbClr r="0" g="0" b="0"/>
+      </a:fillRef>
+      <a:effectRef idx="0">
+        <a:scrgbClr r="0" g="0" b="0"/>
+      </a:effectRef>
+      <a:fontRef idx="minor">
+        <a:schemeClr val="lt1"/>
+      </a:fontRef>
+    </dgm:style>
+  </dgm:styleLbl>
+  <dgm:styleLbl name="asst1">
+    <dgm:scene3d>
+      <a:camera prst="orthographicFront"/>
+      <a:lightRig rig="threePt" dir="t"/>
+    </dgm:scene3d>
+    <dgm:sp3d/>
+    <dgm:txPr/>
+    <dgm:style>
+      <a:lnRef idx="2">
+        <a:scrgbClr r="0" g="0" b="0"/>
+      </a:lnRef>
+      <a:fillRef idx="1">
+        <a:scrgbClr r="0" g="0" b="0"/>
+      </a:fillRef>
+      <a:effectRef idx="0">
+        <a:scrgbClr r="0" g="0" b="0"/>
+      </a:effectRef>
+      <a:fontRef idx="minor">
+        <a:schemeClr val="lt1"/>
+      </a:fontRef>
+    </dgm:style>
+  </dgm:styleLbl>
+  <dgm:styleLbl name="asst2">
+    <dgm:scene3d>
+      <a:camera prst="orthographicFront"/>
+      <a:lightRig rig="threePt" dir="t"/>
+    </dgm:scene3d>
+    <dgm:sp3d/>
+    <dgm:txPr/>
+    <dgm:style>
+      <a:lnRef idx="2">
+        <a:scrgbClr r="0" g="0" b="0"/>
+      </a:lnRef>
+      <a:fillRef idx="1">
+        <a:scrgbClr r="0" g="0" b="0"/>
+      </a:fillRef>
+      <a:effectRef idx="0">
+        <a:scrgbClr r="0" g="0" b="0"/>
+      </a:effectRef>
+      <a:fontRef idx="minor">
+        <a:schemeClr val="lt1"/>
+      </a:fontRef>
+    </dgm:style>
+  </dgm:styleLbl>
+  <dgm:styleLbl name="asst3">
+    <dgm:scene3d>
+      <a:camera prst="orthographicFront"/>
+      <a:lightRig rig="threePt" dir="t"/>
+    </dgm:scene3d>
+    <dgm:sp3d/>
+    <dgm:txPr/>
+    <dgm:style>
+      <a:lnRef idx="2">
+        <a:scrgbClr r="0" g="0" b="0"/>
+      </a:lnRef>
+      <a:fillRef idx="1">
+        <a:scrgbClr r="0" g="0" b="0"/>
+      </a:fillRef>
+      <a:effectRef idx="0">
+        <a:scrgbClr r="0" g="0" b="0"/>
+      </a:effectRef>
+      <a:fontRef idx="minor">
+        <a:schemeClr val="lt1"/>
+      </a:fontRef>
+    </dgm:style>
+  </dgm:styleLbl>
+  <dgm:styleLbl name="asst4">
+    <dgm:scene3d>
+      <a:camera prst="orthographicFront"/>
+      <a:lightRig rig="threePt" dir="t"/>
+    </dgm:scene3d>
+    <dgm:sp3d/>
+    <dgm:txPr/>
+    <dgm:style>
+      <a:lnRef idx="2">
+        <a:scrgbClr r="0" g="0" b="0"/>
+      </a:lnRef>
+      <a:fillRef idx="1">
+        <a:scrgbClr r="0" g="0" b="0"/>
+      </a:fillRef>
+      <a:effectRef idx="0">
+        <a:scrgbClr r="0" g="0" b="0"/>
+      </a:effectRef>
+      <a:fontRef idx="minor">
+        <a:schemeClr val="lt1"/>
+      </a:fontRef>
+    </dgm:style>
+  </dgm:styleLbl>
+  <dgm:styleLbl name="parChTrans2D1">
+    <dgm:scene3d>
+      <a:camera prst="orthographicFront"/>
+      <a:lightRig rig="threePt" dir="t"/>
+    </dgm:scene3d>
+    <dgm:sp3d/>
+    <dgm:txPr/>
+    <dgm:style>
+      <a:lnRef idx="2">
+        <a:scrgbClr r="0" g="0" b="0"/>
+      </a:lnRef>
+      <a:fillRef idx="1">
+        <a:scrgbClr r="0" g="0" b="0"/>
+      </a:fillRef>
+      <a:effectRef idx="0">
+        <a:scrgbClr r="0" g="0" b="0"/>
+      </a:effectRef>
+      <a:fontRef idx="minor">
+        <a:schemeClr val="lt1"/>
+      </a:fontRef>
+    </dgm:style>
+  </dgm:styleLbl>
+  <dgm:styleLbl name="parChTrans2D2">
+    <dgm:scene3d>
+      <a:camera prst="orthographicFront"/>
+      <a:lightRig rig="threePt" dir="t"/>
+    </dgm:scene3d>
+    <dgm:sp3d/>
+    <dgm:txPr/>
+    <dgm:style>
+      <a:lnRef idx="2">
+        <a:scrgbClr r="0" g="0" b="0"/>
+      </a:lnRef>
+      <a:fillRef idx="1">
+        <a:scrgbClr r="0" g="0" b="0"/>
+      </a:fillRef>
+      <a:effectRef idx="0">
+        <a:scrgbClr r="0" g="0" b="0"/>
+      </a:effectRef>
+      <a:fontRef idx="minor">
+        <a:schemeClr val="lt1"/>
+      </a:fontRef>
+    </dgm:style>
+  </dgm:styleLbl>
+  <dgm:styleLbl name="parChTrans2D3">
+    <dgm:scene3d>
+      <a:camera prst="orthographicFront"/>
+      <a:lightRig rig="threePt" dir="t"/>
+    </dgm:scene3d>
+    <dgm:sp3d/>
+    <dgm:txPr/>
+    <dgm:style>
+      <a:lnRef idx="2">
+        <a:scrgbClr r="0" g="0" b="0"/>
+      </a:lnRef>
+      <a:fillRef idx="1">
+        <a:scrgbClr r="0" g="0" b="0"/>
+      </a:fillRef>
+      <a:effectRef idx="0">
+        <a:scrgbClr r="0" g="0" b="0"/>
+      </a:effectRef>
+      <a:fontRef idx="minor">
+        <a:schemeClr val="lt1"/>
+      </a:fontRef>
+    </dgm:style>
+  </dgm:styleLbl>
+  <dgm:styleLbl name="parChTrans2D4">
+    <dgm:scene3d>
+      <a:camera prst="orthographicFront"/>
+      <a:lightRig rig="threePt" dir="t"/>
+    </dgm:scene3d>
+    <dgm:sp3d/>
+    <dgm:txPr/>
+    <dgm:style>
+      <a:lnRef idx="2">
+        <a:scrgbClr r="0" g="0" b="0"/>
+      </a:lnRef>
+      <a:fillRef idx="1">
+        <a:scrgbClr r="0" g="0" b="0"/>
+      </a:fillRef>
+      <a:effectRef idx="0">
+        <a:scrgbClr r="0" g="0" b="0"/>
+      </a:effectRef>
+      <a:fontRef idx="minor">
+        <a:schemeClr val="lt1"/>
+      </a:fontRef>
+    </dgm:style>
+  </dgm:styleLbl>
+  <dgm:styleLbl name="parChTrans1D1">
+    <dgm:scene3d>
+      <a:camera prst="orthographicFront"/>
+      <a:lightRig rig="threePt" dir="t"/>
+    </dgm:scene3d>
+    <dgm:sp3d/>
+    <dgm:txPr/>
+    <dgm:style>
+      <a:lnRef idx="2">
+        <a:scrgbClr r="0" g="0" b="0"/>
+      </a:lnRef>
+      <a:fillRef idx="0">
+        <a:scrgbClr r="0" g="0" b="0"/>
+      </a:fillRef>
+      <a:effectRef idx="0">
+        <a:scrgbClr r="0" g="0" b="0"/>
+      </a:effectRef>
+      <a:fontRef idx="minor"/>
+    </dgm:style>
+  </dgm:styleLbl>
+  <dgm:styleLbl name="parChTrans1D2">
+    <dgm:scene3d>
+      <a:camera prst="orthographicFront"/>
+      <a:lightRig rig="threePt" dir="t"/>
+    </dgm:scene3d>
+    <dgm:sp3d/>
+    <dgm:txPr/>
+    <dgm:style>
+      <a:lnRef idx="2">
+        <a:scrgbClr r="0" g="0" b="0"/>
+      </a:lnRef>
+      <a:fillRef idx="0">
+        <a:scrgbClr r="0" g="0" b="0"/>
+      </a:fillRef>
+      <a:effectRef idx="0">
+        <a:scrgbClr r="0" g="0" b="0"/>
+      </a:effectRef>
+      <a:fontRef idx="minor"/>
+    </dgm:style>
+  </dgm:styleLbl>
+  <dgm:styleLbl name="parChTrans1D3">
+    <dgm:scene3d>
+      <a:camera prst="orthographicFront"/>
+      <a:lightRig rig="threePt" dir="t"/>
+    </dgm:scene3d>
+    <dgm:sp3d/>
+    <dgm:txPr/>
+    <dgm:style>
+      <a:lnRef idx="2">
+        <a:scrgbClr r="0" g="0" b="0"/>
+      </a:lnRef>
+      <a:fillRef idx="0">
+        <a:scrgbClr r="0" g="0" b="0"/>
+      </a:fillRef>
+      <a:effectRef idx="0">
+        <a:scrgbClr r="0" g="0" b="0"/>
+      </a:effectRef>
+      <a:fontRef idx="minor"/>
+    </dgm:style>
+  </dgm:styleLbl>
+  <dgm:styleLbl name="parChTrans1D4">
+    <dgm:scene3d>
+      <a:camera prst="orthographicFront"/>
+      <a:lightRig rig="threePt" dir="t"/>
+    </dgm:scene3d>
+    <dgm:sp3d/>
+    <dgm:txPr/>
+    <dgm:style>
+      <a:lnRef idx="2">
+        <a:scrgbClr r="0" g="0" b="0"/>
+      </a:lnRef>
+      <a:fillRef idx="0">
+        <a:scrgbClr r="0" g="0" b="0"/>
+      </a:fillRef>
+      <a:effectRef idx="0">
+        <a:scrgbClr r="0" g="0" b="0"/>
+      </a:effectRef>
+      <a:fontRef idx="minor"/>
+    </dgm:style>
+  </dgm:styleLbl>
+  <dgm:styleLbl name="fgAcc1">
+    <dgm:scene3d>
+      <a:camera prst="orthographicFront"/>
+      <a:lightRig rig="threePt" dir="t"/>
+    </dgm:scene3d>
+    <dgm:sp3d/>
+    <dgm:txPr/>
+    <dgm:style>
+      <a:lnRef idx="2">
+        <a:scrgbClr r="0" g="0" b="0"/>
+      </a:lnRef>
+      <a:fillRef idx="1">
+        <a:scrgbClr r="0" g="0" b="0"/>
+      </a:fillRef>
+      <a:effectRef idx="0">
+        <a:scrgbClr r="0" g="0" b="0"/>
+      </a:effectRef>
+      <a:fontRef idx="minor"/>
+    </dgm:style>
+  </dgm:styleLbl>
+  <dgm:styleLbl name="conFgAcc1">
+    <dgm:scene3d>
+      <a:camera prst="orthographicFront"/>
+      <a:lightRig rig="threePt" dir="t"/>
+    </dgm:scene3d>
+    <dgm:sp3d/>
+    <dgm:txPr/>
+    <dgm:style>
+      <a:lnRef idx="2">
+        <a:scrgbClr r="0" g="0" b="0"/>
+      </a:lnRef>
+      <a:fillRef idx="1">
+        <a:scrgbClr r="0" g="0" b="0"/>
+      </a:fillRef>
+      <a:effectRef idx="0">
+        <a:scrgbClr r="0" g="0" b="0"/>
+      </a:effectRef>
+      <a:fontRef idx="minor"/>
+    </dgm:style>
+  </dgm:styleLbl>
+  <dgm:styleLbl name="alignAcc1">
+    <dgm:scene3d>
+      <a:camera prst="orthographicFront"/>
+      <a:lightRig rig="threePt" dir="t"/>
+    </dgm:scene3d>
+    <dgm:sp3d/>
+    <dgm:txPr/>
+    <dgm:style>
+      <a:lnRef idx="2">
+        <a:scrgbClr r="0" g="0" b="0"/>
+      </a:lnRef>
+      <a:fillRef idx="1">
+        <a:scrgbClr r="0" g="0" b="0"/>
+      </a:fillRef>
+      <a:effectRef idx="0">
+        <a:scrgbClr r="0" g="0" b="0"/>
+      </a:effectRef>
+      <a:fontRef idx="minor"/>
+    </dgm:style>
+  </dgm:styleLbl>
+  <dgm:styleLbl name="trAlignAcc1">
+    <dgm:scene3d>
+      <a:camera prst="orthographicFront"/>
+      <a:lightRig rig="threePt" dir="t"/>
+    </dgm:scene3d>
+    <dgm:sp3d/>
+    <dgm:txPr/>
+    <dgm:style>
+      <a:lnRef idx="1">
+        <a:scrgbClr r="0" g="0" b="0"/>
+      </a:lnRef>
+      <a:fillRef idx="1">
+        <a:scrgbClr r="0" g="0" b="0"/>
+      </a:fillRef>
+      <a:effectRef idx="0">
+        <a:scrgbClr r="0" g="0" b="0"/>
+      </a:effectRef>
+      <a:fontRef idx="minor"/>
+    </dgm:style>
+  </dgm:styleLbl>
+  <dgm:styleLbl name="bgAcc1">
+    <dgm:scene3d>
+      <a:camera prst="orthographicFront"/>
+      <a:lightRig rig="threePt" dir="t"/>
+    </dgm:scene3d>
+    <dgm:sp3d/>
+    <dgm:txPr/>
+    <dgm:style>
+      <a:lnRef idx="2">
+        <a:scrgbClr r="0" g="0" b="0"/>
+      </a:lnRef>
+      <a:fillRef idx="1">
+        <a:scrgbClr r="0" g="0" b="0"/>
+      </a:fillRef>
+      <a:effectRef idx="0">
+        <a:scrgbClr r="0" g="0" b="0"/>
+      </a:effectRef>
+      <a:fontRef idx="minor"/>
+    </dgm:style>
+  </dgm:styleLbl>
+  <dgm:styleLbl name="solidFgAcc1">
+    <dgm:scene3d>
+      <a:camera prst="orthographicFront"/>
+      <a:lightRig rig="threePt" dir="t"/>
+    </dgm:scene3d>
+    <dgm:sp3d/>
+    <dgm:txPr/>
+    <dgm:style>
+      <a:lnRef idx="2">
+        <a:scrgbClr r="0" g="0" b="0"/>
+      </a:lnRef>
+      <a:fillRef idx="1">
+        <a:scrgbClr r="0" g="0" b="0"/>
+      </a:fillRef>
+      <a:effectRef idx="0">
+        <a:scrgbClr r="0" g="0" b="0"/>
+      </a:effectRef>
+      <a:fontRef idx="minor"/>
+    </dgm:style>
+  </dgm:styleLbl>
+  <dgm:styleLbl name="solidAlignAcc1">
+    <dgm:scene3d>
+      <a:camera prst="orthographicFront"/>
+      <a:lightRig rig="threePt" dir="t"/>
+    </dgm:scene3d>
+    <dgm:sp3d/>
+    <dgm:txPr/>
+    <dgm:style>
+      <a:lnRef idx="2">
+        <a:scrgbClr r="0" g="0" b="0"/>
+      </a:lnRef>
+      <a:fillRef idx="1">
+        <a:scrgbClr r="0" g="0" b="0"/>
+      </a:fillRef>
+      <a:effectRef idx="0">
+        <a:scrgbClr r="0" g="0" b="0"/>
+      </a:effectRef>
+      <a:fontRef idx="minor"/>
+    </dgm:style>
+  </dgm:styleLbl>
+  <dgm:styleLbl name="solidBgAcc1">
+    <dgm:scene3d>
+      <a:camera prst="orthographicFront"/>
+      <a:lightRig rig="threePt" dir="t"/>
+    </dgm:scene3d>
+    <dgm:sp3d/>
+    <dgm:txPr/>
+    <dgm:style>
+      <a:lnRef idx="2">
+        <a:scrgbClr r="0" g="0" b="0"/>
+      </a:lnRef>
+      <a:fillRef idx="1">
+        <a:scrgbClr r="0" g="0" b="0"/>
+      </a:fillRef>
+      <a:effectRef idx="0">
+        <a:scrgbClr r="0" g="0" b="0"/>
+      </a:effectRef>
+      <a:fontRef idx="minor"/>
+    </dgm:style>
+  </dgm:styleLbl>
+  <dgm:styleLbl name="fgAccFollowNode1">
+    <dgm:scene3d>
+      <a:camera prst="orthographicFront"/>
+      <a:lightRig rig="threePt" dir="t"/>
+    </dgm:scene3d>
+    <dgm:sp3d/>
+    <dgm:txPr/>
+    <dgm:style>
+      <a:lnRef idx="2">
+        <a:scrgbClr r="0" g="0" b="0"/>
+      </a:lnRef>
+      <a:fillRef idx="1">
+        <a:scrgbClr r="0" g="0" b="0"/>
+      </a:fillRef>
+      <a:effectRef idx="0">
+        <a:scrgbClr r="0" g="0" b="0"/>
+      </a:effectRef>
+      <a:fontRef idx="minor"/>
+    </dgm:style>
+  </dgm:styleLbl>
+  <dgm:styleLbl name="alignAccFollowNode1">
+    <dgm:scene3d>
+      <a:camera prst="orthographicFront"/>
+      <a:lightRig rig="threePt" dir="t"/>
+    </dgm:scene3d>
+    <dgm:sp3d/>
+    <dgm:txPr/>
+    <dgm:style>
+      <a:lnRef idx="2">
+        <a:scrgbClr r="0" g="0" b="0"/>
+      </a:lnRef>
+      <a:fillRef idx="1">
+        <a:scrgbClr r="0" g="0" b="0"/>
+      </a:fillRef>
+      <a:effectRef idx="0">
+        <a:scrgbClr r="0" g="0" b="0"/>
+      </a:effectRef>
+      <a:fontRef idx="minor"/>
+    </dgm:style>
+  </dgm:styleLbl>
+  <dgm:styleLbl name="bgAccFollowNode1">
+    <dgm:scene3d>
+      <a:camera prst="orthographicFront"/>
+      <a:lightRig rig="threePt" dir="t"/>
+    </dgm:scene3d>
+    <dgm:sp3d/>
+    <dgm:txPr/>
+    <dgm:style>
+      <a:lnRef idx="2">
+        <a:scrgbClr r="0" g="0" b="0"/>
+      </a:lnRef>
+      <a:fillRef idx="1">
+        <a:scrgbClr r="0" g="0" b="0"/>
+      </a:fillRef>
+      <a:effectRef idx="0">
+        <a:scrgbClr r="0" g="0" b="0"/>
+      </a:effectRef>
+      <a:fontRef idx="minor"/>
+    </dgm:style>
+  </dgm:styleLbl>
+  <dgm:styleLbl name="fgAcc0">
+    <dgm:scene3d>
+      <a:camera prst="orthographicFront"/>
+      <a:lightRig rig="threePt" dir="t"/>
+    </dgm:scene3d>
+    <dgm:sp3d/>
+    <dgm:txPr/>
+    <dgm:style>
+      <a:lnRef idx="2">
+        <a:scrgbClr r="0" g="0" b="0"/>
+      </a:lnRef>
+      <a:fillRef idx="1">
+        <a:scrgbClr r="0" g="0" b="0"/>
+      </a:fillRef>
+      <a:effectRef idx="0">
+        <a:scrgbClr r="0" g="0" b="0"/>
+      </a:effectRef>
+      <a:fontRef idx="minor"/>
+    </dgm:style>
+  </dgm:styleLbl>
+  <dgm:styleLbl name="fgAcc2">
+    <dgm:scene3d>
+      <a:camera prst="orthographicFront"/>
+      <a:lightRig rig="threePt" dir="t"/>
+    </dgm:scene3d>
+    <dgm:sp3d/>
+    <dgm:txPr/>
+    <dgm:style>
+      <a:lnRef idx="2">
+        <a:scrgbClr r="0" g="0" b="0"/>
+      </a:lnRef>
+      <a:fillRef idx="1">
+        <a:scrgbClr r="0" g="0" b="0"/>
+      </a:fillRef>
+      <a:effectRef idx="0">
+        <a:scrgbClr r="0" g="0" b="0"/>
+      </a:effectRef>
+      <a:fontRef idx="minor"/>
+    </dgm:style>
+  </dgm:styleLbl>
+  <dgm:styleLbl name="fgAcc3">
+    <dgm:scene3d>
+      <a:camera prst="orthographicFront"/>
+      <a:lightRig rig="threePt" dir="t"/>
+    </dgm:scene3d>
+    <dgm:sp3d/>
+    <dgm:txPr/>
+    <dgm:style>
+      <a:lnRef idx="2">
+        <a:scrgbClr r="0" g="0" b="0"/>
+      </a:lnRef>
+      <a:fillRef idx="1">
+        <a:scrgbClr r="0" g="0" b="0"/>
+      </a:fillRef>
+      <a:effectRef idx="0">
+        <a:scrgbClr r="0" g="0" b="0"/>
+      </a:effectRef>
+      <a:fontRef idx="minor"/>
+    </dgm:style>
+  </dgm:styleLbl>
+  <dgm:styleLbl name="fgAcc4">
+    <dgm:scene3d>
+      <a:camera prst="orthographicFront"/>
+      <a:lightRig rig="threePt" dir="t"/>
+    </dgm:scene3d>
+    <dgm:sp3d/>
+    <dgm:txPr/>
+    <dgm:style>
+      <a:lnRef idx="2">
+        <a:scrgbClr r="0" g="0" b="0"/>
+      </a:lnRef>
+      <a:fillRef idx="1">
+        <a:scrgbClr r="0" g="0" b="0"/>
+      </a:fillRef>
+      <a:effectRef idx="0">
+        <a:scrgbClr r="0" g="0" b="0"/>
+      </a:effectRef>
+      <a:fontRef idx="minor"/>
+    </dgm:style>
+  </dgm:styleLbl>
+  <dgm:styleLbl name="bgShp">
+    <dgm:scene3d>
+      <a:camera prst="orthographicFront"/>
+      <a:lightRig rig="threePt" dir="t"/>
+    </dgm:scene3d>
+    <dgm:sp3d/>
+    <dgm:txPr/>
+    <dgm:style>
+      <a:lnRef idx="0">
+        <a:scrgbClr r="0" g="0" b="0"/>
+      </a:lnRef>
+      <a:fillRef idx="1">
+        <a:scrgbClr r="0" g="0" b="0"/>
+      </a:fillRef>
+      <a:effectRef idx="0">
+        <a:scrgbClr r="0" g="0" b="0"/>
+      </a:effectRef>
+      <a:fontRef idx="minor"/>
+    </dgm:style>
+  </dgm:styleLbl>
+  <dgm:styleLbl name="dkBgShp">
+    <dgm:scene3d>
+      <a:camera prst="orthographicFront"/>
+      <a:lightRig rig="threePt" dir="t"/>
+    </dgm:scene3d>
+    <dgm:sp3d/>
+    <dgm:txPr/>
+    <dgm:style>
+      <a:lnRef idx="0">
+        <a:scrgbClr r="0" g="0" b="0"/>
+      </a:lnRef>
+      <a:fillRef idx="1">
+        <a:scrgbClr r="0" g="0" b="0"/>
+      </a:fillRef>
+      <a:effectRef idx="0">
+        <a:scrgbClr r="0" g="0" b="0"/>
+      </a:effectRef>
+      <a:fontRef idx="minor"/>
+    </dgm:style>
+  </dgm:styleLbl>
+  <dgm:styleLbl name="trBgShp">
+    <dgm:scene3d>
+      <a:camera prst="orthographicFront"/>
+      <a:lightRig rig="threePt" dir="t"/>
+    </dgm:scene3d>
+    <dgm:sp3d/>
+    <dgm:txPr/>
+    <dgm:style>
+      <a:lnRef idx="0">
+        <a:scrgbClr r="0" g="0" b="0"/>
+      </a:lnRef>
+      <a:fillRef idx="1">
+        <a:scrgbClr r="0" g="0" b="0"/>
+      </a:fillRef>
+      <a:effectRef idx="0">
+        <a:scrgbClr r="0" g="0" b="0"/>
+      </a:effectRef>
+      <a:fontRef idx="minor"/>
+    </dgm:style>
+  </dgm:styleLbl>
+  <dgm:styleLbl name="fgShp">
+    <dgm:scene3d>
+      <a:camera prst="orthographicFront"/>
+      <a:lightRig rig="threePt" dir="t"/>
+    </dgm:scene3d>
+    <dgm:sp3d/>
+    <dgm:txPr/>
+    <dgm:style>
+      <a:lnRef idx="2">
+        <a:scrgbClr r="0" g="0" b="0"/>
+      </a:lnRef>
+      <a:fillRef idx="1">
+        <a:scrgbClr r="0" g="0" b="0"/>
+      </a:fillRef>
+      <a:effectRef idx="0">
+        <a:scrgbClr r="0" g="0" b="0"/>
+      </a:effectRef>
+      <a:fontRef idx="minor"/>
+    </dgm:style>
+  </dgm:styleLbl>
+  <dgm:styleLbl name="revTx">
+    <dgm:scene3d>
+      <a:camera prst="orthographicFront"/>
+      <a:lightRig rig="threePt" dir="t"/>
+    </dgm:scene3d>
+    <dgm:sp3d/>
+    <dgm:txPr/>
+    <dgm:style>
+      <a:lnRef idx="0">
+        <a:scrgbClr r="0" g="0" b="0"/>
+      </a:lnRef>
+      <a:fillRef idx="0">
+        <a:scrgbClr r="0" g="0" b="0"/>
+      </a:fillRef>
+      <a:effectRef idx="0">
+        <a:scrgbClr r="0" g="0" b="0"/>
+      </a:effectRef>
+      <a:fontRef idx="minor"/>
+    </dgm:style>
+  </dgm:styleLbl>
+</dgm:styleDef>
+</file>
+
 <file path=ppt/handoutMasters/handoutMaster1.xml><?xml version="1.0" encoding="utf-8"?>
 <p:handoutMaster xmlns:a="http://schemas.openxmlformats.org/drawingml/2006/main" xmlns:r="http://schemas.openxmlformats.org/officeDocument/2006/relationships" xmlns:p="http://schemas.openxmlformats.org/presentationml/2006/main">
   <p:cSld>
@@ -222,7 +2712,7 @@
           <a:p>
             <a:fld id="{D75CAE95-D2DD-4998-876A-092BFD628C65}" type="datetimeFigureOut">
               <a:rPr lang="da-DK" smtClean="0"/>
-              <a:t>28-04-2021</a:t>
+              <a:t>04-05-2021</a:t>
             </a:fld>
             <a:endParaRPr lang="da-DK"/>
           </a:p>
@@ -400,7 +2890,7 @@
           <a:p>
             <a:fld id="{1DA8E099-58AA-4136-B409-1CAD1943D842}" type="datetimeFigureOut">
               <a:rPr lang="da-DK" smtClean="0"/>
-              <a:t>28-04-2021</a:t>
+              <a:t>04-05-2021</a:t>
             </a:fld>
             <a:endParaRPr lang="da-DK"/>
           </a:p>
@@ -818,7 +3308,7 @@
           <a:p>
             <a:fld id="{C85334AD-9960-4065-BF34-86ED0345A76D}" type="datetime1">
               <a:rPr lang="en-US" smtClean="0"/>
-              <a:t>4/28/2021</a:t>
+              <a:t>5/4/2021</a:t>
             </a:fld>
             <a:endParaRPr lang="da-DK"/>
           </a:p>
@@ -1057,7 +3547,7 @@
           <a:p>
             <a:fld id="{C5669758-3775-48D7-A841-693E908C3BF4}" type="datetime1">
               <a:rPr lang="en-US" smtClean="0"/>
-              <a:t>4/28/2021</a:t>
+              <a:t>5/4/2021</a:t>
             </a:fld>
             <a:endParaRPr lang="da-DK"/>
           </a:p>
@@ -1270,7 +3760,7 @@
           <a:p>
             <a:fld id="{1E0C3FF1-EDBD-4F2A-8366-34A4E3728310}" type="datetime1">
               <a:rPr lang="en-US" smtClean="0"/>
-              <a:t>4/28/2021</a:t>
+              <a:t>5/4/2021</a:t>
             </a:fld>
             <a:endParaRPr lang="da-DK"/>
           </a:p>
@@ -1491,7 +3981,7 @@
           <a:p>
             <a:fld id="{019E29B9-5584-4737-9C98-1B926378C778}" type="datetime1">
               <a:rPr lang="en-US" smtClean="0"/>
-              <a:t>4/28/2021</a:t>
+              <a:t>5/4/2021</a:t>
             </a:fld>
             <a:endParaRPr lang="da-DK"/>
           </a:p>
@@ -1806,7 +4296,7 @@
           <a:p>
             <a:fld id="{FCE38F03-F67D-4508-A858-99FCD085087C}" type="datetime1">
               <a:rPr lang="en-US" smtClean="0"/>
-              <a:t>4/28/2021</a:t>
+              <a:t>5/4/2021</a:t>
             </a:fld>
             <a:endParaRPr lang="da-DK"/>
           </a:p>
@@ -2077,7 +4567,7 @@
           <a:p>
             <a:fld id="{B43F2930-3FFD-4F93-A4BD-4F0D1A0B4514}" type="datetime1">
               <a:rPr lang="en-US" smtClean="0"/>
-              <a:t>4/28/2021</a:t>
+              <a:t>5/4/2021</a:t>
             </a:fld>
             <a:endParaRPr lang="da-DK"/>
           </a:p>
@@ -2495,7 +4985,7 @@
           <a:p>
             <a:fld id="{8E0F9B9B-30CC-4693-8E0F-1A94A979E2C5}" type="datetime1">
               <a:rPr lang="en-US" smtClean="0"/>
-              <a:t>4/28/2021</a:t>
+              <a:t>5/4/2021</a:t>
             </a:fld>
             <a:endParaRPr lang="da-DK"/>
           </a:p>
@@ -2640,7 +5130,7 @@
           <a:p>
             <a:fld id="{6FE1433B-E6A7-44FF-8B55-539471B4D7C5}" type="datetime1">
               <a:rPr lang="en-US" smtClean="0"/>
-              <a:t>4/28/2021</a:t>
+              <a:t>5/4/2021</a:t>
             </a:fld>
             <a:endParaRPr lang="da-DK"/>
           </a:p>
@@ -2756,7 +5246,7 @@
           <a:p>
             <a:fld id="{624F4001-6A8C-42DA-824F-B5CC1375B861}" type="datetime1">
               <a:rPr lang="en-US" smtClean="0"/>
-              <a:t>4/28/2021</a:t>
+              <a:t>5/4/2021</a:t>
             </a:fld>
             <a:endParaRPr lang="da-DK"/>
           </a:p>
@@ -3072,7 +5562,7 @@
           <a:p>
             <a:fld id="{2D3BE137-2C5E-4078-8BA2-7D42D7E67218}" type="datetime1">
               <a:rPr lang="en-US" smtClean="0"/>
-              <a:t>4/28/2021</a:t>
+              <a:t>5/4/2021</a:t>
             </a:fld>
             <a:endParaRPr lang="da-DK"/>
           </a:p>
@@ -3364,7 +5854,7 @@
           <a:p>
             <a:fld id="{0D1436FF-56D3-4E93-92E8-71121EAB120E}" type="datetime1">
               <a:rPr lang="en-US" smtClean="0"/>
-              <a:t>4/28/2021</a:t>
+              <a:t>5/4/2021</a:t>
             </a:fld>
             <a:endParaRPr lang="da-DK"/>
           </a:p>
@@ -3610,7 +6100,7 @@
           <a:p>
             <a:fld id="{16601EF2-4BCA-4009-ACCF-B97F259DEF6F}" type="datetime1">
               <a:rPr lang="en-US" smtClean="0"/>
-              <a:t>4/28/2021</a:t>
+              <a:t>5/4/2021</a:t>
             </a:fld>
             <a:endParaRPr lang="da-DK"/>
           </a:p>
@@ -4066,7 +6556,7 @@
                   <a:schemeClr val="accent2"/>
                 </a:solidFill>
               </a:rPr>
-              <a:t>Machine Learning Operations</a:t>
+              <a:t>Distributed Training</a:t>
             </a:r>
           </a:p>
         </p:txBody>
@@ -4124,6 +6614,175 @@
     <p:extLst>
       <p:ext uri="{BB962C8B-B14F-4D97-AF65-F5344CB8AC3E}">
         <p14:creationId xmlns:p14="http://schemas.microsoft.com/office/powerpoint/2010/main" val="3252465941"/>
+      </p:ext>
+    </p:extLst>
+  </p:cSld>
+  <p:clrMapOvr>
+    <a:masterClrMapping/>
+  </p:clrMapOvr>
+</p:sld>
+</file>
+
+<file path=ppt/slides/slide10.xml><?xml version="1.0" encoding="utf-8"?>
+<p:sld xmlns:a="http://schemas.openxmlformats.org/drawingml/2006/main" xmlns:r="http://schemas.openxmlformats.org/officeDocument/2006/relationships" xmlns:p="http://schemas.openxmlformats.org/presentationml/2006/main">
+  <p:cSld>
+    <p:spTree>
+      <p:nvGrpSpPr>
+        <p:cNvPr id="1" name=""/>
+        <p:cNvGrpSpPr/>
+        <p:nvPr/>
+      </p:nvGrpSpPr>
+      <p:grpSpPr>
+        <a:xfrm>
+          <a:off x="0" y="0"/>
+          <a:ext cx="0" cy="0"/>
+          <a:chOff x="0" y="0"/>
+          <a:chExt cx="0" cy="0"/>
+        </a:xfrm>
+      </p:grpSpPr>
+      <p:sp>
+        <p:nvSpPr>
+          <p:cNvPr id="2" name="Title 1">
+            <a:extLst>
+              <a:ext uri="{FF2B5EF4-FFF2-40B4-BE49-F238E27FC236}">
+                <a16:creationId xmlns:a16="http://schemas.microsoft.com/office/drawing/2014/main" id="{C7F2184C-4B69-4241-BB63-BDCE137AED2E}"/>
+              </a:ext>
+            </a:extLst>
+          </p:cNvPr>
+          <p:cNvSpPr>
+            <a:spLocks noGrp="1"/>
+          </p:cNvSpPr>
+          <p:nvPr>
+            <p:ph type="title"/>
+          </p:nvPr>
+        </p:nvSpPr>
+        <p:spPr/>
+        <p:txBody>
+          <a:bodyPr/>
+          <a:lstStyle/>
+          <a:p>
+            <a:r>
+              <a:rPr lang="da-DK" dirty="0"/>
+              <a:t>Seperating engineering and research code</a:t>
+            </a:r>
+          </a:p>
+        </p:txBody>
+      </p:sp>
+      <p:sp>
+        <p:nvSpPr>
+          <p:cNvPr id="3" name="Content Placeholder 2">
+            <a:extLst>
+              <a:ext uri="{FF2B5EF4-FFF2-40B4-BE49-F238E27FC236}">
+                <a16:creationId xmlns:a16="http://schemas.microsoft.com/office/drawing/2014/main" id="{1FAB9D8F-9B57-4DF7-8846-1A39780BA61E}"/>
+              </a:ext>
+            </a:extLst>
+          </p:cNvPr>
+          <p:cNvSpPr>
+            <a:spLocks noGrp="1"/>
+          </p:cNvSpPr>
+          <p:nvPr>
+            <p:ph idx="1"/>
+          </p:nvPr>
+        </p:nvSpPr>
+        <p:spPr/>
+        <p:txBody>
+          <a:bodyPr/>
+          <a:lstStyle/>
+          <a:p>
+            <a:endParaRPr lang="da-DK"/>
+          </a:p>
+        </p:txBody>
+      </p:sp>
+      <p:sp>
+        <p:nvSpPr>
+          <p:cNvPr id="4" name="Date Placeholder 3">
+            <a:extLst>
+              <a:ext uri="{FF2B5EF4-FFF2-40B4-BE49-F238E27FC236}">
+                <a16:creationId xmlns:a16="http://schemas.microsoft.com/office/drawing/2014/main" id="{C5BC8217-819E-44D5-93A0-22077CC93CEA}"/>
+              </a:ext>
+            </a:extLst>
+          </p:cNvPr>
+          <p:cNvSpPr>
+            <a:spLocks noGrp="1"/>
+          </p:cNvSpPr>
+          <p:nvPr>
+            <p:ph type="dt" sz="half" idx="10"/>
+          </p:nvPr>
+        </p:nvSpPr>
+        <p:spPr/>
+        <p:txBody>
+          <a:bodyPr/>
+          <a:lstStyle/>
+          <a:p>
+            <a:fld id="{019E29B9-5584-4737-9C98-1B926378C778}" type="datetime1">
+              <a:rPr lang="en-US" smtClean="0"/>
+              <a:t>5/4/2021</a:t>
+            </a:fld>
+            <a:endParaRPr lang="da-DK"/>
+          </a:p>
+        </p:txBody>
+      </p:sp>
+      <p:sp>
+        <p:nvSpPr>
+          <p:cNvPr id="5" name="Footer Placeholder 4">
+            <a:extLst>
+              <a:ext uri="{FF2B5EF4-FFF2-40B4-BE49-F238E27FC236}">
+                <a16:creationId xmlns:a16="http://schemas.microsoft.com/office/drawing/2014/main" id="{D0CA77D4-EF99-4034-AB30-3A644D89A27F}"/>
+              </a:ext>
+            </a:extLst>
+          </p:cNvPr>
+          <p:cNvSpPr>
+            <a:spLocks noGrp="1"/>
+          </p:cNvSpPr>
+          <p:nvPr>
+            <p:ph type="ftr" sz="quarter" idx="11"/>
+          </p:nvPr>
+        </p:nvSpPr>
+        <p:spPr/>
+        <p:txBody>
+          <a:bodyPr/>
+          <a:lstStyle/>
+          <a:p>
+            <a:r>
+              <a:rPr lang="da-DK"/>
+              <a:t>Nicki Skafte Detlefsen</a:t>
+            </a:r>
+          </a:p>
+        </p:txBody>
+      </p:sp>
+      <p:sp>
+        <p:nvSpPr>
+          <p:cNvPr id="6" name="Slide Number Placeholder 5">
+            <a:extLst>
+              <a:ext uri="{FF2B5EF4-FFF2-40B4-BE49-F238E27FC236}">
+                <a16:creationId xmlns:a16="http://schemas.microsoft.com/office/drawing/2014/main" id="{176A0847-4B94-4439-B781-6BE280BB51D5}"/>
+              </a:ext>
+            </a:extLst>
+          </p:cNvPr>
+          <p:cNvSpPr>
+            <a:spLocks noGrp="1"/>
+          </p:cNvSpPr>
+          <p:nvPr>
+            <p:ph type="sldNum" sz="quarter" idx="12"/>
+          </p:nvPr>
+        </p:nvSpPr>
+        <p:spPr/>
+        <p:txBody>
+          <a:bodyPr/>
+          <a:lstStyle/>
+          <a:p>
+            <a:fld id="{F6FEDE24-D50C-481B-A7B4-8AF13899101A}" type="slidenum">
+              <a:rPr lang="da-DK" smtClean="0"/>
+              <a:t>10</a:t>
+            </a:fld>
+            <a:endParaRPr lang="da-DK"/>
+          </a:p>
+        </p:txBody>
+      </p:sp>
+    </p:spTree>
+    <p:extLst>
+      <p:ext uri="{BB962C8B-B14F-4D97-AF65-F5344CB8AC3E}">
+        <p14:creationId xmlns:p14="http://schemas.microsoft.com/office/powerpoint/2010/main" val="3487637755"/>
       </p:ext>
     </p:extLst>
   </p:cSld>
@@ -4155,7 +6814,7 @@
           <p:cNvPr id="2" name="Title 1">
             <a:extLst>
               <a:ext uri="{FF2B5EF4-FFF2-40B4-BE49-F238E27FC236}">
-                <a16:creationId xmlns:a16="http://schemas.microsoft.com/office/drawing/2014/main" id="{AFA3FB33-E459-44C2-8C3E-2980164944DF}"/>
+                <a16:creationId xmlns:a16="http://schemas.microsoft.com/office/drawing/2014/main" id="{61FFA3F0-12EC-45E2-85EC-A1198CD6B0AC}"/>
               </a:ext>
             </a:extLst>
           </p:cNvPr>
@@ -4173,7 +6832,7 @@
           <a:p>
             <a:r>
               <a:rPr lang="da-DK" dirty="0"/>
-              <a:t>History of deep learning</a:t>
+              <a:t>What is distributed computations?</a:t>
             </a:r>
           </a:p>
         </p:txBody>
@@ -4183,7 +6842,7 @@
           <p:cNvPr id="3" name="Content Placeholder 2">
             <a:extLst>
               <a:ext uri="{FF2B5EF4-FFF2-40B4-BE49-F238E27FC236}">
-                <a16:creationId xmlns:a16="http://schemas.microsoft.com/office/drawing/2014/main" id="{E0F4738D-97BD-4C83-B3F1-645790055083}"/>
+                <a16:creationId xmlns:a16="http://schemas.microsoft.com/office/drawing/2014/main" id="{9C523A8A-3183-479A-AAFD-A3E088AB081F}"/>
               </a:ext>
             </a:extLst>
           </p:cNvPr>
@@ -4199,7 +6858,13 @@
           <a:bodyPr/>
           <a:lstStyle/>
           <a:p>
-            <a:endParaRPr lang="da-DK"/>
+            <a:pPr marL="0" indent="0">
+              <a:buNone/>
+            </a:pPr>
+            <a:r>
+              <a:rPr lang="da-DK" dirty="0"/>
+              <a:t>We focus on training as it is the most computationally expensive part of MLOps</a:t>
+            </a:r>
           </a:p>
         </p:txBody>
       </p:sp>
@@ -4208,7 +6873,7 @@
           <p:cNvPr id="4" name="Date Placeholder 3">
             <a:extLst>
               <a:ext uri="{FF2B5EF4-FFF2-40B4-BE49-F238E27FC236}">
-                <a16:creationId xmlns:a16="http://schemas.microsoft.com/office/drawing/2014/main" id="{8FDE3585-E720-46C0-833E-F175CF8BA031}"/>
+                <a16:creationId xmlns:a16="http://schemas.microsoft.com/office/drawing/2014/main" id="{EB9CE1A6-6135-4873-BD8B-0262E747AC06}"/>
               </a:ext>
             </a:extLst>
           </p:cNvPr>
@@ -4226,7 +6891,7 @@
           <a:p>
             <a:fld id="{019E29B9-5584-4737-9C98-1B926378C778}" type="datetime1">
               <a:rPr lang="en-US" smtClean="0"/>
-              <a:t>4/28/2021</a:t>
+              <a:t>5/4/2021</a:t>
             </a:fld>
             <a:endParaRPr lang="da-DK"/>
           </a:p>
@@ -4237,7 +6902,7 @@
           <p:cNvPr id="5" name="Footer Placeholder 4">
             <a:extLst>
               <a:ext uri="{FF2B5EF4-FFF2-40B4-BE49-F238E27FC236}">
-                <a16:creationId xmlns:a16="http://schemas.microsoft.com/office/drawing/2014/main" id="{767C9310-195E-4210-AADE-3C5DE42CF185}"/>
+                <a16:creationId xmlns:a16="http://schemas.microsoft.com/office/drawing/2014/main" id="{1D50C7C1-45FB-46F8-9131-4200035A6A6D}"/>
               </a:ext>
             </a:extLst>
           </p:cNvPr>
@@ -4265,7 +6930,7 @@
           <p:cNvPr id="6" name="Slide Number Placeholder 5">
             <a:extLst>
               <a:ext uri="{FF2B5EF4-FFF2-40B4-BE49-F238E27FC236}">
-                <a16:creationId xmlns:a16="http://schemas.microsoft.com/office/drawing/2014/main" id="{2B37452C-28B9-4BDA-AAC9-2F25A667A22F}"/>
+                <a16:creationId xmlns:a16="http://schemas.microsoft.com/office/drawing/2014/main" id="{72BC149B-3AF8-4C98-834D-FBB88134DDBA}"/>
               </a:ext>
             </a:extLst>
           </p:cNvPr>
@@ -4289,40 +6954,10 @@
           </a:p>
         </p:txBody>
       </p:sp>
-      <p:pic>
-        <p:nvPicPr>
-          <p:cNvPr id="8" name="Picture 7">
-            <a:extLst>
-              <a:ext uri="{FF2B5EF4-FFF2-40B4-BE49-F238E27FC236}">
-                <a16:creationId xmlns:a16="http://schemas.microsoft.com/office/drawing/2014/main" id="{BFFE98C9-580E-46B2-8F7D-EB72EE6FB9EC}"/>
-              </a:ext>
-            </a:extLst>
-          </p:cNvPr>
-          <p:cNvPicPr>
-            <a:picLocks noChangeAspect="1"/>
-          </p:cNvPicPr>
-          <p:nvPr/>
-        </p:nvPicPr>
-        <p:blipFill>
-          <a:blip r:embed="rId2"/>
-          <a:stretch>
-            <a:fillRect/>
-          </a:stretch>
-        </p:blipFill>
-        <p:spPr>
-          <a:xfrm>
-            <a:off x="371475" y="833437"/>
-            <a:ext cx="11449050" cy="5191125"/>
-          </a:xfrm>
-          <a:prstGeom prst="rect">
-            <a:avLst/>
-          </a:prstGeom>
-        </p:spPr>
-      </p:pic>
     </p:spTree>
     <p:extLst>
       <p:ext uri="{BB962C8B-B14F-4D97-AF65-F5344CB8AC3E}">
-        <p14:creationId xmlns:p14="http://schemas.microsoft.com/office/powerpoint/2010/main" val="1591327753"/>
+        <p14:creationId xmlns:p14="http://schemas.microsoft.com/office/powerpoint/2010/main" val="50222646"/>
       </p:ext>
     </p:extLst>
   </p:cSld>
@@ -4335,14 +6970,6 @@
 <file path=ppt/slides/slide3.xml><?xml version="1.0" encoding="utf-8"?>
 <p:sld xmlns:a="http://schemas.openxmlformats.org/drawingml/2006/main" xmlns:r="http://schemas.openxmlformats.org/officeDocument/2006/relationships" xmlns:p="http://schemas.openxmlformats.org/presentationml/2006/main">
   <p:cSld>
-    <p:bg>
-      <p:bgPr>
-        <a:solidFill>
-          <a:schemeClr val="bg1"/>
-        </a:solidFill>
-        <a:effectLst/>
-      </p:bgPr>
-    </p:bg>
     <p:spTree>
       <p:nvGrpSpPr>
         <p:cNvPr id="1" name=""/>
@@ -4362,7 +6989,7 @@
           <p:cNvPr id="2" name="Title 1">
             <a:extLst>
               <a:ext uri="{FF2B5EF4-FFF2-40B4-BE49-F238E27FC236}">
-                <a16:creationId xmlns:a16="http://schemas.microsoft.com/office/drawing/2014/main" id="{BD3F43E9-D451-4F9C-8DA9-4DED62226315}"/>
+                <a16:creationId xmlns:a16="http://schemas.microsoft.com/office/drawing/2014/main" id="{5447F1ED-16E1-47F7-BFA1-56891AB86FF9}"/>
               </a:ext>
             </a:extLst>
           </p:cNvPr>
@@ -4380,26 +7007,223 @@
           <a:p>
             <a:r>
               <a:rPr lang="da-DK" dirty="0"/>
-              <a:t>The Deep Learning Revolution</a:t>
-            </a:r>
+              <a:t>Devices</a:t>
+            </a:r>
+          </a:p>
+        </p:txBody>
+      </p:sp>
+      <p:sp>
+        <p:nvSpPr>
+          <p:cNvPr id="3" name="Content Placeholder 2">
+            <a:extLst>
+              <a:ext uri="{FF2B5EF4-FFF2-40B4-BE49-F238E27FC236}">
+                <a16:creationId xmlns:a16="http://schemas.microsoft.com/office/drawing/2014/main" id="{69A4337F-0DC7-402D-84BC-78081237499E}"/>
+              </a:ext>
+            </a:extLst>
+          </p:cNvPr>
+          <p:cNvSpPr>
+            <a:spLocks noGrp="1"/>
+          </p:cNvSpPr>
+          <p:nvPr>
+            <p:ph idx="1"/>
+          </p:nvPr>
+        </p:nvSpPr>
+        <p:spPr>
+          <a:xfrm>
+            <a:off x="838200" y="1343608"/>
+            <a:ext cx="4694853" cy="4833355"/>
+          </a:xfrm>
+        </p:spPr>
+        <p:txBody>
+          <a:bodyPr>
+            <a:normAutofit lnSpcReduction="10000"/>
+          </a:bodyPr>
+          <a:lstStyle/>
+          <a:p>
+            <a:r>
+              <a:rPr lang="da-DK" dirty="0"/>
+              <a:t>Three types of devices</a:t>
+            </a:r>
+          </a:p>
+          <a:p>
+            <a:pPr lvl="1"/>
+            <a:r>
+              <a:rPr lang="da-DK" dirty="0"/>
+              <a:t>CPU</a:t>
+            </a:r>
+          </a:p>
+          <a:p>
+            <a:pPr lvl="2"/>
+            <a:r>
+              <a:rPr lang="da-DK" dirty="0"/>
+              <a:t>General compute unit</a:t>
+            </a:r>
+          </a:p>
+          <a:p>
+            <a:pPr lvl="2"/>
+            <a:r>
+              <a:rPr lang="da-DK" dirty="0"/>
+              <a:t>2-128 threads</a:t>
+            </a:r>
+          </a:p>
+          <a:p>
+            <a:pPr lvl="1"/>
+            <a:r>
+              <a:rPr lang="da-DK" dirty="0"/>
+              <a:t>GPU</a:t>
+            </a:r>
+          </a:p>
+          <a:p>
+            <a:pPr lvl="2"/>
+            <a:r>
+              <a:rPr lang="da-DK" dirty="0"/>
+              <a:t>Rendering unit</a:t>
+            </a:r>
+          </a:p>
+          <a:p>
+            <a:pPr lvl="2"/>
+            <a:r>
+              <a:rPr lang="da-DK" dirty="0"/>
+              <a:t>1000-10000 threads</a:t>
+            </a:r>
+          </a:p>
+          <a:p>
+            <a:pPr lvl="1"/>
+            <a:r>
+              <a:rPr lang="da-DK" dirty="0"/>
+              <a:t>TPU</a:t>
+            </a:r>
+          </a:p>
+          <a:p>
+            <a:pPr lvl="2"/>
+            <a:r>
+              <a:rPr lang="da-DK" dirty="0"/>
+              <a:t>Specialized unit </a:t>
+            </a:r>
+          </a:p>
+          <a:p>
+            <a:pPr lvl="2"/>
+            <a:r>
+              <a:rPr lang="da-DK" dirty="0"/>
+              <a:t>8-2048 threads</a:t>
+            </a:r>
+          </a:p>
+          <a:p>
+            <a:pPr marL="0" indent="0">
+              <a:buNone/>
+            </a:pPr>
+            <a:endParaRPr lang="da-DK" dirty="0"/>
+          </a:p>
+          <a:p>
+            <a:pPr marL="0" indent="0">
+              <a:buNone/>
+            </a:pPr>
+            <a:r>
+              <a:rPr lang="da-DK" dirty="0"/>
+              <a:t>Note that we are comparing apples to bananas!</a:t>
+            </a:r>
+          </a:p>
+        </p:txBody>
+      </p:sp>
+      <p:sp>
+        <p:nvSpPr>
+          <p:cNvPr id="4" name="Date Placeholder 3">
+            <a:extLst>
+              <a:ext uri="{FF2B5EF4-FFF2-40B4-BE49-F238E27FC236}">
+                <a16:creationId xmlns:a16="http://schemas.microsoft.com/office/drawing/2014/main" id="{5A2A44D9-1CEB-4EF9-909D-B565AFBFB369}"/>
+              </a:ext>
+            </a:extLst>
+          </p:cNvPr>
+          <p:cNvSpPr>
+            <a:spLocks noGrp="1"/>
+          </p:cNvSpPr>
+          <p:nvPr>
+            <p:ph type="dt" sz="half" idx="10"/>
+          </p:nvPr>
+        </p:nvSpPr>
+        <p:spPr/>
+        <p:txBody>
+          <a:bodyPr/>
+          <a:lstStyle/>
+          <a:p>
+            <a:fld id="{019E29B9-5584-4737-9C98-1B926378C778}" type="datetime1">
+              <a:rPr lang="en-US" smtClean="0"/>
+              <a:t>5/4/2021</a:t>
+            </a:fld>
+            <a:endParaRPr lang="da-DK"/>
+          </a:p>
+        </p:txBody>
+      </p:sp>
+      <p:sp>
+        <p:nvSpPr>
+          <p:cNvPr id="5" name="Footer Placeholder 4">
+            <a:extLst>
+              <a:ext uri="{FF2B5EF4-FFF2-40B4-BE49-F238E27FC236}">
+                <a16:creationId xmlns:a16="http://schemas.microsoft.com/office/drawing/2014/main" id="{FDCBDCE9-B743-4824-A40B-38334A66962B}"/>
+              </a:ext>
+            </a:extLst>
+          </p:cNvPr>
+          <p:cNvSpPr>
+            <a:spLocks noGrp="1"/>
+          </p:cNvSpPr>
+          <p:nvPr>
+            <p:ph type="ftr" sz="quarter" idx="11"/>
+          </p:nvPr>
+        </p:nvSpPr>
+        <p:spPr/>
+        <p:txBody>
+          <a:bodyPr/>
+          <a:lstStyle/>
+          <a:p>
+            <a:r>
+              <a:rPr lang="da-DK"/>
+              <a:t>Nicki Skafte Detlefsen</a:t>
+            </a:r>
+          </a:p>
+        </p:txBody>
+      </p:sp>
+      <p:sp>
+        <p:nvSpPr>
+          <p:cNvPr id="6" name="Slide Number Placeholder 5">
+            <a:extLst>
+              <a:ext uri="{FF2B5EF4-FFF2-40B4-BE49-F238E27FC236}">
+                <a16:creationId xmlns:a16="http://schemas.microsoft.com/office/drawing/2014/main" id="{1C38CE18-BE7C-41E5-B34F-C40CFBB77CAD}"/>
+              </a:ext>
+            </a:extLst>
+          </p:cNvPr>
+          <p:cNvSpPr>
+            <a:spLocks noGrp="1"/>
+          </p:cNvSpPr>
+          <p:nvPr>
+            <p:ph type="sldNum" sz="quarter" idx="12"/>
+          </p:nvPr>
+        </p:nvSpPr>
+        <p:spPr/>
+        <p:txBody>
+          <a:bodyPr/>
+          <a:lstStyle/>
+          <a:p>
+            <a:fld id="{F6FEDE24-D50C-481B-A7B4-8AF13899101A}" type="slidenum">
+              <a:rPr lang="da-DK" smtClean="0"/>
+              <a:t>3</a:t>
+            </a:fld>
+            <a:endParaRPr lang="da-DK"/>
           </a:p>
         </p:txBody>
       </p:sp>
       <p:pic>
         <p:nvPicPr>
-          <p:cNvPr id="8" name="Content Placeholder 7" descr="Chart, bar chart&#10;&#10;Description automatically generated">
-            <a:extLst>
-              <a:ext uri="{FF2B5EF4-FFF2-40B4-BE49-F238E27FC236}">
-                <a16:creationId xmlns:a16="http://schemas.microsoft.com/office/drawing/2014/main" id="{4F9F45B1-25A4-4B91-86CC-2599504A2C2F}"/>
+          <p:cNvPr id="8" name="Picture 7" descr="Chart, table&#10;&#10;Description automatically generated">
+            <a:extLst>
+              <a:ext uri="{FF2B5EF4-FFF2-40B4-BE49-F238E27FC236}">
+                <a16:creationId xmlns:a16="http://schemas.microsoft.com/office/drawing/2014/main" id="{95360E83-13AB-4475-887B-47B98E0AD855}"/>
               </a:ext>
             </a:extLst>
           </p:cNvPr>
           <p:cNvPicPr>
-            <a:picLocks noGrp="1" noChangeAspect="1"/>
+            <a:picLocks noChangeAspect="1"/>
           </p:cNvPicPr>
-          <p:nvPr>
-            <p:ph idx="1"/>
-          </p:nvPr>
+          <p:nvPr/>
         </p:nvPicPr>
         <p:blipFill>
           <a:blip r:embed="rId2">
@@ -4415,101 +7239,54 @@
         </p:blipFill>
         <p:spPr>
           <a:xfrm>
-            <a:off x="2479807" y="1343025"/>
-            <a:ext cx="7232385" cy="4833938"/>
+            <a:off x="5605788" y="3497069"/>
+            <a:ext cx="5592856" cy="1550080"/>
           </a:xfrm>
+          <a:prstGeom prst="rect">
+            <a:avLst/>
+          </a:prstGeom>
         </p:spPr>
       </p:pic>
-      <p:sp>
-        <p:nvSpPr>
-          <p:cNvPr id="4" name="Date Placeholder 3">
-            <a:extLst>
-              <a:ext uri="{FF2B5EF4-FFF2-40B4-BE49-F238E27FC236}">
-                <a16:creationId xmlns:a16="http://schemas.microsoft.com/office/drawing/2014/main" id="{6AEA63BF-42AC-472F-9C80-2D46E5E9E156}"/>
-              </a:ext>
-            </a:extLst>
-          </p:cNvPr>
-          <p:cNvSpPr>
-            <a:spLocks noGrp="1"/>
-          </p:cNvSpPr>
-          <p:nvPr>
-            <p:ph type="dt" sz="half" idx="10"/>
-          </p:nvPr>
-        </p:nvSpPr>
-        <p:spPr/>
-        <p:txBody>
-          <a:bodyPr/>
-          <a:lstStyle/>
-          <a:p>
-            <a:fld id="{0DE03C17-2118-466B-9E30-BC2A82864501}" type="datetime1">
-              <a:rPr lang="en-US" smtClean="0"/>
-              <a:t>4/28/2021</a:t>
-            </a:fld>
-            <a:endParaRPr lang="da-DK"/>
-          </a:p>
-        </p:txBody>
-      </p:sp>
-      <p:sp>
-        <p:nvSpPr>
-          <p:cNvPr id="5" name="Slide Number Placeholder 4">
-            <a:extLst>
-              <a:ext uri="{FF2B5EF4-FFF2-40B4-BE49-F238E27FC236}">
-                <a16:creationId xmlns:a16="http://schemas.microsoft.com/office/drawing/2014/main" id="{F22AB04B-B5F7-47D0-B9D7-674DB1073AB4}"/>
-              </a:ext>
-            </a:extLst>
-          </p:cNvPr>
-          <p:cNvSpPr>
-            <a:spLocks noGrp="1"/>
-          </p:cNvSpPr>
-          <p:nvPr>
-            <p:ph type="sldNum" sz="quarter" idx="12"/>
-          </p:nvPr>
-        </p:nvSpPr>
-        <p:spPr/>
-        <p:txBody>
-          <a:bodyPr/>
-          <a:lstStyle/>
-          <a:p>
-            <a:fld id="{F6FEDE24-D50C-481B-A7B4-8AF13899101A}" type="slidenum">
-              <a:rPr lang="da-DK" smtClean="0"/>
-              <a:t>3</a:t>
-            </a:fld>
-            <a:endParaRPr lang="da-DK"/>
-          </a:p>
-        </p:txBody>
-      </p:sp>
-      <p:sp>
-        <p:nvSpPr>
-          <p:cNvPr id="6" name="Footer Placeholder 5">
-            <a:extLst>
-              <a:ext uri="{FF2B5EF4-FFF2-40B4-BE49-F238E27FC236}">
-                <a16:creationId xmlns:a16="http://schemas.microsoft.com/office/drawing/2014/main" id="{69DB3193-F603-411B-B7EF-1217FBFED035}"/>
-              </a:ext>
-            </a:extLst>
-          </p:cNvPr>
-          <p:cNvSpPr>
-            <a:spLocks noGrp="1"/>
-          </p:cNvSpPr>
-          <p:nvPr>
-            <p:ph type="ftr" sz="quarter" idx="11"/>
-          </p:nvPr>
-        </p:nvSpPr>
-        <p:spPr/>
-        <p:txBody>
-          <a:bodyPr/>
-          <a:lstStyle/>
-          <a:p>
-            <a:r>
-              <a:rPr lang="da-DK"/>
-              <a:t>Nicki Skafte Detlefsen</a:t>
-            </a:r>
-          </a:p>
-        </p:txBody>
-      </p:sp>
+      <p:pic>
+        <p:nvPicPr>
+          <p:cNvPr id="12" name="Picture 11">
+            <a:extLst>
+              <a:ext uri="{FF2B5EF4-FFF2-40B4-BE49-F238E27FC236}">
+                <a16:creationId xmlns:a16="http://schemas.microsoft.com/office/drawing/2014/main" id="{0530E69B-30C0-4F09-BB08-9C11486DD43D}"/>
+              </a:ext>
+            </a:extLst>
+          </p:cNvPr>
+          <p:cNvPicPr>
+            <a:picLocks noChangeAspect="1"/>
+          </p:cNvPicPr>
+          <p:nvPr/>
+        </p:nvPicPr>
+        <p:blipFill>
+          <a:blip r:embed="rId3">
+            <a:extLst>
+              <a:ext uri="{28A0092B-C50C-407E-A947-70E740481C1C}">
+                <a14:useLocalDpi xmlns:a14="http://schemas.microsoft.com/office/drawing/2010/main" val="0"/>
+              </a:ext>
+            </a:extLst>
+          </a:blip>
+          <a:stretch>
+            <a:fillRect/>
+          </a:stretch>
+        </p:blipFill>
+        <p:spPr>
+          <a:xfrm>
+            <a:off x="5450633" y="658388"/>
+            <a:ext cx="5903167" cy="2702544"/>
+          </a:xfrm>
+          <a:prstGeom prst="rect">
+            <a:avLst/>
+          </a:prstGeom>
+        </p:spPr>
+      </p:pic>
     </p:spTree>
     <p:extLst>
       <p:ext uri="{BB962C8B-B14F-4D97-AF65-F5344CB8AC3E}">
-        <p14:creationId xmlns:p14="http://schemas.microsoft.com/office/powerpoint/2010/main" val="805747189"/>
+        <p14:creationId xmlns:p14="http://schemas.microsoft.com/office/powerpoint/2010/main" val="1627039622"/>
       </p:ext>
     </p:extLst>
   </p:cSld>
@@ -4541,7 +7318,7 @@
           <p:cNvPr id="2" name="Title 1">
             <a:extLst>
               <a:ext uri="{FF2B5EF4-FFF2-40B4-BE49-F238E27FC236}">
-                <a16:creationId xmlns:a16="http://schemas.microsoft.com/office/drawing/2014/main" id="{81497318-FC28-4911-B129-D1F77AA1B4F6}"/>
+                <a16:creationId xmlns:a16="http://schemas.microsoft.com/office/drawing/2014/main" id="{9E814053-5F51-47C8-9D81-9DDCFE7C1A96}"/>
               </a:ext>
             </a:extLst>
           </p:cNvPr>
@@ -4559,25 +7336,25 @@
           <a:p>
             <a:r>
               <a:rPr lang="da-DK" dirty="0"/>
-              <a:t>What has changed?</a:t>
-            </a:r>
-          </a:p>
-        </p:txBody>
-      </p:sp>
-      <p:sp>
-        <p:nvSpPr>
-          <p:cNvPr id="4" name="Date Placeholder 3">
-            <a:extLst>
-              <a:ext uri="{FF2B5EF4-FFF2-40B4-BE49-F238E27FC236}">
-                <a16:creationId xmlns:a16="http://schemas.microsoft.com/office/drawing/2014/main" id="{DAEFEB3D-1C42-463F-B2E7-4D2CB68294AC}"/>
-              </a:ext>
-            </a:extLst>
-          </p:cNvPr>
-          <p:cNvSpPr>
-            <a:spLocks noGrp="1"/>
-          </p:cNvSpPr>
-          <p:nvPr>
-            <p:ph type="dt" sz="half" idx="10"/>
+              <a:t>Memory</a:t>
+            </a:r>
+          </a:p>
+        </p:txBody>
+      </p:sp>
+      <p:sp>
+        <p:nvSpPr>
+          <p:cNvPr id="3" name="Content Placeholder 2">
+            <a:extLst>
+              <a:ext uri="{FF2B5EF4-FFF2-40B4-BE49-F238E27FC236}">
+                <a16:creationId xmlns:a16="http://schemas.microsoft.com/office/drawing/2014/main" id="{D9A900E2-35BC-4BB9-94BC-85043521AF04}"/>
+              </a:ext>
+            </a:extLst>
+          </p:cNvPr>
+          <p:cNvSpPr>
+            <a:spLocks noGrp="1"/>
+          </p:cNvSpPr>
+          <p:nvPr>
+            <p:ph idx="1"/>
           </p:nvPr>
         </p:nvSpPr>
         <p:spPr/>
@@ -4585,9 +7362,76 @@
           <a:bodyPr/>
           <a:lstStyle/>
           <a:p>
+            <a:pPr marL="0" indent="0">
+              <a:buNone/>
+            </a:pPr>
+            <a:r>
+              <a:rPr lang="da-DK" dirty="0"/>
+              <a:t>Equally important to what device you are using, is the amount of memory that you have available</a:t>
+            </a:r>
+          </a:p>
+          <a:p>
+            <a:pPr marL="0" indent="0">
+              <a:buNone/>
+            </a:pPr>
+            <a:r>
+              <a:rPr lang="da-DK" dirty="0"/>
+              <a:t>With more memory</a:t>
+            </a:r>
+          </a:p>
+          <a:p>
+            <a:r>
+              <a:rPr lang="da-DK" dirty="0"/>
+              <a:t>Faster data transfer</a:t>
+            </a:r>
+          </a:p>
+          <a:p>
+            <a:r>
+              <a:rPr lang="da-DK" dirty="0"/>
+              <a:t>Higher data modality</a:t>
+            </a:r>
+          </a:p>
+          <a:p>
+            <a:r>
+              <a:rPr lang="da-DK" dirty="0"/>
+              <a:t>Larger models</a:t>
+            </a:r>
+          </a:p>
+          <a:p>
+            <a:endParaRPr lang="da-DK" dirty="0"/>
+          </a:p>
+          <a:p>
+            <a:pPr marL="0" indent="0">
+              <a:buNone/>
+            </a:pPr>
+            <a:endParaRPr lang="da-DK" dirty="0"/>
+          </a:p>
+        </p:txBody>
+      </p:sp>
+      <p:sp>
+        <p:nvSpPr>
+          <p:cNvPr id="4" name="Date Placeholder 3">
+            <a:extLst>
+              <a:ext uri="{FF2B5EF4-FFF2-40B4-BE49-F238E27FC236}">
+                <a16:creationId xmlns:a16="http://schemas.microsoft.com/office/drawing/2014/main" id="{434FD9C4-4742-43B8-B007-C869BF90A840}"/>
+              </a:ext>
+            </a:extLst>
+          </p:cNvPr>
+          <p:cNvSpPr>
+            <a:spLocks noGrp="1"/>
+          </p:cNvSpPr>
+          <p:nvPr>
+            <p:ph type="dt" sz="half" idx="10"/>
+          </p:nvPr>
+        </p:nvSpPr>
+        <p:spPr/>
+        <p:txBody>
+          <a:bodyPr/>
+          <a:lstStyle/>
+          <a:p>
             <a:fld id="{019E29B9-5584-4737-9C98-1B926378C778}" type="datetime1">
               <a:rPr lang="en-US" smtClean="0"/>
-              <a:t>4/28/2021</a:t>
+              <a:t>5/4/2021</a:t>
             </a:fld>
             <a:endParaRPr lang="da-DK"/>
           </a:p>
@@ -4598,7 +7442,7 @@
           <p:cNvPr id="5" name="Footer Placeholder 4">
             <a:extLst>
               <a:ext uri="{FF2B5EF4-FFF2-40B4-BE49-F238E27FC236}">
-                <a16:creationId xmlns:a16="http://schemas.microsoft.com/office/drawing/2014/main" id="{20DB3BB7-83AD-4B1A-A3B9-CD0845CF77A5}"/>
+                <a16:creationId xmlns:a16="http://schemas.microsoft.com/office/drawing/2014/main" id="{80C785C7-80F5-4E48-AECF-25FE253A14A5}"/>
               </a:ext>
             </a:extLst>
           </p:cNvPr>
@@ -4626,7 +7470,7 @@
           <p:cNvPr id="6" name="Slide Number Placeholder 5">
             <a:extLst>
               <a:ext uri="{FF2B5EF4-FFF2-40B4-BE49-F238E27FC236}">
-                <a16:creationId xmlns:a16="http://schemas.microsoft.com/office/drawing/2014/main" id="{D4D6810B-0AEC-4CC3-8F2F-28833D36EA46}"/>
+                <a16:creationId xmlns:a16="http://schemas.microsoft.com/office/drawing/2014/main" id="{B62ADF71-9B18-47F6-9E5C-ED4A6DF1D4F5}"/>
               </a:ext>
             </a:extLst>
           </p:cNvPr>
@@ -4650,218 +7494,58 @@
           </a:p>
         </p:txBody>
       </p:sp>
-      <p:sp>
-        <p:nvSpPr>
-          <p:cNvPr id="7" name="Oval 6">
-            <a:extLst>
-              <a:ext uri="{FF2B5EF4-FFF2-40B4-BE49-F238E27FC236}">
-                <a16:creationId xmlns:a16="http://schemas.microsoft.com/office/drawing/2014/main" id="{9EC0629C-3EBF-4373-8245-0C3A6695D7E8}"/>
-              </a:ext>
-            </a:extLst>
-          </p:cNvPr>
-          <p:cNvSpPr/>
+      <p:pic>
+        <p:nvPicPr>
+          <p:cNvPr id="8" name="Picture 7">
+            <a:extLst>
+              <a:ext uri="{FF2B5EF4-FFF2-40B4-BE49-F238E27FC236}">
+                <a16:creationId xmlns:a16="http://schemas.microsoft.com/office/drawing/2014/main" id="{CF21B28D-089C-45CF-82E7-BE38906B1FAC}"/>
+              </a:ext>
+            </a:extLst>
+          </p:cNvPr>
+          <p:cNvPicPr>
+            <a:picLocks noChangeAspect="1"/>
+          </p:cNvPicPr>
           <p:nvPr/>
-        </p:nvSpPr>
+        </p:nvPicPr>
+        <p:blipFill>
+          <a:blip r:embed="rId2">
+            <a:extLst>
+              <a:ext uri="{28A0092B-C50C-407E-A947-70E740481C1C}">
+                <a14:useLocalDpi xmlns:a14="http://schemas.microsoft.com/office/drawing/2010/main" val="0"/>
+              </a:ext>
+            </a:extLst>
+          </a:blip>
+          <a:stretch>
+            <a:fillRect/>
+          </a:stretch>
+        </p:blipFill>
         <p:spPr>
           <a:xfrm>
-            <a:off x="744518" y="2214522"/>
-            <a:ext cx="1800000" cy="1800000"/>
+            <a:off x="6756967" y="2075792"/>
+            <a:ext cx="3707265" cy="3645391"/>
           </a:xfrm>
-          <a:prstGeom prst="ellipse">
+          <a:prstGeom prst="rect">
             <a:avLst/>
           </a:prstGeom>
         </p:spPr>
-        <p:style>
-          <a:lnRef idx="2">
-            <a:schemeClr val="accent1">
-              <a:shade val="50000"/>
-            </a:schemeClr>
-          </a:lnRef>
-          <a:fillRef idx="1">
-            <a:schemeClr val="accent1"/>
-          </a:fillRef>
-          <a:effectRef idx="0">
-            <a:schemeClr val="accent1"/>
-          </a:effectRef>
-          <a:fontRef idx="minor">
-            <a:schemeClr val="lt1"/>
-          </a:fontRef>
-        </p:style>
-        <p:txBody>
-          <a:bodyPr rtlCol="0" anchor="ctr"/>
-          <a:lstStyle/>
-          <a:p>
-            <a:pPr algn="ctr"/>
-            <a:r>
-              <a:rPr lang="da-DK" dirty="0"/>
-              <a:t>Big Data</a:t>
-            </a:r>
-          </a:p>
-        </p:txBody>
-      </p:sp>
-      <p:sp>
-        <p:nvSpPr>
-          <p:cNvPr id="8" name="Oval 7">
-            <a:extLst>
-              <a:ext uri="{FF2B5EF4-FFF2-40B4-BE49-F238E27FC236}">
-                <a16:creationId xmlns:a16="http://schemas.microsoft.com/office/drawing/2014/main" id="{55342872-E60A-4BC6-BB50-9978AC9720D6}"/>
-              </a:ext>
-            </a:extLst>
-          </p:cNvPr>
-          <p:cNvSpPr/>
+      </p:pic>
+      <p:sp>
+        <p:nvSpPr>
+          <p:cNvPr id="10" name="TextBox 9">
+            <a:extLst>
+              <a:ext uri="{FF2B5EF4-FFF2-40B4-BE49-F238E27FC236}">
+                <a16:creationId xmlns:a16="http://schemas.microsoft.com/office/drawing/2014/main" id="{E9177523-999D-4A49-9765-8BFDA9A0D3F0}"/>
+              </a:ext>
+            </a:extLst>
+          </p:cNvPr>
+          <p:cNvSpPr txBox="1"/>
           <p:nvPr/>
         </p:nvSpPr>
         <p:spPr>
           <a:xfrm>
-            <a:off x="2872806" y="2214522"/>
-            <a:ext cx="1800000" cy="1800000"/>
-          </a:xfrm>
-          <a:prstGeom prst="ellipse">
-            <a:avLst/>
-          </a:prstGeom>
-        </p:spPr>
-        <p:style>
-          <a:lnRef idx="2">
-            <a:schemeClr val="accent1">
-              <a:shade val="50000"/>
-            </a:schemeClr>
-          </a:lnRef>
-          <a:fillRef idx="1">
-            <a:schemeClr val="accent1"/>
-          </a:fillRef>
-          <a:effectRef idx="0">
-            <a:schemeClr val="accent1"/>
-          </a:effectRef>
-          <a:fontRef idx="minor">
-            <a:schemeClr val="lt1"/>
-          </a:fontRef>
-        </p:style>
-        <p:txBody>
-          <a:bodyPr rtlCol="0" anchor="ctr"/>
-          <a:lstStyle/>
-          <a:p>
-            <a:pPr algn="ctr"/>
-            <a:r>
-              <a:rPr lang="da-DK" dirty="0"/>
-              <a:t>Hardware</a:t>
-            </a:r>
-          </a:p>
-        </p:txBody>
-      </p:sp>
-      <p:sp>
-        <p:nvSpPr>
-          <p:cNvPr id="9" name="Oval 8">
-            <a:extLst>
-              <a:ext uri="{FF2B5EF4-FFF2-40B4-BE49-F238E27FC236}">
-                <a16:creationId xmlns:a16="http://schemas.microsoft.com/office/drawing/2014/main" id="{37B499A6-6048-47E6-9F71-BF24B9C96791}"/>
-              </a:ext>
-            </a:extLst>
-          </p:cNvPr>
-          <p:cNvSpPr/>
-          <p:nvPr/>
-        </p:nvSpPr>
-        <p:spPr>
-          <a:xfrm>
-            <a:off x="5001094" y="2172216"/>
-            <a:ext cx="1800000" cy="1800000"/>
-          </a:xfrm>
-          <a:prstGeom prst="ellipse">
-            <a:avLst/>
-          </a:prstGeom>
-        </p:spPr>
-        <p:style>
-          <a:lnRef idx="2">
-            <a:schemeClr val="accent1">
-              <a:shade val="50000"/>
-            </a:schemeClr>
-          </a:lnRef>
-          <a:fillRef idx="1">
-            <a:schemeClr val="accent1"/>
-          </a:fillRef>
-          <a:effectRef idx="0">
-            <a:schemeClr val="accent1"/>
-          </a:effectRef>
-          <a:fontRef idx="minor">
-            <a:schemeClr val="lt1"/>
-          </a:fontRef>
-        </p:style>
-        <p:txBody>
-          <a:bodyPr rtlCol="0" anchor="ctr"/>
-          <a:lstStyle/>
-          <a:p>
-            <a:pPr algn="ctr"/>
-            <a:r>
-              <a:rPr lang="da-DK" dirty="0"/>
-              <a:t>Deep</a:t>
-            </a:r>
-          </a:p>
-        </p:txBody>
-      </p:sp>
-      <p:sp>
-        <p:nvSpPr>
-          <p:cNvPr id="10" name="Oval 9">
-            <a:extLst>
-              <a:ext uri="{FF2B5EF4-FFF2-40B4-BE49-F238E27FC236}">
-                <a16:creationId xmlns:a16="http://schemas.microsoft.com/office/drawing/2014/main" id="{3EC5B04C-3675-451A-A946-32616FDE598F}"/>
-              </a:ext>
-            </a:extLst>
-          </p:cNvPr>
-          <p:cNvSpPr/>
-          <p:nvPr/>
-        </p:nvSpPr>
-        <p:spPr>
-          <a:xfrm>
-            <a:off x="7129382" y="2172216"/>
-            <a:ext cx="1800000" cy="1800000"/>
-          </a:xfrm>
-          <a:prstGeom prst="ellipse">
-            <a:avLst/>
-          </a:prstGeom>
-        </p:spPr>
-        <p:style>
-          <a:lnRef idx="2">
-            <a:schemeClr val="accent1">
-              <a:shade val="50000"/>
-            </a:schemeClr>
-          </a:lnRef>
-          <a:fillRef idx="1">
-            <a:schemeClr val="accent1"/>
-          </a:fillRef>
-          <a:effectRef idx="0">
-            <a:schemeClr val="accent1"/>
-          </a:effectRef>
-          <a:fontRef idx="minor">
-            <a:schemeClr val="lt1"/>
-          </a:fontRef>
-        </p:style>
-        <p:txBody>
-          <a:bodyPr rtlCol="0" anchor="ctr"/>
-          <a:lstStyle/>
-          <a:p>
-            <a:pPr algn="ctr"/>
-            <a:r>
-              <a:rPr lang="da-DK" dirty="0"/>
-              <a:t>Hype</a:t>
-            </a:r>
-          </a:p>
-        </p:txBody>
-      </p:sp>
-      <p:sp>
-        <p:nvSpPr>
-          <p:cNvPr id="11" name="TextBox 10">
-            <a:extLst>
-              <a:ext uri="{FF2B5EF4-FFF2-40B4-BE49-F238E27FC236}">
-                <a16:creationId xmlns:a16="http://schemas.microsoft.com/office/drawing/2014/main" id="{66BE1890-C681-4EF6-91CB-E88405C7A6C8}"/>
-              </a:ext>
-            </a:extLst>
-          </p:cNvPr>
-          <p:cNvSpPr txBox="1"/>
-          <p:nvPr/>
-        </p:nvSpPr>
-        <p:spPr>
-          <a:xfrm>
-            <a:off x="870353" y="4127212"/>
-            <a:ext cx="1426128" cy="646331"/>
+            <a:off x="7854971" y="5721183"/>
+            <a:ext cx="2127229" cy="507831"/>
           </a:xfrm>
           <a:prstGeom prst="rect">
             <a:avLst/>
@@ -4869,211 +7553,260 @@
           <a:noFill/>
         </p:spPr>
         <p:txBody>
-          <a:bodyPr wrap="square" rtlCol="0">
+          <a:bodyPr wrap="square">
             <a:spAutoFit/>
           </a:bodyPr>
           <a:lstStyle/>
           <a:p>
             <a:r>
-              <a:rPr lang="da-DK" dirty="0"/>
-              <a:t>Models can generalize</a:t>
-            </a:r>
-          </a:p>
-        </p:txBody>
-      </p:sp>
-      <p:sp>
-        <p:nvSpPr>
-          <p:cNvPr id="12" name="TextBox 11">
-            <a:extLst>
-              <a:ext uri="{FF2B5EF4-FFF2-40B4-BE49-F238E27FC236}">
-                <a16:creationId xmlns:a16="http://schemas.microsoft.com/office/drawing/2014/main" id="{8CA6F35D-8FA4-48A0-BA2F-573EB45C9729}"/>
-              </a:ext>
-            </a:extLst>
-          </p:cNvPr>
-          <p:cNvSpPr txBox="1"/>
-          <p:nvPr/>
-        </p:nvSpPr>
-        <p:spPr>
-          <a:xfrm>
-            <a:off x="3312947" y="4127211"/>
-            <a:ext cx="1426128" cy="646331"/>
-          </a:xfrm>
-          <a:prstGeom prst="rect">
-            <a:avLst/>
-          </a:prstGeom>
-          <a:noFill/>
-        </p:spPr>
-        <p:txBody>
-          <a:bodyPr wrap="square" rtlCol="0">
-            <a:spAutoFit/>
-          </a:bodyPr>
-          <a:lstStyle/>
-          <a:p>
-            <a:r>
-              <a:rPr lang="da-DK" dirty="0"/>
-              <a:t>Models are trainable</a:t>
-            </a:r>
-          </a:p>
-        </p:txBody>
-      </p:sp>
-      <p:sp>
-        <p:nvSpPr>
-          <p:cNvPr id="13" name="TextBox 12">
-            <a:extLst>
-              <a:ext uri="{FF2B5EF4-FFF2-40B4-BE49-F238E27FC236}">
-                <a16:creationId xmlns:a16="http://schemas.microsoft.com/office/drawing/2014/main" id="{BE07B5FA-1245-4C5E-92FB-4658A181EA63}"/>
-              </a:ext>
-            </a:extLst>
-          </p:cNvPr>
-          <p:cNvSpPr txBox="1"/>
-          <p:nvPr/>
-        </p:nvSpPr>
-        <p:spPr>
-          <a:xfrm>
-            <a:off x="5374966" y="4127210"/>
-            <a:ext cx="1426128" cy="646331"/>
-          </a:xfrm>
-          <a:prstGeom prst="rect">
-            <a:avLst/>
-          </a:prstGeom>
-          <a:noFill/>
-        </p:spPr>
-        <p:txBody>
-          <a:bodyPr wrap="square" rtlCol="0">
-            <a:spAutoFit/>
-          </a:bodyPr>
-          <a:lstStyle/>
-          <a:p>
-            <a:r>
-              <a:rPr lang="da-DK" dirty="0"/>
-              <a:t>Models are complex</a:t>
-            </a:r>
-          </a:p>
-        </p:txBody>
-      </p:sp>
-      <p:sp>
-        <p:nvSpPr>
-          <p:cNvPr id="14" name="TextBox 13">
-            <a:extLst>
-              <a:ext uri="{FF2B5EF4-FFF2-40B4-BE49-F238E27FC236}">
-                <a16:creationId xmlns:a16="http://schemas.microsoft.com/office/drawing/2014/main" id="{16399E68-47B4-47B0-8756-3460529D272A}"/>
-              </a:ext>
-            </a:extLst>
-          </p:cNvPr>
-          <p:cNvSpPr txBox="1"/>
-          <p:nvPr/>
-        </p:nvSpPr>
-        <p:spPr>
-          <a:xfrm>
-            <a:off x="7503254" y="4127210"/>
-            <a:ext cx="1426128" cy="646331"/>
-          </a:xfrm>
-          <a:prstGeom prst="rect">
-            <a:avLst/>
-          </a:prstGeom>
-          <a:noFill/>
-        </p:spPr>
-        <p:txBody>
-          <a:bodyPr wrap="square" rtlCol="0">
-            <a:spAutoFit/>
-          </a:bodyPr>
-          <a:lstStyle/>
-          <a:p>
-            <a:r>
-              <a:rPr lang="da-DK" dirty="0"/>
-              <a:t>Attacts more people</a:t>
-            </a:r>
-          </a:p>
-        </p:txBody>
-      </p:sp>
-      <p:sp>
-        <p:nvSpPr>
-          <p:cNvPr id="15" name="Oval 14">
-            <a:extLst>
-              <a:ext uri="{FF2B5EF4-FFF2-40B4-BE49-F238E27FC236}">
-                <a16:creationId xmlns:a16="http://schemas.microsoft.com/office/drawing/2014/main" id="{73AF4A8E-5D6B-499E-8CA4-485EB75D80A6}"/>
-              </a:ext>
-            </a:extLst>
-          </p:cNvPr>
-          <p:cNvSpPr/>
-          <p:nvPr/>
-        </p:nvSpPr>
-        <p:spPr>
-          <a:xfrm>
-            <a:off x="9257670" y="2172216"/>
-            <a:ext cx="1800000" cy="1800000"/>
-          </a:xfrm>
-          <a:prstGeom prst="ellipse">
-            <a:avLst/>
-          </a:prstGeom>
-        </p:spPr>
-        <p:style>
-          <a:lnRef idx="2">
-            <a:schemeClr val="accent1">
-              <a:shade val="50000"/>
-            </a:schemeClr>
-          </a:lnRef>
-          <a:fillRef idx="1">
-            <a:schemeClr val="accent1"/>
-          </a:fillRef>
-          <a:effectRef idx="0">
-            <a:schemeClr val="accent1"/>
-          </a:effectRef>
-          <a:fontRef idx="minor">
-            <a:schemeClr val="lt1"/>
-          </a:fontRef>
-        </p:style>
-        <p:txBody>
-          <a:bodyPr rtlCol="0" anchor="ctr"/>
-          <a:lstStyle/>
-          <a:p>
-            <a:pPr algn="ctr"/>
-            <a:r>
-              <a:rPr lang="da-DK" dirty="0"/>
-              <a:t>Software</a:t>
-            </a:r>
-          </a:p>
-        </p:txBody>
-      </p:sp>
-      <p:sp>
-        <p:nvSpPr>
-          <p:cNvPr id="16" name="TextBox 15">
-            <a:extLst>
-              <a:ext uri="{FF2B5EF4-FFF2-40B4-BE49-F238E27FC236}">
-                <a16:creationId xmlns:a16="http://schemas.microsoft.com/office/drawing/2014/main" id="{21C21F75-6D95-4BA7-BDCA-9471A09EF3A5}"/>
-              </a:ext>
-            </a:extLst>
-          </p:cNvPr>
-          <p:cNvSpPr txBox="1"/>
-          <p:nvPr/>
-        </p:nvSpPr>
-        <p:spPr>
-          <a:xfrm>
-            <a:off x="9444606" y="4127210"/>
-            <a:ext cx="1426128" cy="646331"/>
-          </a:xfrm>
-          <a:prstGeom prst="rect">
-            <a:avLst/>
-          </a:prstGeom>
-          <a:noFill/>
-        </p:spPr>
-        <p:txBody>
-          <a:bodyPr wrap="square" rtlCol="0">
-            <a:spAutoFit/>
-          </a:bodyPr>
-          <a:lstStyle/>
-          <a:p>
-            <a:r>
-              <a:rPr lang="da-DK" dirty="0"/>
-              <a:t>Models are easy to code</a:t>
-            </a:r>
-          </a:p>
-        </p:txBody>
-      </p:sp>
+              <a:rPr lang="da-DK" sz="900" dirty="0"/>
+              <a:t>https://towardsdatascience.com/when-to-use-cpus-vs-gpus-vs-tpus-in-a-kaggle-competition-9af708a8c3eb</a:t>
+            </a:r>
+          </a:p>
+        </p:txBody>
+      </p:sp>
+      <p:graphicFrame>
+        <p:nvGraphicFramePr>
+          <p:cNvPr id="11" name="Table 11">
+            <a:extLst>
+              <a:ext uri="{FF2B5EF4-FFF2-40B4-BE49-F238E27FC236}">
+                <a16:creationId xmlns:a16="http://schemas.microsoft.com/office/drawing/2014/main" id="{279F2BD4-E393-452E-88DE-19FA1C43FC26}"/>
+              </a:ext>
+            </a:extLst>
+          </p:cNvPr>
+          <p:cNvGraphicFramePr>
+            <a:graphicFrameLocks noGrp="1"/>
+          </p:cNvGraphicFramePr>
+          <p:nvPr>
+            <p:extLst>
+              <p:ext uri="{D42A27DB-BD31-4B8C-83A1-F6EECF244321}">
+                <p14:modId xmlns:p14="http://schemas.microsoft.com/office/powerpoint/2010/main" val="4210726931"/>
+              </p:ext>
+            </p:extLst>
+          </p:nvPr>
+        </p:nvGraphicFramePr>
+        <p:xfrm>
+          <a:off x="1397518" y="4597877"/>
+          <a:ext cx="4800132" cy="1112520"/>
+        </p:xfrm>
+        <a:graphic>
+          <a:graphicData uri="http://schemas.openxmlformats.org/drawingml/2006/table">
+            <a:tbl>
+              <a:tblPr firstRow="1" bandRow="1">
+                <a:tableStyleId>{5C22544A-7EE6-4342-B048-85BDC9FD1C3A}</a:tableStyleId>
+              </a:tblPr>
+              <a:tblGrid>
+                <a:gridCol w="1200033">
+                  <a:extLst>
+                    <a:ext uri="{9D8B030D-6E8A-4147-A177-3AD203B41FA5}">
+                      <a16:colId xmlns:a16="http://schemas.microsoft.com/office/drawing/2014/main" val="3263315967"/>
+                    </a:ext>
+                  </a:extLst>
+                </a:gridCol>
+                <a:gridCol w="1200033">
+                  <a:extLst>
+                    <a:ext uri="{9D8B030D-6E8A-4147-A177-3AD203B41FA5}">
+                      <a16:colId xmlns:a16="http://schemas.microsoft.com/office/drawing/2014/main" val="1266629554"/>
+                    </a:ext>
+                  </a:extLst>
+                </a:gridCol>
+                <a:gridCol w="1200033">
+                  <a:extLst>
+                    <a:ext uri="{9D8B030D-6E8A-4147-A177-3AD203B41FA5}">
+                      <a16:colId xmlns:a16="http://schemas.microsoft.com/office/drawing/2014/main" val="3012967485"/>
+                    </a:ext>
+                  </a:extLst>
+                </a:gridCol>
+                <a:gridCol w="1200033">
+                  <a:extLst>
+                    <a:ext uri="{9D8B030D-6E8A-4147-A177-3AD203B41FA5}">
+                      <a16:colId xmlns:a16="http://schemas.microsoft.com/office/drawing/2014/main" val="3462136434"/>
+                    </a:ext>
+                  </a:extLst>
+                </a:gridCol>
+              </a:tblGrid>
+              <a:tr h="370840">
+                <a:tc>
+                  <a:txBody>
+                    <a:bodyPr/>
+                    <a:lstStyle/>
+                    <a:p>
+                      <a:endParaRPr lang="da-DK" dirty="0"/>
+                    </a:p>
+                  </a:txBody>
+                  <a:tcPr/>
+                </a:tc>
+                <a:tc>
+                  <a:txBody>
+                    <a:bodyPr/>
+                    <a:lstStyle/>
+                    <a:p>
+                      <a:r>
+                        <a:rPr lang="da-DK" dirty="0"/>
+                        <a:t>CPU</a:t>
+                      </a:r>
+                    </a:p>
+                  </a:txBody>
+                  <a:tcPr/>
+                </a:tc>
+                <a:tc>
+                  <a:txBody>
+                    <a:bodyPr/>
+                    <a:lstStyle/>
+                    <a:p>
+                      <a:r>
+                        <a:rPr lang="da-DK" dirty="0"/>
+                        <a:t>GPU</a:t>
+                      </a:r>
+                    </a:p>
+                  </a:txBody>
+                  <a:tcPr/>
+                </a:tc>
+                <a:tc>
+                  <a:txBody>
+                    <a:bodyPr/>
+                    <a:lstStyle/>
+                    <a:p>
+                      <a:r>
+                        <a:rPr lang="da-DK" dirty="0"/>
+                        <a:t>TPU</a:t>
+                      </a:r>
+                    </a:p>
+                  </a:txBody>
+                  <a:tcPr/>
+                </a:tc>
+                <a:extLst>
+                  <a:ext uri="{0D108BD9-81ED-4DB2-BD59-A6C34878D82A}">
+                    <a16:rowId xmlns:a16="http://schemas.microsoft.com/office/drawing/2014/main" val="2888039735"/>
+                  </a:ext>
+                </a:extLst>
+              </a:tr>
+              <a:tr h="370840">
+                <a:tc>
+                  <a:txBody>
+                    <a:bodyPr/>
+                    <a:lstStyle/>
+                    <a:p>
+                      <a:r>
+                        <a:rPr lang="da-DK" dirty="0"/>
+                        <a:t>Standard</a:t>
+                      </a:r>
+                    </a:p>
+                  </a:txBody>
+                  <a:tcPr/>
+                </a:tc>
+                <a:tc>
+                  <a:txBody>
+                    <a:bodyPr/>
+                    <a:lstStyle/>
+                    <a:p>
+                      <a:r>
+                        <a:rPr lang="da-DK" dirty="0"/>
+                        <a:t>32-64 GiB</a:t>
+                      </a:r>
+                    </a:p>
+                  </a:txBody>
+                  <a:tcPr/>
+                </a:tc>
+                <a:tc>
+                  <a:txBody>
+                    <a:bodyPr/>
+                    <a:lstStyle/>
+                    <a:p>
+                      <a:r>
+                        <a:rPr lang="da-DK" dirty="0"/>
+                        <a:t>12 GiB</a:t>
+                      </a:r>
+                    </a:p>
+                  </a:txBody>
+                  <a:tcPr/>
+                </a:tc>
+                <a:tc>
+                  <a:txBody>
+                    <a:bodyPr/>
+                    <a:lstStyle/>
+                    <a:p>
+                      <a:r>
+                        <a:rPr lang="da-DK" dirty="0"/>
+                        <a:t>64 GiB</a:t>
+                      </a:r>
+                    </a:p>
+                  </a:txBody>
+                  <a:tcPr/>
+                </a:tc>
+                <a:extLst>
+                  <a:ext uri="{0D108BD9-81ED-4DB2-BD59-A6C34878D82A}">
+                    <a16:rowId xmlns:a16="http://schemas.microsoft.com/office/drawing/2014/main" val="717336858"/>
+                  </a:ext>
+                </a:extLst>
+              </a:tr>
+              <a:tr h="370840">
+                <a:tc>
+                  <a:txBody>
+                    <a:bodyPr/>
+                    <a:lstStyle/>
+                    <a:p>
+                      <a:r>
+                        <a:rPr lang="da-DK" dirty="0"/>
+                        <a:t>Maximum</a:t>
+                      </a:r>
+                    </a:p>
+                  </a:txBody>
+                  <a:tcPr/>
+                </a:tc>
+                <a:tc>
+                  <a:txBody>
+                    <a:bodyPr/>
+                    <a:lstStyle/>
+                    <a:p>
+                      <a:r>
+                        <a:rPr lang="da-DK" dirty="0"/>
+                        <a:t>256 GiB</a:t>
+                      </a:r>
+                    </a:p>
+                  </a:txBody>
+                  <a:tcPr/>
+                </a:tc>
+                <a:tc>
+                  <a:txBody>
+                    <a:bodyPr/>
+                    <a:lstStyle/>
+                    <a:p>
+                      <a:r>
+                        <a:rPr lang="da-DK" dirty="0"/>
+                        <a:t>24 GiB</a:t>
+                      </a:r>
+                    </a:p>
+                  </a:txBody>
+                  <a:tcPr/>
+                </a:tc>
+                <a:tc>
+                  <a:txBody>
+                    <a:bodyPr/>
+                    <a:lstStyle/>
+                    <a:p>
+                      <a:r>
+                        <a:rPr lang="da-DK" dirty="0"/>
+                        <a:t>32 TiB</a:t>
+                      </a:r>
+                    </a:p>
+                  </a:txBody>
+                  <a:tcPr/>
+                </a:tc>
+                <a:extLst>
+                  <a:ext uri="{0D108BD9-81ED-4DB2-BD59-A6C34878D82A}">
+                    <a16:rowId xmlns:a16="http://schemas.microsoft.com/office/drawing/2014/main" val="1943640330"/>
+                  </a:ext>
+                </a:extLst>
+              </a:tr>
+            </a:tbl>
+          </a:graphicData>
+        </a:graphic>
+      </p:graphicFrame>
     </p:spTree>
     <p:extLst>
       <p:ext uri="{BB962C8B-B14F-4D97-AF65-F5344CB8AC3E}">
-        <p14:creationId xmlns:p14="http://schemas.microsoft.com/office/powerpoint/2010/main" val="4129615894"/>
+        <p14:creationId xmlns:p14="http://schemas.microsoft.com/office/powerpoint/2010/main" val="3601278688"/>
       </p:ext>
     </p:extLst>
   </p:cSld>
@@ -5105,7 +7838,7 @@
           <p:cNvPr id="2" name="Title 1">
             <a:extLst>
               <a:ext uri="{FF2B5EF4-FFF2-40B4-BE49-F238E27FC236}">
-                <a16:creationId xmlns:a16="http://schemas.microsoft.com/office/drawing/2014/main" id="{1EE4E3C0-9513-4612-BAEF-F687A80219EA}"/>
+                <a16:creationId xmlns:a16="http://schemas.microsoft.com/office/drawing/2014/main" id="{4278E2A3-4EAA-419D-B97F-BDA58243634E}"/>
               </a:ext>
             </a:extLst>
           </p:cNvPr>
@@ -5123,25 +7856,56 @@
           <a:p>
             <a:r>
               <a:rPr lang="da-DK" dirty="0"/>
-              <a:t>Why you should jump the weagon</a:t>
-            </a:r>
-          </a:p>
-        </p:txBody>
-      </p:sp>
-      <p:sp>
-        <p:nvSpPr>
-          <p:cNvPr id="3" name="Content Placeholder 2">
-            <a:extLst>
-              <a:ext uri="{FF2B5EF4-FFF2-40B4-BE49-F238E27FC236}">
-                <a16:creationId xmlns:a16="http://schemas.microsoft.com/office/drawing/2014/main" id="{1DB6029A-5B72-4920-B86B-74791CB04F99}"/>
-              </a:ext>
-            </a:extLst>
-          </p:cNvPr>
-          <p:cNvSpPr>
-            <a:spLocks noGrp="1"/>
-          </p:cNvSpPr>
+              <a:t>Many layers of distributed computations</a:t>
+            </a:r>
+          </a:p>
+        </p:txBody>
+      </p:sp>
+      <p:graphicFrame>
+        <p:nvGraphicFramePr>
+          <p:cNvPr id="8" name="Content Placeholder 7">
+            <a:extLst>
+              <a:ext uri="{FF2B5EF4-FFF2-40B4-BE49-F238E27FC236}">
+                <a16:creationId xmlns:a16="http://schemas.microsoft.com/office/drawing/2014/main" id="{099B3A19-D938-4093-980E-BF0F39CD92BC}"/>
+              </a:ext>
+            </a:extLst>
+          </p:cNvPr>
+          <p:cNvGraphicFramePr>
+            <a:graphicFrameLocks noGrp="1"/>
+          </p:cNvGraphicFramePr>
           <p:nvPr>
             <p:ph idx="1"/>
+            <p:extLst>
+              <p:ext uri="{D42A27DB-BD31-4B8C-83A1-F6EECF244321}">
+                <p14:modId xmlns:p14="http://schemas.microsoft.com/office/powerpoint/2010/main" val="4209057087"/>
+              </p:ext>
+            </p:extLst>
+          </p:nvPr>
+        </p:nvGraphicFramePr>
+        <p:xfrm>
+          <a:off x="838200" y="1343025"/>
+          <a:ext cx="3431796" cy="4833938"/>
+        </p:xfrm>
+        <a:graphic>
+          <a:graphicData uri="http://schemas.openxmlformats.org/drawingml/2006/diagram">
+            <dgm:relIds xmlns:dgm="http://schemas.openxmlformats.org/drawingml/2006/diagram" xmlns:r="http://schemas.openxmlformats.org/officeDocument/2006/relationships" r:dm="rId2" r:lo="rId3" r:qs="rId4" r:cs="rId5"/>
+          </a:graphicData>
+        </a:graphic>
+      </p:graphicFrame>
+      <p:sp>
+        <p:nvSpPr>
+          <p:cNvPr id="4" name="Date Placeholder 3">
+            <a:extLst>
+              <a:ext uri="{FF2B5EF4-FFF2-40B4-BE49-F238E27FC236}">
+                <a16:creationId xmlns:a16="http://schemas.microsoft.com/office/drawing/2014/main" id="{F0683030-BDEA-4BDF-8B77-4FC6547C8E21}"/>
+              </a:ext>
+            </a:extLst>
+          </p:cNvPr>
+          <p:cNvSpPr>
+            <a:spLocks noGrp="1"/>
+          </p:cNvSpPr>
+          <p:nvPr>
+            <p:ph type="dt" sz="half" idx="10"/>
           </p:nvPr>
         </p:nvSpPr>
         <p:spPr/>
@@ -5149,31 +7913,28 @@
           <a:bodyPr/>
           <a:lstStyle/>
           <a:p>
-            <a:pPr marL="0" indent="0">
-              <a:buNone/>
-            </a:pPr>
-            <a:r>
-              <a:rPr lang="en-US" dirty="0"/>
-              <a:t>“… the deep learning market is expected  to be worth USD 1,722.9 Million by 2022”</a:t>
-            </a:r>
-            <a:endParaRPr lang="da-DK" dirty="0"/>
-          </a:p>
-        </p:txBody>
-      </p:sp>
-      <p:sp>
-        <p:nvSpPr>
-          <p:cNvPr id="4" name="Date Placeholder 3">
-            <a:extLst>
-              <a:ext uri="{FF2B5EF4-FFF2-40B4-BE49-F238E27FC236}">
-                <a16:creationId xmlns:a16="http://schemas.microsoft.com/office/drawing/2014/main" id="{A7C40FB7-2CC1-45D0-9E13-E5D78F9DC23A}"/>
-              </a:ext>
-            </a:extLst>
-          </p:cNvPr>
-          <p:cNvSpPr>
-            <a:spLocks noGrp="1"/>
-          </p:cNvSpPr>
-          <p:nvPr>
-            <p:ph type="dt" sz="half" idx="10"/>
+            <a:fld id="{019E29B9-5584-4737-9C98-1B926378C778}" type="datetime1">
+              <a:rPr lang="en-US" smtClean="0"/>
+              <a:t>5/4/2021</a:t>
+            </a:fld>
+            <a:endParaRPr lang="da-DK"/>
+          </a:p>
+        </p:txBody>
+      </p:sp>
+      <p:sp>
+        <p:nvSpPr>
+          <p:cNvPr id="5" name="Footer Placeholder 4">
+            <a:extLst>
+              <a:ext uri="{FF2B5EF4-FFF2-40B4-BE49-F238E27FC236}">
+                <a16:creationId xmlns:a16="http://schemas.microsoft.com/office/drawing/2014/main" id="{773B74D9-67CB-4EE3-9290-59CC3362C8F3}"/>
+              </a:ext>
+            </a:extLst>
+          </p:cNvPr>
+          <p:cNvSpPr>
+            <a:spLocks noGrp="1"/>
+          </p:cNvSpPr>
+          <p:nvPr>
+            <p:ph type="ftr" sz="quarter" idx="11"/>
           </p:nvPr>
         </p:nvSpPr>
         <p:spPr/>
@@ -5181,35 +7942,6 @@
           <a:bodyPr/>
           <a:lstStyle/>
           <a:p>
-            <a:fld id="{019E29B9-5584-4737-9C98-1B926378C778}" type="datetime1">
-              <a:rPr lang="en-US" smtClean="0"/>
-              <a:t>4/28/2021</a:t>
-            </a:fld>
-            <a:endParaRPr lang="da-DK"/>
-          </a:p>
-        </p:txBody>
-      </p:sp>
-      <p:sp>
-        <p:nvSpPr>
-          <p:cNvPr id="5" name="Footer Placeholder 4">
-            <a:extLst>
-              <a:ext uri="{FF2B5EF4-FFF2-40B4-BE49-F238E27FC236}">
-                <a16:creationId xmlns:a16="http://schemas.microsoft.com/office/drawing/2014/main" id="{8D4D23E6-59F9-49C7-9332-F85A73080B10}"/>
-              </a:ext>
-            </a:extLst>
-          </p:cNvPr>
-          <p:cNvSpPr>
-            <a:spLocks noGrp="1"/>
-          </p:cNvSpPr>
-          <p:nvPr>
-            <p:ph type="ftr" sz="quarter" idx="11"/>
-          </p:nvPr>
-        </p:nvSpPr>
-        <p:spPr/>
-        <p:txBody>
-          <a:bodyPr/>
-          <a:lstStyle/>
-          <a:p>
             <a:r>
               <a:rPr lang="da-DK"/>
               <a:t>Nicki Skafte Detlefsen</a:t>
@@ -5222,7 +7954,7 @@
           <p:cNvPr id="6" name="Slide Number Placeholder 5">
             <a:extLst>
               <a:ext uri="{FF2B5EF4-FFF2-40B4-BE49-F238E27FC236}">
-                <a16:creationId xmlns:a16="http://schemas.microsoft.com/office/drawing/2014/main" id="{8800601B-F420-4DA6-A221-D5E73066FCFD}"/>
+                <a16:creationId xmlns:a16="http://schemas.microsoft.com/office/drawing/2014/main" id="{2733E00E-C001-448B-84DF-BB666C3B4168}"/>
               </a:ext>
             </a:extLst>
           </p:cNvPr>
@@ -5246,40 +7978,201 @@
           </a:p>
         </p:txBody>
       </p:sp>
-      <p:pic>
-        <p:nvPicPr>
-          <p:cNvPr id="8" name="Picture 7">
-            <a:extLst>
-              <a:ext uri="{FF2B5EF4-FFF2-40B4-BE49-F238E27FC236}">
-                <a16:creationId xmlns:a16="http://schemas.microsoft.com/office/drawing/2014/main" id="{2D847BFE-0636-4F2D-A2AF-D786777893AB}"/>
-              </a:ext>
-            </a:extLst>
-          </p:cNvPr>
-          <p:cNvPicPr>
-            <a:picLocks noChangeAspect="1"/>
-          </p:cNvPicPr>
+      <p:sp>
+        <p:nvSpPr>
+          <p:cNvPr id="10" name="TextBox 9">
+            <a:extLst>
+              <a:ext uri="{FF2B5EF4-FFF2-40B4-BE49-F238E27FC236}">
+                <a16:creationId xmlns:a16="http://schemas.microsoft.com/office/drawing/2014/main" id="{F12B0B71-42DA-4FA0-B7B4-42836A7FB112}"/>
+              </a:ext>
+            </a:extLst>
+          </p:cNvPr>
+          <p:cNvSpPr txBox="1"/>
           <p:nvPr/>
-        </p:nvPicPr>
-        <p:blipFill>
-          <a:blip r:embed="rId2"/>
-          <a:stretch>
-            <a:fillRect/>
-          </a:stretch>
-        </p:blipFill>
+        </p:nvSpPr>
         <p:spPr>
           <a:xfrm>
-            <a:off x="2654285" y="2234136"/>
-            <a:ext cx="7000875" cy="3648075"/>
+            <a:off x="4469701" y="5201170"/>
+            <a:ext cx="4648200" cy="369332"/>
           </a:xfrm>
           <a:prstGeom prst="rect">
             <a:avLst/>
           </a:prstGeom>
+          <a:noFill/>
         </p:spPr>
-      </p:pic>
+        <p:txBody>
+          <a:bodyPr wrap="square" rtlCol="0">
+            <a:spAutoFit/>
+          </a:bodyPr>
+          <a:lstStyle/>
+          <a:p>
+            <a:r>
+              <a:rPr lang="da-DK" dirty="0"/>
+              <a:t>Launch multiple experiments at once</a:t>
+            </a:r>
+          </a:p>
+        </p:txBody>
+      </p:sp>
+      <p:sp>
+        <p:nvSpPr>
+          <p:cNvPr id="11" name="TextBox 10">
+            <a:extLst>
+              <a:ext uri="{FF2B5EF4-FFF2-40B4-BE49-F238E27FC236}">
+                <a16:creationId xmlns:a16="http://schemas.microsoft.com/office/drawing/2014/main" id="{AD23AE80-C122-49CC-9693-A0714617C857}"/>
+              </a:ext>
+            </a:extLst>
+          </p:cNvPr>
+          <p:cNvSpPr txBox="1"/>
+          <p:nvPr/>
+        </p:nvSpPr>
+        <p:spPr>
+          <a:xfrm>
+            <a:off x="4469701" y="3449489"/>
+            <a:ext cx="4648200" cy="369332"/>
+          </a:xfrm>
+          <a:prstGeom prst="rect">
+            <a:avLst/>
+          </a:prstGeom>
+          <a:noFill/>
+        </p:spPr>
+        <p:txBody>
+          <a:bodyPr wrap="square" rtlCol="0">
+            <a:spAutoFit/>
+          </a:bodyPr>
+          <a:lstStyle/>
+          <a:p>
+            <a:r>
+              <a:rPr lang="da-DK" dirty="0"/>
+              <a:t>Stack models in parallel</a:t>
+            </a:r>
+          </a:p>
+        </p:txBody>
+      </p:sp>
+      <p:sp>
+        <p:nvSpPr>
+          <p:cNvPr id="12" name="TextBox 11">
+            <a:extLst>
+              <a:ext uri="{FF2B5EF4-FFF2-40B4-BE49-F238E27FC236}">
+                <a16:creationId xmlns:a16="http://schemas.microsoft.com/office/drawing/2014/main" id="{ACD92D13-7D10-4043-9E64-1E350BBDFC08}"/>
+              </a:ext>
+            </a:extLst>
+          </p:cNvPr>
+          <p:cNvSpPr txBox="1"/>
+          <p:nvPr/>
+        </p:nvSpPr>
+        <p:spPr>
+          <a:xfrm>
+            <a:off x="4469701" y="1882474"/>
+            <a:ext cx="4648200" cy="646331"/>
+          </a:xfrm>
+          <a:prstGeom prst="rect">
+            <a:avLst/>
+          </a:prstGeom>
+          <a:noFill/>
+        </p:spPr>
+        <p:txBody>
+          <a:bodyPr wrap="square" rtlCol="0">
+            <a:spAutoFit/>
+          </a:bodyPr>
+          <a:lstStyle/>
+          <a:p>
+            <a:r>
+              <a:rPr lang="da-DK" dirty="0"/>
+              <a:t>Load data in paralle</a:t>
+            </a:r>
+          </a:p>
+          <a:p>
+            <a:r>
+              <a:rPr lang="da-DK" dirty="0"/>
+              <a:t>Inference on data in parallel </a:t>
+            </a:r>
+          </a:p>
+        </p:txBody>
+      </p:sp>
+      <p:sp>
+        <p:nvSpPr>
+          <p:cNvPr id="13" name="Right Brace 12">
+            <a:extLst>
+              <a:ext uri="{FF2B5EF4-FFF2-40B4-BE49-F238E27FC236}">
+                <a16:creationId xmlns:a16="http://schemas.microsoft.com/office/drawing/2014/main" id="{BCBF8A4A-1BA3-4BBE-91FF-A8D11596C73D}"/>
+              </a:ext>
+            </a:extLst>
+          </p:cNvPr>
+          <p:cNvSpPr/>
+          <p:nvPr/>
+        </p:nvSpPr>
+        <p:spPr>
+          <a:xfrm>
+            <a:off x="8013700" y="1778000"/>
+            <a:ext cx="1104201" cy="4038600"/>
+          </a:xfrm>
+          <a:prstGeom prst="rightBrace">
+            <a:avLst/>
+          </a:prstGeom>
+          <a:ln w="38100"/>
+        </p:spPr>
+        <p:style>
+          <a:lnRef idx="1">
+            <a:schemeClr val="accent1"/>
+          </a:lnRef>
+          <a:fillRef idx="0">
+            <a:schemeClr val="accent1"/>
+          </a:fillRef>
+          <a:effectRef idx="0">
+            <a:schemeClr val="accent1"/>
+          </a:effectRef>
+          <a:fontRef idx="minor">
+            <a:schemeClr val="tx1"/>
+          </a:fontRef>
+        </p:style>
+        <p:txBody>
+          <a:bodyPr rtlCol="0" anchor="ctr"/>
+          <a:lstStyle/>
+          <a:p>
+            <a:pPr algn="ctr"/>
+            <a:endParaRPr lang="da-DK"/>
+          </a:p>
+        </p:txBody>
+      </p:sp>
+      <p:sp>
+        <p:nvSpPr>
+          <p:cNvPr id="14" name="TextBox 13">
+            <a:extLst>
+              <a:ext uri="{FF2B5EF4-FFF2-40B4-BE49-F238E27FC236}">
+                <a16:creationId xmlns:a16="http://schemas.microsoft.com/office/drawing/2014/main" id="{BFEC3D38-B448-4E10-85F7-32F8BFD29F56}"/>
+              </a:ext>
+            </a:extLst>
+          </p:cNvPr>
+          <p:cNvSpPr txBox="1"/>
+          <p:nvPr/>
+        </p:nvSpPr>
+        <p:spPr>
+          <a:xfrm>
+            <a:off x="9403710" y="3357156"/>
+            <a:ext cx="2036194" cy="923330"/>
+          </a:xfrm>
+          <a:prstGeom prst="rect">
+            <a:avLst/>
+          </a:prstGeom>
+          <a:noFill/>
+        </p:spPr>
+        <p:txBody>
+          <a:bodyPr wrap="square" rtlCol="0">
+            <a:spAutoFit/>
+          </a:bodyPr>
+          <a:lstStyle/>
+          <a:p>
+            <a:r>
+              <a:rPr lang="da-DK" dirty="0"/>
+              <a:t>You may use multiple of these at the same time</a:t>
+            </a:r>
+          </a:p>
+        </p:txBody>
+      </p:sp>
     </p:spTree>
     <p:extLst>
       <p:ext uri="{BB962C8B-B14F-4D97-AF65-F5344CB8AC3E}">
-        <p14:creationId xmlns:p14="http://schemas.microsoft.com/office/powerpoint/2010/main" val="2614854895"/>
+        <p14:creationId xmlns:p14="http://schemas.microsoft.com/office/powerpoint/2010/main" val="2936804598"/>
       </p:ext>
     </p:extLst>
   </p:cSld>
@@ -5311,7 +8204,7 @@
           <p:cNvPr id="2" name="Title 1">
             <a:extLst>
               <a:ext uri="{FF2B5EF4-FFF2-40B4-BE49-F238E27FC236}">
-                <a16:creationId xmlns:a16="http://schemas.microsoft.com/office/drawing/2014/main" id="{301795A4-297C-485D-BCB9-AC3115206278}"/>
+                <a16:creationId xmlns:a16="http://schemas.microsoft.com/office/drawing/2014/main" id="{C3F55D04-CA82-4E18-B277-FDE27025B7B4}"/>
               </a:ext>
             </a:extLst>
           </p:cNvPr>
@@ -5329,7 +8222,7 @@
           <a:p>
             <a:r>
               <a:rPr lang="da-DK" dirty="0"/>
-              <a:t>The DL software landscape</a:t>
+              <a:t>The six imporatnt communication types</a:t>
             </a:r>
           </a:p>
         </p:txBody>
@@ -5339,7 +8232,7 @@
           <p:cNvPr id="3" name="Content Placeholder 2">
             <a:extLst>
               <a:ext uri="{FF2B5EF4-FFF2-40B4-BE49-F238E27FC236}">
-                <a16:creationId xmlns:a16="http://schemas.microsoft.com/office/drawing/2014/main" id="{F78455D9-15A8-4A40-B2AE-F8917747EC1F}"/>
+                <a16:creationId xmlns:a16="http://schemas.microsoft.com/office/drawing/2014/main" id="{D2B42AE7-786F-4754-8C05-E65C4DB9625B}"/>
               </a:ext>
             </a:extLst>
           </p:cNvPr>
@@ -5355,56 +8248,8 @@
           <a:bodyPr/>
           <a:lstStyle/>
           <a:p>
-            <a:pPr marL="0" indent="0">
-              <a:buNone/>
-            </a:pPr>
             <a:endParaRPr lang="da-DK" dirty="0"/>
           </a:p>
-          <a:p>
-            <a:pPr marL="0" indent="0">
-              <a:buNone/>
-            </a:pPr>
-            <a:endParaRPr lang="da-DK" dirty="0"/>
-          </a:p>
-          <a:p>
-            <a:pPr marL="0" indent="0">
-              <a:buNone/>
-            </a:pPr>
-            <a:endParaRPr lang="da-DK" dirty="0"/>
-          </a:p>
-          <a:p>
-            <a:pPr marL="0" indent="0">
-              <a:buNone/>
-            </a:pPr>
-            <a:endParaRPr lang="da-DK" dirty="0"/>
-          </a:p>
-          <a:p>
-            <a:pPr marL="0" indent="0">
-              <a:buNone/>
-            </a:pPr>
-            <a:endParaRPr lang="da-DK" dirty="0"/>
-          </a:p>
-          <a:p>
-            <a:pPr marL="0" indent="0">
-              <a:buNone/>
-            </a:pPr>
-            <a:r>
-              <a:rPr lang="da-DK" dirty="0"/>
-              <a:t>No point in discussion who is best. The (biased) facts are:</a:t>
-            </a:r>
-          </a:p>
-          <a:p>
-            <a:r>
-              <a:rPr lang="da-DK" dirty="0"/>
-              <a:t>Tensorflow are too a large extend used in production</a:t>
-            </a:r>
-          </a:p>
-          <a:p>
-            <a:r>
-              <a:rPr lang="da-DK" dirty="0"/>
-              <a:t>Pytorch is used in research</a:t>
-            </a:r>
-          </a:p>
         </p:txBody>
       </p:sp>
       <p:sp>
@@ -5412,7 +8257,7 @@
           <p:cNvPr id="4" name="Date Placeholder 3">
             <a:extLst>
               <a:ext uri="{FF2B5EF4-FFF2-40B4-BE49-F238E27FC236}">
-                <a16:creationId xmlns:a16="http://schemas.microsoft.com/office/drawing/2014/main" id="{2974D1B7-0321-40DF-AF1C-5A1E63077A51}"/>
+                <a16:creationId xmlns:a16="http://schemas.microsoft.com/office/drawing/2014/main" id="{E25E775D-F3E2-4769-A1F1-9AB145A526B0}"/>
               </a:ext>
             </a:extLst>
           </p:cNvPr>
@@ -5430,7 +8275,7 @@
           <a:p>
             <a:fld id="{019E29B9-5584-4737-9C98-1B926378C778}" type="datetime1">
               <a:rPr lang="en-US" smtClean="0"/>
-              <a:t>4/28/2021</a:t>
+              <a:t>5/4/2021</a:t>
             </a:fld>
             <a:endParaRPr lang="da-DK"/>
           </a:p>
@@ -5441,7 +8286,7 @@
           <p:cNvPr id="5" name="Footer Placeholder 4">
             <a:extLst>
               <a:ext uri="{FF2B5EF4-FFF2-40B4-BE49-F238E27FC236}">
-                <a16:creationId xmlns:a16="http://schemas.microsoft.com/office/drawing/2014/main" id="{4305BE43-ABEA-48F8-911A-54D2FD760753}"/>
+                <a16:creationId xmlns:a16="http://schemas.microsoft.com/office/drawing/2014/main" id="{7A7D43A3-2D74-458D-A837-A234E7E1CAD2}"/>
               </a:ext>
             </a:extLst>
           </p:cNvPr>
@@ -5469,7 +8314,7 @@
           <p:cNvPr id="6" name="Slide Number Placeholder 5">
             <a:extLst>
               <a:ext uri="{FF2B5EF4-FFF2-40B4-BE49-F238E27FC236}">
-                <a16:creationId xmlns:a16="http://schemas.microsoft.com/office/drawing/2014/main" id="{BF0F5E20-9EF4-4714-A060-B1F556270182}"/>
+                <a16:creationId xmlns:a16="http://schemas.microsoft.com/office/drawing/2014/main" id="{3FA2A81A-9EA3-411C-8FFF-7211C5F9B15A}"/>
               </a:ext>
             </a:extLst>
           </p:cNvPr>
@@ -5495,15 +8340,229 @@
       </p:sp>
       <p:pic>
         <p:nvPicPr>
-          <p:cNvPr id="7" name="Picture 4" descr="TensorFlow">
-            <a:extLst>
-              <a:ext uri="{FF2B5EF4-FFF2-40B4-BE49-F238E27FC236}">
-                <a16:creationId xmlns:a16="http://schemas.microsoft.com/office/drawing/2014/main" id="{D2CCE73B-D45C-4D87-8AFB-3584F025D283}"/>
+          <p:cNvPr id="8" name="Picture 7">
+            <a:extLst>
+              <a:ext uri="{FF2B5EF4-FFF2-40B4-BE49-F238E27FC236}">
+                <a16:creationId xmlns:a16="http://schemas.microsoft.com/office/drawing/2014/main" id="{6D5456CE-3524-4EC9-9313-2E6869296698}"/>
               </a:ext>
             </a:extLst>
           </p:cNvPr>
           <p:cNvPicPr>
-            <a:picLocks noChangeAspect="1" noChangeArrowheads="1"/>
+            <a:picLocks noChangeAspect="1"/>
+          </p:cNvPicPr>
+          <p:nvPr/>
+        </p:nvPicPr>
+        <p:blipFill>
+          <a:blip r:embed="rId2"/>
+          <a:stretch>
+            <a:fillRect/>
+          </a:stretch>
+        </p:blipFill>
+        <p:spPr>
+          <a:xfrm>
+            <a:off x="3160803" y="681037"/>
+            <a:ext cx="5870394" cy="5773706"/>
+          </a:xfrm>
+          <a:prstGeom prst="rect">
+            <a:avLst/>
+          </a:prstGeom>
+        </p:spPr>
+      </p:pic>
+    </p:spTree>
+    <p:extLst>
+      <p:ext uri="{BB962C8B-B14F-4D97-AF65-F5344CB8AC3E}">
+        <p14:creationId xmlns:p14="http://schemas.microsoft.com/office/powerpoint/2010/main" val="1535568889"/>
+      </p:ext>
+    </p:extLst>
+  </p:cSld>
+  <p:clrMapOvr>
+    <a:masterClrMapping/>
+  </p:clrMapOvr>
+</p:sld>
+</file>
+
+<file path=ppt/slides/slide7.xml><?xml version="1.0" encoding="utf-8"?>
+<p:sld xmlns:a="http://schemas.openxmlformats.org/drawingml/2006/main" xmlns:r="http://schemas.openxmlformats.org/officeDocument/2006/relationships" xmlns:p="http://schemas.openxmlformats.org/presentationml/2006/main">
+  <p:cSld>
+    <p:spTree>
+      <p:nvGrpSpPr>
+        <p:cNvPr id="1" name=""/>
+        <p:cNvGrpSpPr/>
+        <p:nvPr/>
+      </p:nvGrpSpPr>
+      <p:grpSpPr>
+        <a:xfrm>
+          <a:off x="0" y="0"/>
+          <a:ext cx="0" cy="0"/>
+          <a:chOff x="0" y="0"/>
+          <a:chExt cx="0" cy="0"/>
+        </a:xfrm>
+      </p:grpSpPr>
+      <p:sp>
+        <p:nvSpPr>
+          <p:cNvPr id="2" name="Title 1">
+            <a:extLst>
+              <a:ext uri="{FF2B5EF4-FFF2-40B4-BE49-F238E27FC236}">
+                <a16:creationId xmlns:a16="http://schemas.microsoft.com/office/drawing/2014/main" id="{713BC399-4A36-4F6A-BBA3-3A9D0588ED40}"/>
+              </a:ext>
+            </a:extLst>
+          </p:cNvPr>
+          <p:cNvSpPr>
+            <a:spLocks noGrp="1"/>
+          </p:cNvSpPr>
+          <p:nvPr>
+            <p:ph type="title"/>
+          </p:nvPr>
+        </p:nvSpPr>
+        <p:spPr/>
+        <p:txBody>
+          <a:bodyPr/>
+          <a:lstStyle/>
+          <a:p>
+            <a:r>
+              <a:rPr lang="da-DK" dirty="0"/>
+              <a:t>Data Parallel</a:t>
+            </a:r>
+          </a:p>
+        </p:txBody>
+      </p:sp>
+      <p:sp>
+        <p:nvSpPr>
+          <p:cNvPr id="3" name="Content Placeholder 2">
+            <a:extLst>
+              <a:ext uri="{FF2B5EF4-FFF2-40B4-BE49-F238E27FC236}">
+                <a16:creationId xmlns:a16="http://schemas.microsoft.com/office/drawing/2014/main" id="{10335FC4-5EBB-439C-9D83-BDFE3D8D8F5F}"/>
+              </a:ext>
+            </a:extLst>
+          </p:cNvPr>
+          <p:cNvSpPr>
+            <a:spLocks noGrp="1"/>
+          </p:cNvSpPr>
+          <p:nvPr>
+            <p:ph idx="1"/>
+          </p:nvPr>
+        </p:nvSpPr>
+        <p:spPr/>
+        <p:txBody>
+          <a:bodyPr/>
+          <a:lstStyle/>
+          <a:p>
+            <a:pPr marL="0" indent="0">
+              <a:buNone/>
+            </a:pPr>
+            <a:r>
+              <a:rPr lang="da-DK" dirty="0"/>
+              <a:t>Simple as </a:t>
+            </a:r>
+            <a:r>
+              <a:rPr lang="it-IT" dirty="0">
+                <a:latin typeface="+mj-lt"/>
+              </a:rPr>
+              <a:t>parallel_model = torch.nn.DataParallel(model)</a:t>
+            </a:r>
+            <a:endParaRPr lang="da-DK" dirty="0">
+              <a:latin typeface="+mj-lt"/>
+            </a:endParaRPr>
+          </a:p>
+        </p:txBody>
+      </p:sp>
+      <p:sp>
+        <p:nvSpPr>
+          <p:cNvPr id="4" name="Date Placeholder 3">
+            <a:extLst>
+              <a:ext uri="{FF2B5EF4-FFF2-40B4-BE49-F238E27FC236}">
+                <a16:creationId xmlns:a16="http://schemas.microsoft.com/office/drawing/2014/main" id="{14859090-EFF3-415F-BEA8-B11AB3DB9CFC}"/>
+              </a:ext>
+            </a:extLst>
+          </p:cNvPr>
+          <p:cNvSpPr>
+            <a:spLocks noGrp="1"/>
+          </p:cNvSpPr>
+          <p:nvPr>
+            <p:ph type="dt" sz="half" idx="10"/>
+          </p:nvPr>
+        </p:nvSpPr>
+        <p:spPr/>
+        <p:txBody>
+          <a:bodyPr/>
+          <a:lstStyle/>
+          <a:p>
+            <a:fld id="{019E29B9-5584-4737-9C98-1B926378C778}" type="datetime1">
+              <a:rPr lang="en-US" smtClean="0"/>
+              <a:t>5/4/2021</a:t>
+            </a:fld>
+            <a:endParaRPr lang="da-DK"/>
+          </a:p>
+        </p:txBody>
+      </p:sp>
+      <p:sp>
+        <p:nvSpPr>
+          <p:cNvPr id="5" name="Footer Placeholder 4">
+            <a:extLst>
+              <a:ext uri="{FF2B5EF4-FFF2-40B4-BE49-F238E27FC236}">
+                <a16:creationId xmlns:a16="http://schemas.microsoft.com/office/drawing/2014/main" id="{D3C5DC88-7948-4406-B2F4-904BE37E1E2C}"/>
+              </a:ext>
+            </a:extLst>
+          </p:cNvPr>
+          <p:cNvSpPr>
+            <a:spLocks noGrp="1"/>
+          </p:cNvSpPr>
+          <p:nvPr>
+            <p:ph type="ftr" sz="quarter" idx="11"/>
+          </p:nvPr>
+        </p:nvSpPr>
+        <p:spPr/>
+        <p:txBody>
+          <a:bodyPr/>
+          <a:lstStyle/>
+          <a:p>
+            <a:r>
+              <a:rPr lang="da-DK"/>
+              <a:t>Nicki Skafte Detlefsen</a:t>
+            </a:r>
+          </a:p>
+        </p:txBody>
+      </p:sp>
+      <p:sp>
+        <p:nvSpPr>
+          <p:cNvPr id="6" name="Slide Number Placeholder 5">
+            <a:extLst>
+              <a:ext uri="{FF2B5EF4-FFF2-40B4-BE49-F238E27FC236}">
+                <a16:creationId xmlns:a16="http://schemas.microsoft.com/office/drawing/2014/main" id="{C6408702-DFE9-4D62-805C-E0BF092F0642}"/>
+              </a:ext>
+            </a:extLst>
+          </p:cNvPr>
+          <p:cNvSpPr>
+            <a:spLocks noGrp="1"/>
+          </p:cNvSpPr>
+          <p:nvPr>
+            <p:ph type="sldNum" sz="quarter" idx="12"/>
+          </p:nvPr>
+        </p:nvSpPr>
+        <p:spPr/>
+        <p:txBody>
+          <a:bodyPr/>
+          <a:lstStyle/>
+          <a:p>
+            <a:fld id="{F6FEDE24-D50C-481B-A7B4-8AF13899101A}" type="slidenum">
+              <a:rPr lang="da-DK" smtClean="0"/>
+              <a:t>7</a:t>
+            </a:fld>
+            <a:endParaRPr lang="da-DK"/>
+          </a:p>
+        </p:txBody>
+      </p:sp>
+      <p:pic>
+        <p:nvPicPr>
+          <p:cNvPr id="10" name="Picture 9" descr="Diagram&#10;&#10;Description automatically generated">
+            <a:extLst>
+              <a:ext uri="{FF2B5EF4-FFF2-40B4-BE49-F238E27FC236}">
+                <a16:creationId xmlns:a16="http://schemas.microsoft.com/office/drawing/2014/main" id="{C8B0C21F-7E78-473F-A9ED-C6E42A7F2D91}"/>
+              </a:ext>
+            </a:extLst>
+          </p:cNvPr>
+          <p:cNvPicPr>
+            <a:picLocks noChangeAspect="1"/>
           </p:cNvPicPr>
           <p:nvPr/>
         </p:nvPicPr>
@@ -5515,42 +8574,477 @@
               </a:ext>
             </a:extLst>
           </a:blip>
-          <a:srcRect/>
           <a:stretch>
             <a:fillRect/>
           </a:stretch>
         </p:blipFill>
-        <p:spPr bwMode="auto">
+        <p:spPr>
           <a:xfrm>
-            <a:off x="1590675" y="2169150"/>
-            <a:ext cx="2857500" cy="1600200"/>
+            <a:off x="425450" y="1898224"/>
+            <a:ext cx="11341100" cy="3449534"/>
           </a:xfrm>
           <a:prstGeom prst="rect">
             <a:avLst/>
           </a:prstGeom>
-          <a:noFill/>
-          <a:extLst>
-            <a:ext uri="{909E8E84-426E-40DD-AFC4-6F175D3DCCD1}">
-              <a14:hiddenFill xmlns:a14="http://schemas.microsoft.com/office/drawing/2010/main">
-                <a:solidFill>
-                  <a:srgbClr val="FFFFFF"/>
-                </a:solidFill>
-              </a14:hiddenFill>
-            </a:ext>
-          </a:extLst>
+        </p:spPr>
+      </p:pic>
+    </p:spTree>
+    <p:extLst>
+      <p:ext uri="{BB962C8B-B14F-4D97-AF65-F5344CB8AC3E}">
+        <p14:creationId xmlns:p14="http://schemas.microsoft.com/office/powerpoint/2010/main" val="2204267558"/>
+      </p:ext>
+    </p:extLst>
+  </p:cSld>
+  <p:clrMapOvr>
+    <a:masterClrMapping/>
+  </p:clrMapOvr>
+</p:sld>
+</file>
+
+<file path=ppt/slides/slide8.xml><?xml version="1.0" encoding="utf-8"?>
+<p:sld xmlns:a="http://schemas.openxmlformats.org/drawingml/2006/main" xmlns:r="http://schemas.openxmlformats.org/officeDocument/2006/relationships" xmlns:p="http://schemas.openxmlformats.org/presentationml/2006/main">
+  <p:cSld>
+    <p:spTree>
+      <p:nvGrpSpPr>
+        <p:cNvPr id="1" name=""/>
+        <p:cNvGrpSpPr/>
+        <p:nvPr/>
+      </p:nvGrpSpPr>
+      <p:grpSpPr>
+        <a:xfrm>
+          <a:off x="0" y="0"/>
+          <a:ext cx="0" cy="0"/>
+          <a:chOff x="0" y="0"/>
+          <a:chExt cx="0" cy="0"/>
+        </a:xfrm>
+      </p:grpSpPr>
+      <p:sp>
+        <p:nvSpPr>
+          <p:cNvPr id="2" name="Title 1">
+            <a:extLst>
+              <a:ext uri="{FF2B5EF4-FFF2-40B4-BE49-F238E27FC236}">
+                <a16:creationId xmlns:a16="http://schemas.microsoft.com/office/drawing/2014/main" id="{CDDB95BA-2E75-4F5E-B188-42B284D48412}"/>
+              </a:ext>
+            </a:extLst>
+          </p:cNvPr>
+          <p:cNvSpPr>
+            <a:spLocks noGrp="1"/>
+          </p:cNvSpPr>
+          <p:nvPr>
+            <p:ph type="title"/>
+          </p:nvPr>
+        </p:nvSpPr>
+        <p:spPr/>
+        <p:txBody>
+          <a:bodyPr/>
+          <a:lstStyle/>
+          <a:p>
+            <a:r>
+              <a:rPr lang="da-DK" dirty="0"/>
+              <a:t>Why using a training framework</a:t>
+            </a:r>
+          </a:p>
+        </p:txBody>
+      </p:sp>
+      <p:sp>
+        <p:nvSpPr>
+          <p:cNvPr id="3" name="Content Placeholder 2">
+            <a:extLst>
+              <a:ext uri="{FF2B5EF4-FFF2-40B4-BE49-F238E27FC236}">
+                <a16:creationId xmlns:a16="http://schemas.microsoft.com/office/drawing/2014/main" id="{387FF97A-4FFC-463D-90E8-99C42C51604F}"/>
+              </a:ext>
+            </a:extLst>
+          </p:cNvPr>
+          <p:cNvSpPr>
+            <a:spLocks noGrp="1"/>
+          </p:cNvSpPr>
+          <p:nvPr>
+            <p:ph idx="1"/>
+          </p:nvPr>
+        </p:nvSpPr>
+        <p:spPr/>
+        <p:txBody>
+          <a:bodyPr/>
+          <a:lstStyle/>
+          <a:p>
+            <a:r>
+              <a:rPr lang="da-DK" dirty="0"/>
+              <a:t>Reduce boilerplate = increase turn-around time</a:t>
+            </a:r>
+          </a:p>
+          <a:p>
+            <a:r>
+              <a:rPr lang="da-DK" dirty="0"/>
+              <a:t>Focus on what is important</a:t>
+            </a:r>
+          </a:p>
+          <a:p>
+            <a:r>
+              <a:rPr lang="da-DK" dirty="0"/>
+              <a:t>Reproduceability</a:t>
+            </a:r>
+          </a:p>
+          <a:p>
+            <a:r>
+              <a:rPr lang="da-DK" dirty="0"/>
+              <a:t>Shareability</a:t>
+            </a:r>
+          </a:p>
+          <a:p>
+            <a:r>
+              <a:rPr lang="da-DK" dirty="0"/>
+              <a:t>Consistency</a:t>
+            </a:r>
+          </a:p>
+          <a:p>
+            <a:r>
+              <a:rPr lang="da-DK" dirty="0"/>
+              <a:t>Scaleability</a:t>
+            </a:r>
+          </a:p>
+        </p:txBody>
+      </p:sp>
+      <p:sp>
+        <p:nvSpPr>
+          <p:cNvPr id="4" name="Date Placeholder 3">
+            <a:extLst>
+              <a:ext uri="{FF2B5EF4-FFF2-40B4-BE49-F238E27FC236}">
+                <a16:creationId xmlns:a16="http://schemas.microsoft.com/office/drawing/2014/main" id="{43879CCE-D927-4052-A1FB-929A2A10371C}"/>
+              </a:ext>
+            </a:extLst>
+          </p:cNvPr>
+          <p:cNvSpPr>
+            <a:spLocks noGrp="1"/>
+          </p:cNvSpPr>
+          <p:nvPr>
+            <p:ph type="dt" sz="half" idx="10"/>
+          </p:nvPr>
+        </p:nvSpPr>
+        <p:spPr/>
+        <p:txBody>
+          <a:bodyPr/>
+          <a:lstStyle/>
+          <a:p>
+            <a:fld id="{019E29B9-5584-4737-9C98-1B926378C778}" type="datetime1">
+              <a:rPr lang="en-US" smtClean="0"/>
+              <a:t>5/4/2021</a:t>
+            </a:fld>
+            <a:endParaRPr lang="da-DK"/>
+          </a:p>
+        </p:txBody>
+      </p:sp>
+      <p:sp>
+        <p:nvSpPr>
+          <p:cNvPr id="5" name="Footer Placeholder 4">
+            <a:extLst>
+              <a:ext uri="{FF2B5EF4-FFF2-40B4-BE49-F238E27FC236}">
+                <a16:creationId xmlns:a16="http://schemas.microsoft.com/office/drawing/2014/main" id="{A334F260-D169-444E-91F9-5764951804E7}"/>
+              </a:ext>
+            </a:extLst>
+          </p:cNvPr>
+          <p:cNvSpPr>
+            <a:spLocks noGrp="1"/>
+          </p:cNvSpPr>
+          <p:nvPr>
+            <p:ph type="ftr" sz="quarter" idx="11"/>
+          </p:nvPr>
+        </p:nvSpPr>
+        <p:spPr/>
+        <p:txBody>
+          <a:bodyPr/>
+          <a:lstStyle/>
+          <a:p>
+            <a:r>
+              <a:rPr lang="da-DK"/>
+              <a:t>Nicki Skafte Detlefsen</a:t>
+            </a:r>
+          </a:p>
+        </p:txBody>
+      </p:sp>
+      <p:sp>
+        <p:nvSpPr>
+          <p:cNvPr id="6" name="Slide Number Placeholder 5">
+            <a:extLst>
+              <a:ext uri="{FF2B5EF4-FFF2-40B4-BE49-F238E27FC236}">
+                <a16:creationId xmlns:a16="http://schemas.microsoft.com/office/drawing/2014/main" id="{A24C1171-7814-48AF-91E5-D177AC0CD8F1}"/>
+              </a:ext>
+            </a:extLst>
+          </p:cNvPr>
+          <p:cNvSpPr>
+            <a:spLocks noGrp="1"/>
+          </p:cNvSpPr>
+          <p:nvPr>
+            <p:ph type="sldNum" sz="quarter" idx="12"/>
+          </p:nvPr>
+        </p:nvSpPr>
+        <p:spPr/>
+        <p:txBody>
+          <a:bodyPr/>
+          <a:lstStyle/>
+          <a:p>
+            <a:fld id="{F6FEDE24-D50C-481B-A7B4-8AF13899101A}" type="slidenum">
+              <a:rPr lang="da-DK" smtClean="0"/>
+              <a:t>8</a:t>
+            </a:fld>
+            <a:endParaRPr lang="da-DK"/>
+          </a:p>
+        </p:txBody>
+      </p:sp>
+    </p:spTree>
+    <p:extLst>
+      <p:ext uri="{BB962C8B-B14F-4D97-AF65-F5344CB8AC3E}">
+        <p14:creationId xmlns:p14="http://schemas.microsoft.com/office/powerpoint/2010/main" val="163734397"/>
+      </p:ext>
+    </p:extLst>
+  </p:cSld>
+  <p:clrMapOvr>
+    <a:masterClrMapping/>
+  </p:clrMapOvr>
+</p:sld>
+</file>
+
+<file path=ppt/slides/slide9.xml><?xml version="1.0" encoding="utf-8"?>
+<p:sld xmlns:a="http://schemas.openxmlformats.org/drawingml/2006/main" xmlns:r="http://schemas.openxmlformats.org/officeDocument/2006/relationships" xmlns:p="http://schemas.openxmlformats.org/presentationml/2006/main">
+  <p:cSld>
+    <p:spTree>
+      <p:nvGrpSpPr>
+        <p:cNvPr id="1" name=""/>
+        <p:cNvGrpSpPr/>
+        <p:nvPr/>
+      </p:nvGrpSpPr>
+      <p:grpSpPr>
+        <a:xfrm>
+          <a:off x="0" y="0"/>
+          <a:ext cx="0" cy="0"/>
+          <a:chOff x="0" y="0"/>
+          <a:chExt cx="0" cy="0"/>
+        </a:xfrm>
+      </p:grpSpPr>
+      <p:sp>
+        <p:nvSpPr>
+          <p:cNvPr id="2" name="Title 1">
+            <a:extLst>
+              <a:ext uri="{FF2B5EF4-FFF2-40B4-BE49-F238E27FC236}">
+                <a16:creationId xmlns:a16="http://schemas.microsoft.com/office/drawing/2014/main" id="{D27A6DE8-A1FD-44C2-AF38-0B771A01E1AE}"/>
+              </a:ext>
+            </a:extLst>
+          </p:cNvPr>
+          <p:cNvSpPr>
+            <a:spLocks noGrp="1"/>
+          </p:cNvSpPr>
+          <p:nvPr>
+            <p:ph type="title"/>
+          </p:nvPr>
+        </p:nvSpPr>
+        <p:spPr/>
+        <p:txBody>
+          <a:bodyPr/>
+          <a:lstStyle/>
+          <a:p>
+            <a:r>
+              <a:rPr lang="da-DK" dirty="0"/>
+              <a:t>Training Fremworks</a:t>
+            </a:r>
+          </a:p>
+        </p:txBody>
+      </p:sp>
+      <p:sp>
+        <p:nvSpPr>
+          <p:cNvPr id="3" name="Content Placeholder 2">
+            <a:extLst>
+              <a:ext uri="{FF2B5EF4-FFF2-40B4-BE49-F238E27FC236}">
+                <a16:creationId xmlns:a16="http://schemas.microsoft.com/office/drawing/2014/main" id="{AD738847-F757-4CA2-BCE9-5CD874598CA6}"/>
+              </a:ext>
+            </a:extLst>
+          </p:cNvPr>
+          <p:cNvSpPr>
+            <a:spLocks noGrp="1"/>
+          </p:cNvSpPr>
+          <p:nvPr>
+            <p:ph idx="1"/>
+          </p:nvPr>
+        </p:nvSpPr>
+        <p:spPr/>
+        <p:txBody>
+          <a:bodyPr/>
+          <a:lstStyle/>
+          <a:p>
+            <a:pPr marL="0" indent="0">
+              <a:buNone/>
+            </a:pPr>
+            <a:r>
+              <a:rPr lang="da-DK" dirty="0"/>
+              <a:t>Many fremeworks exist for reducing boilerplate</a:t>
+            </a:r>
+          </a:p>
+          <a:p>
+            <a:pPr marL="0" indent="0">
+              <a:buNone/>
+            </a:pPr>
+            <a:endParaRPr lang="da-DK" dirty="0"/>
+          </a:p>
+          <a:p>
+            <a:pPr marL="0" indent="0">
+              <a:buNone/>
+            </a:pPr>
+            <a:endParaRPr lang="da-DK" dirty="0"/>
+          </a:p>
+          <a:p>
+            <a:pPr marL="0" indent="0">
+              <a:buNone/>
+            </a:pPr>
+            <a:endParaRPr lang="da-DK" dirty="0"/>
+          </a:p>
+          <a:p>
+            <a:pPr marL="0" indent="0">
+              <a:buNone/>
+            </a:pPr>
+            <a:r>
+              <a:rPr lang="da-DK" dirty="0"/>
+              <a:t>Many frameworks for accelerating training </a:t>
+            </a:r>
+          </a:p>
+          <a:p>
+            <a:pPr marL="0" indent="0">
+              <a:buNone/>
+            </a:pPr>
+            <a:endParaRPr lang="da-DK" dirty="0"/>
+          </a:p>
+        </p:txBody>
+      </p:sp>
+      <p:sp>
+        <p:nvSpPr>
+          <p:cNvPr id="4" name="Date Placeholder 3">
+            <a:extLst>
+              <a:ext uri="{FF2B5EF4-FFF2-40B4-BE49-F238E27FC236}">
+                <a16:creationId xmlns:a16="http://schemas.microsoft.com/office/drawing/2014/main" id="{C5BE0E4C-9F74-40D9-8B27-1F684F43DDED}"/>
+              </a:ext>
+            </a:extLst>
+          </p:cNvPr>
+          <p:cNvSpPr>
+            <a:spLocks noGrp="1"/>
+          </p:cNvSpPr>
+          <p:nvPr>
+            <p:ph type="dt" sz="half" idx="10"/>
+          </p:nvPr>
+        </p:nvSpPr>
+        <p:spPr/>
+        <p:txBody>
+          <a:bodyPr/>
+          <a:lstStyle/>
+          <a:p>
+            <a:fld id="{019E29B9-5584-4737-9C98-1B926378C778}" type="datetime1">
+              <a:rPr lang="en-US" smtClean="0"/>
+              <a:t>5/4/2021</a:t>
+            </a:fld>
+            <a:endParaRPr lang="da-DK"/>
+          </a:p>
+        </p:txBody>
+      </p:sp>
+      <p:sp>
+        <p:nvSpPr>
+          <p:cNvPr id="5" name="Footer Placeholder 4">
+            <a:extLst>
+              <a:ext uri="{FF2B5EF4-FFF2-40B4-BE49-F238E27FC236}">
+                <a16:creationId xmlns:a16="http://schemas.microsoft.com/office/drawing/2014/main" id="{BC150124-C72D-47C0-9EEA-674321BB1B49}"/>
+              </a:ext>
+            </a:extLst>
+          </p:cNvPr>
+          <p:cNvSpPr>
+            <a:spLocks noGrp="1"/>
+          </p:cNvSpPr>
+          <p:nvPr>
+            <p:ph type="ftr" sz="quarter" idx="11"/>
+          </p:nvPr>
+        </p:nvSpPr>
+        <p:spPr/>
+        <p:txBody>
+          <a:bodyPr/>
+          <a:lstStyle/>
+          <a:p>
+            <a:r>
+              <a:rPr lang="da-DK"/>
+              <a:t>Nicki Skafte Detlefsen</a:t>
+            </a:r>
+          </a:p>
+        </p:txBody>
+      </p:sp>
+      <p:sp>
+        <p:nvSpPr>
+          <p:cNvPr id="6" name="Slide Number Placeholder 5">
+            <a:extLst>
+              <a:ext uri="{FF2B5EF4-FFF2-40B4-BE49-F238E27FC236}">
+                <a16:creationId xmlns:a16="http://schemas.microsoft.com/office/drawing/2014/main" id="{028D8E30-DFBE-4906-9C04-6E23CECFD8F5}"/>
+              </a:ext>
+            </a:extLst>
+          </p:cNvPr>
+          <p:cNvSpPr>
+            <a:spLocks noGrp="1"/>
+          </p:cNvSpPr>
+          <p:nvPr>
+            <p:ph type="sldNum" sz="quarter" idx="12"/>
+          </p:nvPr>
+        </p:nvSpPr>
+        <p:spPr/>
+        <p:txBody>
+          <a:bodyPr/>
+          <a:lstStyle/>
+          <a:p>
+            <a:fld id="{F6FEDE24-D50C-481B-A7B4-8AF13899101A}" type="slidenum">
+              <a:rPr lang="da-DK" smtClean="0"/>
+              <a:t>9</a:t>
+            </a:fld>
+            <a:endParaRPr lang="da-DK"/>
+          </a:p>
+        </p:txBody>
+      </p:sp>
+      <p:pic>
+        <p:nvPicPr>
+          <p:cNvPr id="10" name="Picture 9">
+            <a:extLst>
+              <a:ext uri="{FF2B5EF4-FFF2-40B4-BE49-F238E27FC236}">
+                <a16:creationId xmlns:a16="http://schemas.microsoft.com/office/drawing/2014/main" id="{0368B075-80DC-4BAA-BD1D-52B5BD023979}"/>
+              </a:ext>
+            </a:extLst>
+          </p:cNvPr>
+          <p:cNvPicPr>
+            <a:picLocks noChangeAspect="1"/>
+          </p:cNvPicPr>
+          <p:nvPr/>
+        </p:nvPicPr>
+        <p:blipFill>
+          <a:blip r:embed="rId2">
+            <a:extLst>
+              <a:ext uri="{28A0092B-C50C-407E-A947-70E740481C1C}">
+                <a14:useLocalDpi xmlns:a14="http://schemas.microsoft.com/office/drawing/2010/main" val="0"/>
+              </a:ext>
+            </a:extLst>
+          </a:blip>
+          <a:stretch>
+            <a:fillRect/>
+          </a:stretch>
+        </p:blipFill>
+        <p:spPr>
+          <a:xfrm>
+            <a:off x="1135924" y="2001070"/>
+            <a:ext cx="2578233" cy="1231963"/>
+          </a:xfrm>
+          <a:prstGeom prst="rect">
+            <a:avLst/>
+          </a:prstGeom>
         </p:spPr>
       </p:pic>
       <p:pic>
         <p:nvPicPr>
-          <p:cNvPr id="8" name="Picture 6" descr="Google">
-            <a:extLst>
-              <a:ext uri="{FF2B5EF4-FFF2-40B4-BE49-F238E27FC236}">
-                <a16:creationId xmlns:a16="http://schemas.microsoft.com/office/drawing/2014/main" id="{3F1A20E6-D5A4-4B5F-B7B1-D3A632D51848}"/>
+          <p:cNvPr id="12" name="Picture 11">
+            <a:extLst>
+              <a:ext uri="{FF2B5EF4-FFF2-40B4-BE49-F238E27FC236}">
+                <a16:creationId xmlns:a16="http://schemas.microsoft.com/office/drawing/2014/main" id="{AD382B24-FD5E-4EDA-B1F4-5ABE40857BD0}"/>
               </a:ext>
             </a:extLst>
           </p:cNvPr>
           <p:cNvPicPr>
-            <a:picLocks noChangeAspect="1" noChangeArrowheads="1"/>
+            <a:picLocks noChangeAspect="1"/>
           </p:cNvPicPr>
           <p:nvPr/>
         </p:nvPicPr>
@@ -5562,42 +9056,31 @@
               </a:ext>
             </a:extLst>
           </a:blip>
-          <a:srcRect/>
           <a:stretch>
             <a:fillRect/>
           </a:stretch>
         </p:blipFill>
-        <p:spPr bwMode="auto">
+        <p:spPr>
           <a:xfrm>
-            <a:off x="1590675" y="1145213"/>
-            <a:ext cx="3048000" cy="1066800"/>
+            <a:off x="7519593" y="1836263"/>
+            <a:ext cx="3443788" cy="1371352"/>
           </a:xfrm>
           <a:prstGeom prst="rect">
             <a:avLst/>
           </a:prstGeom>
-          <a:noFill/>
-          <a:extLst>
-            <a:ext uri="{909E8E84-426E-40DD-AFC4-6F175D3DCCD1}">
-              <a14:hiddenFill xmlns:a14="http://schemas.microsoft.com/office/drawing/2010/main">
-                <a:solidFill>
-                  <a:srgbClr val="FFFFFF"/>
-                </a:solidFill>
-              </a14:hiddenFill>
-            </a:ext>
-          </a:extLst>
         </p:spPr>
       </p:pic>
       <p:pic>
         <p:nvPicPr>
-          <p:cNvPr id="9" name="Picture 8" descr="Facebook - Wikipedia, den frie encyklopædi">
-            <a:extLst>
-              <a:ext uri="{FF2B5EF4-FFF2-40B4-BE49-F238E27FC236}">
-                <a16:creationId xmlns:a16="http://schemas.microsoft.com/office/drawing/2014/main" id="{7962CBE2-7EBD-480E-87A9-B60A77EA3CA1}"/>
+          <p:cNvPr id="14" name="Picture 13">
+            <a:extLst>
+              <a:ext uri="{FF2B5EF4-FFF2-40B4-BE49-F238E27FC236}">
+                <a16:creationId xmlns:a16="http://schemas.microsoft.com/office/drawing/2014/main" id="{31D96D66-301D-4B88-ADAC-630BA9A640FD}"/>
               </a:ext>
             </a:extLst>
           </p:cNvPr>
           <p:cNvPicPr>
-            <a:picLocks noChangeAspect="1" noChangeArrowheads="1"/>
+            <a:picLocks noChangeAspect="1"/>
           </p:cNvPicPr>
           <p:nvPr/>
         </p:nvPicPr>
@@ -5609,42 +9092,31 @@
               </a:ext>
             </a:extLst>
           </a:blip>
-          <a:srcRect/>
           <a:stretch>
             <a:fillRect/>
           </a:stretch>
         </p:blipFill>
-        <p:spPr bwMode="auto">
+        <p:spPr>
           <a:xfrm>
-            <a:off x="6953250" y="873751"/>
-            <a:ext cx="3486150" cy="1314450"/>
+            <a:off x="4387032" y="1845223"/>
+            <a:ext cx="3027517" cy="1510740"/>
           </a:xfrm>
           <a:prstGeom prst="rect">
             <a:avLst/>
           </a:prstGeom>
-          <a:noFill/>
-          <a:extLst>
-            <a:ext uri="{909E8E84-426E-40DD-AFC4-6F175D3DCCD1}">
-              <a14:hiddenFill xmlns:a14="http://schemas.microsoft.com/office/drawing/2010/main">
-                <a:solidFill>
-                  <a:srgbClr val="FFFFFF"/>
-                </a:solidFill>
-              </a14:hiddenFill>
-            </a:ext>
-          </a:extLst>
         </p:spPr>
       </p:pic>
       <p:pic>
         <p:nvPicPr>
-          <p:cNvPr id="10" name="Picture 2" descr="Reasons to Choose PyTorch for Deep Learning | by Claire D. Costa | Towards  Data Science">
-            <a:extLst>
-              <a:ext uri="{FF2B5EF4-FFF2-40B4-BE49-F238E27FC236}">
-                <a16:creationId xmlns:a16="http://schemas.microsoft.com/office/drawing/2014/main" id="{D12D1F04-484A-4130-84BC-B345AF6FA43D}"/>
+          <p:cNvPr id="16" name="Picture 15" descr="A picture containing icon&#10;&#10;Description automatically generated">
+            <a:extLst>
+              <a:ext uri="{FF2B5EF4-FFF2-40B4-BE49-F238E27FC236}">
+                <a16:creationId xmlns:a16="http://schemas.microsoft.com/office/drawing/2014/main" id="{6EFE9E2F-DD15-4FBB-9429-6B00D2617B19}"/>
               </a:ext>
             </a:extLst>
           </p:cNvPr>
           <p:cNvPicPr>
-            <a:picLocks noChangeAspect="1" noChangeArrowheads="1"/>
+            <a:picLocks noChangeAspect="1"/>
           </p:cNvPicPr>
           <p:nvPr/>
         </p:nvPicPr>
@@ -5656,37 +9128,134 @@
               </a:ext>
             </a:extLst>
           </a:blip>
-          <a:srcRect/>
           <a:stretch>
             <a:fillRect/>
           </a:stretch>
         </p:blipFill>
-        <p:spPr bwMode="auto">
+        <p:spPr>
           <a:xfrm>
-            <a:off x="7096125" y="2386596"/>
-            <a:ext cx="3028950" cy="1514475"/>
+            <a:off x="443205" y="3890495"/>
+            <a:ext cx="4363768" cy="2183361"/>
           </a:xfrm>
           <a:prstGeom prst="rect">
             <a:avLst/>
           </a:prstGeom>
-          <a:noFill/>
-          <a:extLst>
-            <a:ext uri="{909E8E84-426E-40DD-AFC4-6F175D3DCCD1}">
-              <a14:hiddenFill xmlns:a14="http://schemas.microsoft.com/office/drawing/2010/main">
-                <a:solidFill>
-                  <a:srgbClr val="FFFFFF"/>
-                </a:solidFill>
-              </a14:hiddenFill>
-            </a:ext>
-          </a:extLst>
         </p:spPr>
       </p:pic>
-      <p:sp>
-        <p:nvSpPr>
-          <p:cNvPr id="11" name="Rectangle 10">
-            <a:extLst>
-              <a:ext uri="{FF2B5EF4-FFF2-40B4-BE49-F238E27FC236}">
-                <a16:creationId xmlns:a16="http://schemas.microsoft.com/office/drawing/2014/main" id="{3652F33D-7935-4615-B916-14D56905DC5C}"/>
+      <p:pic>
+        <p:nvPicPr>
+          <p:cNvPr id="18" name="Picture 17" descr="Shape&#10;&#10;Description automatically generated">
+            <a:extLst>
+              <a:ext uri="{FF2B5EF4-FFF2-40B4-BE49-F238E27FC236}">
+                <a16:creationId xmlns:a16="http://schemas.microsoft.com/office/drawing/2014/main" id="{8EDFBB11-4CA0-40E4-9DE1-7989533284A7}"/>
+              </a:ext>
+            </a:extLst>
+          </p:cNvPr>
+          <p:cNvPicPr>
+            <a:picLocks noChangeAspect="1"/>
+          </p:cNvPicPr>
+          <p:nvPr/>
+        </p:nvPicPr>
+        <p:blipFill>
+          <a:blip r:embed="rId6">
+            <a:extLst>
+              <a:ext uri="{28A0092B-C50C-407E-A947-70E740481C1C}">
+                <a14:useLocalDpi xmlns:a14="http://schemas.microsoft.com/office/drawing/2010/main" val="0"/>
+              </a:ext>
+            </a:extLst>
+          </a:blip>
+          <a:stretch>
+            <a:fillRect/>
+          </a:stretch>
+        </p:blipFill>
+        <p:spPr>
+          <a:xfrm>
+            <a:off x="4806973" y="3990876"/>
+            <a:ext cx="1982598" cy="1982598"/>
+          </a:xfrm>
+          <a:prstGeom prst="rect">
+            <a:avLst/>
+          </a:prstGeom>
+        </p:spPr>
+      </p:pic>
+      <p:pic>
+        <p:nvPicPr>
+          <p:cNvPr id="20" name="Picture 19">
+            <a:extLst>
+              <a:ext uri="{FF2B5EF4-FFF2-40B4-BE49-F238E27FC236}">
+                <a16:creationId xmlns:a16="http://schemas.microsoft.com/office/drawing/2014/main" id="{7C5A1973-482B-40AC-B3AD-F23246FBE849}"/>
+              </a:ext>
+            </a:extLst>
+          </p:cNvPr>
+          <p:cNvPicPr>
+            <a:picLocks noChangeAspect="1"/>
+          </p:cNvPicPr>
+          <p:nvPr/>
+        </p:nvPicPr>
+        <p:blipFill>
+          <a:blip r:embed="rId7">
+            <a:extLst>
+              <a:ext uri="{28A0092B-C50C-407E-A947-70E740481C1C}">
+                <a14:useLocalDpi xmlns:a14="http://schemas.microsoft.com/office/drawing/2010/main" val="0"/>
+              </a:ext>
+            </a:extLst>
+          </a:blip>
+          <a:stretch>
+            <a:fillRect/>
+          </a:stretch>
+        </p:blipFill>
+        <p:spPr>
+          <a:xfrm>
+            <a:off x="7107343" y="4257407"/>
+            <a:ext cx="4352381" cy="1333333"/>
+          </a:xfrm>
+          <a:prstGeom prst="rect">
+            <a:avLst/>
+          </a:prstGeom>
+        </p:spPr>
+      </p:pic>
+      <p:pic>
+        <p:nvPicPr>
+          <p:cNvPr id="24" name="Picture 23" descr="A picture containing text, clipart&#10;&#10;Description automatically generated">
+            <a:extLst>
+              <a:ext uri="{FF2B5EF4-FFF2-40B4-BE49-F238E27FC236}">
+                <a16:creationId xmlns:a16="http://schemas.microsoft.com/office/drawing/2014/main" id="{7227304C-9F33-4E68-B313-A3E5169B57D3}"/>
+              </a:ext>
+            </a:extLst>
+          </p:cNvPr>
+          <p:cNvPicPr>
+            <a:picLocks noChangeAspect="1"/>
+          </p:cNvPicPr>
+          <p:nvPr/>
+        </p:nvPicPr>
+        <p:blipFill>
+          <a:blip r:embed="rId8">
+            <a:extLst>
+              <a:ext uri="{28A0092B-C50C-407E-A947-70E740481C1C}">
+                <a14:useLocalDpi xmlns:a14="http://schemas.microsoft.com/office/drawing/2010/main" val="0"/>
+              </a:ext>
+            </a:extLst>
+          </a:blip>
+          <a:stretch>
+            <a:fillRect/>
+          </a:stretch>
+        </p:blipFill>
+        <p:spPr>
+          <a:xfrm rot="2317046">
+            <a:off x="8754417" y="72570"/>
+            <a:ext cx="2295879" cy="1530586"/>
+          </a:xfrm>
+          <a:prstGeom prst="rect">
+            <a:avLst/>
+          </a:prstGeom>
+        </p:spPr>
+      </p:pic>
+      <p:sp>
+        <p:nvSpPr>
+          <p:cNvPr id="21" name="Rectangle 20">
+            <a:extLst>
+              <a:ext uri="{FF2B5EF4-FFF2-40B4-BE49-F238E27FC236}">
+                <a16:creationId xmlns:a16="http://schemas.microsoft.com/office/drawing/2014/main" id="{C89102AB-F7E2-4B19-995A-31E8090112BE}"/>
               </a:ext>
             </a:extLst>
           </p:cNvPr>
@@ -5695,8 +9264,8 @@
         </p:nvSpPr>
         <p:spPr>
           <a:xfrm>
-            <a:off x="6786694" y="713064"/>
-            <a:ext cx="3814631" cy="2961314"/>
+            <a:off x="7519593" y="1862237"/>
+            <a:ext cx="3536483" cy="1370796"/>
           </a:xfrm>
           <a:prstGeom prst="rect">
             <a:avLst/>
@@ -5736,633 +9305,118 @@
     </p:spTree>
     <p:extLst>
       <p:ext uri="{BB962C8B-B14F-4D97-AF65-F5344CB8AC3E}">
-        <p14:creationId xmlns:p14="http://schemas.microsoft.com/office/powerpoint/2010/main" val="439255739"/>
+        <p14:creationId xmlns:p14="http://schemas.microsoft.com/office/powerpoint/2010/main" val="779768607"/>
       </p:ext>
     </p:extLst>
   </p:cSld>
   <p:clrMapOvr>
     <a:masterClrMapping/>
   </p:clrMapOvr>
-</p:sld>
-</file>
-
-<file path=ppt/slides/slide7.xml><?xml version="1.0" encoding="utf-8"?>
-<p:sld xmlns:a="http://schemas.openxmlformats.org/drawingml/2006/main" xmlns:r="http://schemas.openxmlformats.org/officeDocument/2006/relationships" xmlns:p="http://schemas.openxmlformats.org/presentationml/2006/main">
-  <p:cSld>
-    <p:spTree>
-      <p:nvGrpSpPr>
-        <p:cNvPr id="1" name=""/>
-        <p:cNvGrpSpPr/>
-        <p:nvPr/>
-      </p:nvGrpSpPr>
-      <p:grpSpPr>
-        <a:xfrm>
-          <a:off x="0" y="0"/>
-          <a:ext cx="0" cy="0"/>
-          <a:chOff x="0" y="0"/>
-          <a:chExt cx="0" cy="0"/>
-        </a:xfrm>
-      </p:grpSpPr>
-      <p:sp>
-        <p:nvSpPr>
-          <p:cNvPr id="2" name="Title 1">
-            <a:extLst>
-              <a:ext uri="{FF2B5EF4-FFF2-40B4-BE49-F238E27FC236}">
-                <a16:creationId xmlns:a16="http://schemas.microsoft.com/office/drawing/2014/main" id="{3B196954-D4EE-488B-B250-B4A352C7A845}"/>
-              </a:ext>
-            </a:extLst>
-          </p:cNvPr>
-          <p:cNvSpPr>
-            <a:spLocks noGrp="1"/>
-          </p:cNvSpPr>
-          <p:nvPr>
-            <p:ph type="title"/>
-          </p:nvPr>
-        </p:nvSpPr>
-        <p:spPr/>
-        <p:txBody>
-          <a:bodyPr/>
-          <a:lstStyle/>
-          <a:p>
-            <a:r>
-              <a:rPr lang="da-DK" dirty="0"/>
-              <a:t>How to make a modern deep learning framework</a:t>
-            </a:r>
-          </a:p>
-        </p:txBody>
-      </p:sp>
-      <p:sp>
-        <p:nvSpPr>
-          <p:cNvPr id="3" name="Content Placeholder 2">
-            <a:extLst>
-              <a:ext uri="{FF2B5EF4-FFF2-40B4-BE49-F238E27FC236}">
-                <a16:creationId xmlns:a16="http://schemas.microsoft.com/office/drawing/2014/main" id="{67BAF2C6-3100-47AD-AFBC-101D716A7503}"/>
-              </a:ext>
-            </a:extLst>
-          </p:cNvPr>
-          <p:cNvSpPr>
-            <a:spLocks noGrp="1"/>
-          </p:cNvSpPr>
-          <p:nvPr>
-            <p:ph idx="1"/>
-          </p:nvPr>
-        </p:nvSpPr>
-        <p:spPr/>
-        <p:txBody>
-          <a:bodyPr/>
-          <a:lstStyle/>
-          <a:p>
-            <a:endParaRPr lang="da-DK"/>
-          </a:p>
-        </p:txBody>
-      </p:sp>
-      <p:sp>
-        <p:nvSpPr>
-          <p:cNvPr id="4" name="Date Placeholder 3">
-            <a:extLst>
-              <a:ext uri="{FF2B5EF4-FFF2-40B4-BE49-F238E27FC236}">
-                <a16:creationId xmlns:a16="http://schemas.microsoft.com/office/drawing/2014/main" id="{3C082D71-621F-4D79-8A34-878DFF70AC94}"/>
-              </a:ext>
-            </a:extLst>
-          </p:cNvPr>
-          <p:cNvSpPr>
-            <a:spLocks noGrp="1"/>
-          </p:cNvSpPr>
-          <p:nvPr>
-            <p:ph type="dt" sz="half" idx="10"/>
-          </p:nvPr>
-        </p:nvSpPr>
-        <p:spPr/>
-        <p:txBody>
-          <a:bodyPr/>
-          <a:lstStyle/>
-          <a:p>
-            <a:fld id="{019E29B9-5584-4737-9C98-1B926378C778}" type="datetime1">
-              <a:rPr lang="en-US" smtClean="0"/>
-              <a:t>4/28/2021</a:t>
-            </a:fld>
-            <a:endParaRPr lang="da-DK"/>
-          </a:p>
-        </p:txBody>
-      </p:sp>
-      <p:sp>
-        <p:nvSpPr>
-          <p:cNvPr id="5" name="Footer Placeholder 4">
-            <a:extLst>
-              <a:ext uri="{FF2B5EF4-FFF2-40B4-BE49-F238E27FC236}">
-                <a16:creationId xmlns:a16="http://schemas.microsoft.com/office/drawing/2014/main" id="{EC3AB0CB-DB29-408A-A980-2902500B31EF}"/>
-              </a:ext>
-            </a:extLst>
-          </p:cNvPr>
-          <p:cNvSpPr>
-            <a:spLocks noGrp="1"/>
-          </p:cNvSpPr>
-          <p:nvPr>
-            <p:ph type="ftr" sz="quarter" idx="11"/>
-          </p:nvPr>
-        </p:nvSpPr>
-        <p:spPr/>
-        <p:txBody>
-          <a:bodyPr/>
-          <a:lstStyle/>
-          <a:p>
-            <a:r>
-              <a:rPr lang="da-DK"/>
-              <a:t>Nicki Skafte Detlefsen</a:t>
-            </a:r>
-          </a:p>
-        </p:txBody>
-      </p:sp>
-      <p:sp>
-        <p:nvSpPr>
-          <p:cNvPr id="6" name="Slide Number Placeholder 5">
-            <a:extLst>
-              <a:ext uri="{FF2B5EF4-FFF2-40B4-BE49-F238E27FC236}">
-                <a16:creationId xmlns:a16="http://schemas.microsoft.com/office/drawing/2014/main" id="{05290D20-0CAA-4245-879F-66A38F0100B4}"/>
-              </a:ext>
-            </a:extLst>
-          </p:cNvPr>
-          <p:cNvSpPr>
-            <a:spLocks noGrp="1"/>
-          </p:cNvSpPr>
-          <p:nvPr>
-            <p:ph type="sldNum" sz="quarter" idx="12"/>
-          </p:nvPr>
-        </p:nvSpPr>
-        <p:spPr/>
-        <p:txBody>
-          <a:bodyPr/>
-          <a:lstStyle/>
-          <a:p>
-            <a:fld id="{F6FEDE24-D50C-481B-A7B4-8AF13899101A}" type="slidenum">
-              <a:rPr lang="da-DK" smtClean="0"/>
-              <a:t>7</a:t>
-            </a:fld>
-            <a:endParaRPr lang="da-DK"/>
-          </a:p>
-        </p:txBody>
-      </p:sp>
-      <p:sp>
-        <p:nvSpPr>
-          <p:cNvPr id="8" name="Oval 7">
-            <a:extLst>
-              <a:ext uri="{FF2B5EF4-FFF2-40B4-BE49-F238E27FC236}">
-                <a16:creationId xmlns:a16="http://schemas.microsoft.com/office/drawing/2014/main" id="{9079CECD-657D-4CD2-A48D-792D57A2AA81}"/>
-              </a:ext>
-            </a:extLst>
-          </p:cNvPr>
-          <p:cNvSpPr/>
-          <p:nvPr/>
-        </p:nvSpPr>
-        <p:spPr>
-          <a:xfrm>
-            <a:off x="2757733" y="2759807"/>
-            <a:ext cx="1800000" cy="1800000"/>
-          </a:xfrm>
-          <a:prstGeom prst="ellipse">
-            <a:avLst/>
-          </a:prstGeom>
-        </p:spPr>
-        <p:style>
-          <a:lnRef idx="2">
-            <a:schemeClr val="accent1">
-              <a:shade val="50000"/>
-            </a:schemeClr>
-          </a:lnRef>
-          <a:fillRef idx="1">
-            <a:schemeClr val="accent1"/>
-          </a:fillRef>
-          <a:effectRef idx="0">
-            <a:schemeClr val="accent1"/>
-          </a:effectRef>
-          <a:fontRef idx="minor">
-            <a:schemeClr val="lt1"/>
-          </a:fontRef>
-        </p:style>
-        <p:txBody>
-          <a:bodyPr rtlCol="0" anchor="ctr"/>
-          <a:lstStyle/>
-          <a:p>
-            <a:pPr algn="ctr"/>
-            <a:r>
-              <a:rPr lang="da-DK" dirty="0"/>
-              <a:t>Tensors</a:t>
-            </a:r>
-          </a:p>
-        </p:txBody>
-      </p:sp>
-      <p:sp>
-        <p:nvSpPr>
-          <p:cNvPr id="9" name="Oval 8">
-            <a:extLst>
-              <a:ext uri="{FF2B5EF4-FFF2-40B4-BE49-F238E27FC236}">
-                <a16:creationId xmlns:a16="http://schemas.microsoft.com/office/drawing/2014/main" id="{AB420AE8-4276-4DF0-AA32-8B6D46408DEA}"/>
-              </a:ext>
-            </a:extLst>
-          </p:cNvPr>
-          <p:cNvSpPr/>
-          <p:nvPr/>
-        </p:nvSpPr>
-        <p:spPr>
-          <a:xfrm>
-            <a:off x="4970197" y="2759807"/>
-            <a:ext cx="1800000" cy="1800000"/>
-          </a:xfrm>
-          <a:prstGeom prst="ellipse">
-            <a:avLst/>
-          </a:prstGeom>
-        </p:spPr>
-        <p:style>
-          <a:lnRef idx="2">
-            <a:schemeClr val="accent1">
-              <a:shade val="50000"/>
-            </a:schemeClr>
-          </a:lnRef>
-          <a:fillRef idx="1">
-            <a:schemeClr val="accent1"/>
-          </a:fillRef>
-          <a:effectRef idx="0">
-            <a:schemeClr val="accent1"/>
-          </a:effectRef>
-          <a:fontRef idx="minor">
-            <a:schemeClr val="lt1"/>
-          </a:fontRef>
-        </p:style>
-        <p:txBody>
-          <a:bodyPr rtlCol="0" anchor="ctr"/>
-          <a:lstStyle/>
-          <a:p>
-            <a:pPr algn="ctr"/>
-            <a:r>
-              <a:rPr lang="da-DK" dirty="0"/>
-              <a:t>Hardware acceleration</a:t>
-            </a:r>
-          </a:p>
-        </p:txBody>
-      </p:sp>
-      <p:sp>
-        <p:nvSpPr>
-          <p:cNvPr id="10" name="Oval 9">
-            <a:extLst>
-              <a:ext uri="{FF2B5EF4-FFF2-40B4-BE49-F238E27FC236}">
-                <a16:creationId xmlns:a16="http://schemas.microsoft.com/office/drawing/2014/main" id="{928F16EF-A68D-4ECA-94B2-28ACA2C52F94}"/>
-              </a:ext>
-            </a:extLst>
-          </p:cNvPr>
-          <p:cNvSpPr/>
-          <p:nvPr/>
-        </p:nvSpPr>
-        <p:spPr>
-          <a:xfrm>
-            <a:off x="7253400" y="2759807"/>
-            <a:ext cx="1800000" cy="1800000"/>
-          </a:xfrm>
-          <a:prstGeom prst="ellipse">
-            <a:avLst/>
-          </a:prstGeom>
-        </p:spPr>
-        <p:style>
-          <a:lnRef idx="2">
-            <a:schemeClr val="accent1">
-              <a:shade val="50000"/>
-            </a:schemeClr>
-          </a:lnRef>
-          <a:fillRef idx="1">
-            <a:schemeClr val="accent1"/>
-          </a:fillRef>
-          <a:effectRef idx="0">
-            <a:schemeClr val="accent1"/>
-          </a:effectRef>
-          <a:fontRef idx="minor">
-            <a:schemeClr val="lt1"/>
-          </a:fontRef>
-        </p:style>
-        <p:txBody>
-          <a:bodyPr rtlCol="0" anchor="ctr"/>
-          <a:lstStyle/>
-          <a:p>
-            <a:pPr algn="ctr"/>
-            <a:r>
-              <a:rPr lang="da-DK" dirty="0"/>
-              <a:t>Automatic differentation</a:t>
-            </a:r>
-          </a:p>
-        </p:txBody>
-      </p:sp>
-      <p:sp>
-        <p:nvSpPr>
-          <p:cNvPr id="11" name="TextBox 10">
-            <a:extLst>
-              <a:ext uri="{FF2B5EF4-FFF2-40B4-BE49-F238E27FC236}">
-                <a16:creationId xmlns:a16="http://schemas.microsoft.com/office/drawing/2014/main" id="{D5F6B155-ED5D-4394-A1EF-68CC8DF974B4}"/>
-              </a:ext>
-            </a:extLst>
-          </p:cNvPr>
-          <p:cNvSpPr txBox="1"/>
-          <p:nvPr/>
-        </p:nvSpPr>
-        <p:spPr>
-          <a:xfrm>
-            <a:off x="3034713" y="4685056"/>
-            <a:ext cx="1426128" cy="923330"/>
-          </a:xfrm>
-          <a:prstGeom prst="rect">
-            <a:avLst/>
-          </a:prstGeom>
-          <a:noFill/>
-        </p:spPr>
-        <p:txBody>
-          <a:bodyPr wrap="square" rtlCol="0">
-            <a:spAutoFit/>
-          </a:bodyPr>
-          <a:lstStyle/>
-          <a:p>
-            <a:r>
-              <a:rPr lang="da-DK" dirty="0"/>
-              <a:t>Abstraction to higher order data</a:t>
-            </a:r>
-          </a:p>
-        </p:txBody>
-      </p:sp>
-      <p:sp>
-        <p:nvSpPr>
-          <p:cNvPr id="12" name="TextBox 11">
-            <a:extLst>
-              <a:ext uri="{FF2B5EF4-FFF2-40B4-BE49-F238E27FC236}">
-                <a16:creationId xmlns:a16="http://schemas.microsoft.com/office/drawing/2014/main" id="{E8EAEA57-6185-4970-A384-2C70F55586B1}"/>
-              </a:ext>
-            </a:extLst>
-          </p:cNvPr>
-          <p:cNvSpPr txBox="1"/>
-          <p:nvPr/>
-        </p:nvSpPr>
-        <p:spPr>
-          <a:xfrm>
-            <a:off x="5344069" y="4685056"/>
-            <a:ext cx="1426128" cy="923330"/>
-          </a:xfrm>
-          <a:prstGeom prst="rect">
-            <a:avLst/>
-          </a:prstGeom>
-          <a:noFill/>
-        </p:spPr>
-        <p:txBody>
-          <a:bodyPr wrap="square" rtlCol="0">
-            <a:spAutoFit/>
-          </a:bodyPr>
-          <a:lstStyle/>
-          <a:p>
-            <a:r>
-              <a:rPr lang="da-DK" dirty="0"/>
-              <a:t>Faster computations</a:t>
-            </a:r>
-          </a:p>
-        </p:txBody>
-      </p:sp>
-      <p:sp>
-        <p:nvSpPr>
-          <p:cNvPr id="13" name="TextBox 12">
-            <a:extLst>
-              <a:ext uri="{FF2B5EF4-FFF2-40B4-BE49-F238E27FC236}">
-                <a16:creationId xmlns:a16="http://schemas.microsoft.com/office/drawing/2014/main" id="{30832BCE-C61E-4C30-A8C3-50CCB30FB5D4}"/>
-              </a:ext>
-            </a:extLst>
-          </p:cNvPr>
-          <p:cNvSpPr txBox="1"/>
-          <p:nvPr/>
-        </p:nvSpPr>
-        <p:spPr>
-          <a:xfrm>
-            <a:off x="7627272" y="4685056"/>
-            <a:ext cx="1426128" cy="369332"/>
-          </a:xfrm>
-          <a:prstGeom prst="rect">
-            <a:avLst/>
-          </a:prstGeom>
-          <a:noFill/>
-        </p:spPr>
-        <p:txBody>
-          <a:bodyPr wrap="square" rtlCol="0">
-            <a:spAutoFit/>
-          </a:bodyPr>
-          <a:lstStyle/>
-          <a:p>
-            <a:r>
-              <a:rPr lang="da-DK" dirty="0"/>
-              <a:t>Ease of use</a:t>
-            </a:r>
-          </a:p>
-        </p:txBody>
-      </p:sp>
-    </p:spTree>
-    <p:extLst>
-      <p:ext uri="{BB962C8B-B14F-4D97-AF65-F5344CB8AC3E}">
-        <p14:creationId xmlns:p14="http://schemas.microsoft.com/office/powerpoint/2010/main" val="411016925"/>
-      </p:ext>
-    </p:extLst>
-  </p:cSld>
-  <p:clrMapOvr>
-    <a:masterClrMapping/>
-  </p:clrMapOvr>
-</p:sld>
-</file>
-
-<file path=ppt/slides/slide8.xml><?xml version="1.0" encoding="utf-8"?>
-<p:sld xmlns:a="http://schemas.openxmlformats.org/drawingml/2006/main" xmlns:r="http://schemas.openxmlformats.org/officeDocument/2006/relationships" xmlns:p="http://schemas.openxmlformats.org/presentationml/2006/main">
-  <p:cSld>
-    <p:spTree>
-      <p:nvGrpSpPr>
-        <p:cNvPr id="1" name=""/>
-        <p:cNvGrpSpPr/>
-        <p:nvPr/>
-      </p:nvGrpSpPr>
-      <p:grpSpPr>
-        <a:xfrm>
-          <a:off x="0" y="0"/>
-          <a:ext cx="0" cy="0"/>
-          <a:chOff x="0" y="0"/>
-          <a:chExt cx="0" cy="0"/>
-        </a:xfrm>
-      </p:grpSpPr>
-      <p:sp>
-        <p:nvSpPr>
-          <p:cNvPr id="2" name="Title 1">
-            <a:extLst>
-              <a:ext uri="{FF2B5EF4-FFF2-40B4-BE49-F238E27FC236}">
-                <a16:creationId xmlns:a16="http://schemas.microsoft.com/office/drawing/2014/main" id="{E6807CFB-04BE-43AB-B950-303DCBE4B926}"/>
-              </a:ext>
-            </a:extLst>
-          </p:cNvPr>
-          <p:cNvSpPr>
-            <a:spLocks noGrp="1"/>
-          </p:cNvSpPr>
-          <p:nvPr>
-            <p:ph type="title"/>
-          </p:nvPr>
-        </p:nvSpPr>
-        <p:spPr/>
-        <p:txBody>
-          <a:bodyPr/>
-          <a:lstStyle/>
-          <a:p>
-            <a:r>
-              <a:rPr lang="da-DK" dirty="0"/>
-              <a:t>Meme of the day</a:t>
-            </a:r>
-          </a:p>
-        </p:txBody>
-      </p:sp>
-      <p:sp>
-        <p:nvSpPr>
-          <p:cNvPr id="3" name="Content Placeholder 2">
-            <a:extLst>
-              <a:ext uri="{FF2B5EF4-FFF2-40B4-BE49-F238E27FC236}">
-                <a16:creationId xmlns:a16="http://schemas.microsoft.com/office/drawing/2014/main" id="{5513CE4A-4E41-420D-87F1-5BB683E7647A}"/>
-              </a:ext>
-            </a:extLst>
-          </p:cNvPr>
-          <p:cNvSpPr>
-            <a:spLocks noGrp="1"/>
-          </p:cNvSpPr>
-          <p:nvPr>
-            <p:ph idx="1"/>
-          </p:nvPr>
-        </p:nvSpPr>
-        <p:spPr/>
-        <p:txBody>
-          <a:bodyPr/>
-          <a:lstStyle/>
-          <a:p>
-            <a:endParaRPr lang="da-DK"/>
-          </a:p>
-        </p:txBody>
-      </p:sp>
-      <p:sp>
-        <p:nvSpPr>
-          <p:cNvPr id="4" name="Date Placeholder 3">
-            <a:extLst>
-              <a:ext uri="{FF2B5EF4-FFF2-40B4-BE49-F238E27FC236}">
-                <a16:creationId xmlns:a16="http://schemas.microsoft.com/office/drawing/2014/main" id="{06BBBB3D-7152-4915-9678-39322E5CE246}"/>
-              </a:ext>
-            </a:extLst>
-          </p:cNvPr>
-          <p:cNvSpPr>
-            <a:spLocks noGrp="1"/>
-          </p:cNvSpPr>
-          <p:nvPr>
-            <p:ph type="dt" sz="half" idx="10"/>
-          </p:nvPr>
-        </p:nvSpPr>
-        <p:spPr/>
-        <p:txBody>
-          <a:bodyPr/>
-          <a:lstStyle/>
-          <a:p>
-            <a:fld id="{019E29B9-5584-4737-9C98-1B926378C778}" type="datetime1">
-              <a:rPr lang="en-US" smtClean="0"/>
-              <a:t>4/28/2021</a:t>
-            </a:fld>
-            <a:endParaRPr lang="da-DK"/>
-          </a:p>
-        </p:txBody>
-      </p:sp>
-      <p:sp>
-        <p:nvSpPr>
-          <p:cNvPr id="5" name="Footer Placeholder 4">
-            <a:extLst>
-              <a:ext uri="{FF2B5EF4-FFF2-40B4-BE49-F238E27FC236}">
-                <a16:creationId xmlns:a16="http://schemas.microsoft.com/office/drawing/2014/main" id="{2191107E-5C57-432C-94A1-7E7659056F7D}"/>
-              </a:ext>
-            </a:extLst>
-          </p:cNvPr>
-          <p:cNvSpPr>
-            <a:spLocks noGrp="1"/>
-          </p:cNvSpPr>
-          <p:nvPr>
-            <p:ph type="ftr" sz="quarter" idx="11"/>
-          </p:nvPr>
-        </p:nvSpPr>
-        <p:spPr/>
-        <p:txBody>
-          <a:bodyPr/>
-          <a:lstStyle/>
-          <a:p>
-            <a:r>
-              <a:rPr lang="da-DK"/>
-              <a:t>Nicki Skafte Detlefsen</a:t>
-            </a:r>
-          </a:p>
-        </p:txBody>
-      </p:sp>
-      <p:sp>
-        <p:nvSpPr>
-          <p:cNvPr id="6" name="Slide Number Placeholder 5">
-            <a:extLst>
-              <a:ext uri="{FF2B5EF4-FFF2-40B4-BE49-F238E27FC236}">
-                <a16:creationId xmlns:a16="http://schemas.microsoft.com/office/drawing/2014/main" id="{566C5839-2F07-4488-9415-1B25BC34E3CE}"/>
-              </a:ext>
-            </a:extLst>
-          </p:cNvPr>
-          <p:cNvSpPr>
-            <a:spLocks noGrp="1"/>
-          </p:cNvSpPr>
-          <p:nvPr>
-            <p:ph type="sldNum" sz="quarter" idx="12"/>
-          </p:nvPr>
-        </p:nvSpPr>
-        <p:spPr/>
-        <p:txBody>
-          <a:bodyPr/>
-          <a:lstStyle/>
-          <a:p>
-            <a:fld id="{F6FEDE24-D50C-481B-A7B4-8AF13899101A}" type="slidenum">
-              <a:rPr lang="da-DK" smtClean="0"/>
-              <a:t>8</a:t>
-            </a:fld>
-            <a:endParaRPr lang="da-DK"/>
-          </a:p>
-        </p:txBody>
-      </p:sp>
-      <p:pic>
-        <p:nvPicPr>
-          <p:cNvPr id="8" name="Picture 7">
-            <a:extLst>
-              <a:ext uri="{FF2B5EF4-FFF2-40B4-BE49-F238E27FC236}">
-                <a16:creationId xmlns:a16="http://schemas.microsoft.com/office/drawing/2014/main" id="{85475AC4-C8CF-4DF3-850E-C896C94A1300}"/>
-              </a:ext>
-            </a:extLst>
-          </p:cNvPr>
-          <p:cNvPicPr>
-            <a:picLocks noChangeAspect="1"/>
-          </p:cNvPicPr>
-          <p:nvPr/>
-        </p:nvPicPr>
-        <p:blipFill>
-          <a:blip r:embed="rId2"/>
-          <a:stretch>
-            <a:fillRect/>
-          </a:stretch>
-        </p:blipFill>
-        <p:spPr>
-          <a:xfrm>
-            <a:off x="2324100" y="1240922"/>
-            <a:ext cx="7658100" cy="5038725"/>
-          </a:xfrm>
-          <a:prstGeom prst="rect">
-            <a:avLst/>
-          </a:prstGeom>
-        </p:spPr>
-      </p:pic>
-    </p:spTree>
-    <p:extLst>
-      <p:ext uri="{BB962C8B-B14F-4D97-AF65-F5344CB8AC3E}">
-        <p14:creationId xmlns:p14="http://schemas.microsoft.com/office/powerpoint/2010/main" val="1561460348"/>
-      </p:ext>
-    </p:extLst>
-  </p:cSld>
-  <p:clrMapOvr>
-    <a:masterClrMapping/>
-  </p:clrMapOvr>
+  <p:timing>
+    <p:tnLst>
+      <p:par>
+        <p:cTn id="1" dur="indefinite" restart="never" nodeType="tmRoot">
+          <p:childTnLst>
+            <p:seq concurrent="1" nextAc="seek">
+              <p:cTn id="2" dur="indefinite" nodeType="mainSeq">
+                <p:childTnLst>
+                  <p:par>
+                    <p:cTn id="3" fill="hold">
+                      <p:stCondLst>
+                        <p:cond delay="indefinite"/>
+                      </p:stCondLst>
+                      <p:childTnLst>
+                        <p:par>
+                          <p:cTn id="4" fill="hold">
+                            <p:stCondLst>
+                              <p:cond delay="0"/>
+                            </p:stCondLst>
+                            <p:childTnLst>
+                              <p:par>
+                                <p:cTn id="5" presetID="1" presetClass="entr" presetSubtype="0" fill="hold" nodeType="clickEffect">
+                                  <p:stCondLst>
+                                    <p:cond delay="0"/>
+                                  </p:stCondLst>
+                                  <p:childTnLst>
+                                    <p:set>
+                                      <p:cBhvr>
+                                        <p:cTn id="6" dur="1" fill="hold">
+                                          <p:stCondLst>
+                                            <p:cond delay="0"/>
+                                          </p:stCondLst>
+                                        </p:cTn>
+                                        <p:tgtEl>
+                                          <p:spTgt spid="24"/>
+                                        </p:tgtEl>
+                                        <p:attrNameLst>
+                                          <p:attrName>style.visibility</p:attrName>
+                                        </p:attrNameLst>
+                                      </p:cBhvr>
+                                      <p:to>
+                                        <p:strVal val="visible"/>
+                                      </p:to>
+                                    </p:set>
+                                  </p:childTnLst>
+                                </p:cTn>
+                              </p:par>
+                              <p:par>
+                                <p:cTn id="7" presetID="1" presetClass="entr" presetSubtype="0" fill="hold" grpId="0" nodeType="withEffect">
+                                  <p:stCondLst>
+                                    <p:cond delay="0"/>
+                                  </p:stCondLst>
+                                  <p:childTnLst>
+                                    <p:set>
+                                      <p:cBhvr>
+                                        <p:cTn id="8" dur="1" fill="hold">
+                                          <p:stCondLst>
+                                            <p:cond delay="0"/>
+                                          </p:stCondLst>
+                                        </p:cTn>
+                                        <p:tgtEl>
+                                          <p:spTgt spid="21"/>
+                                        </p:tgtEl>
+                                        <p:attrNameLst>
+                                          <p:attrName>style.visibility</p:attrName>
+                                        </p:attrNameLst>
+                                      </p:cBhvr>
+                                      <p:to>
+                                        <p:strVal val="visible"/>
+                                      </p:to>
+                                    </p:set>
+                                  </p:childTnLst>
+                                </p:cTn>
+                              </p:par>
+                            </p:childTnLst>
+                          </p:cTn>
+                        </p:par>
+                      </p:childTnLst>
+                    </p:cTn>
+                  </p:par>
+                </p:childTnLst>
+              </p:cTn>
+              <p:prevCondLst>
+                <p:cond evt="onPrev" delay="0">
+                  <p:tgtEl>
+                    <p:sldTgt/>
+                  </p:tgtEl>
+                </p:cond>
+              </p:prevCondLst>
+              <p:nextCondLst>
+                <p:cond evt="onNext" delay="0">
+                  <p:tgtEl>
+                    <p:sldTgt/>
+                  </p:tgtEl>
+                </p:cond>
+              </p:nextCondLst>
+            </p:seq>
+          </p:childTnLst>
+        </p:cTn>
+      </p:par>
+    </p:tnLst>
+    <p:bldLst>
+      <p:bldP spid="21" grpId="0" animBg="1"/>
+    </p:bldLst>
+  </p:timing>
 </p:sld>
 </file>
 
